--- a/results/Figures_for_CNGV_manuscript/CoGVCnGV_GxE_heuristicpanel.pptx
+++ b/results/Figures_for_CNGV_manuscript/CoGVCnGV_GxE_heuristicpanel.pptx
@@ -104,6 +104,11 @@
       </a:defRPr>
     </a:lvl9pPr>
   </p:defaultTextStyle>
+  <p:extLst>
+    <p:ext uri="{EFAFB233-063F-42B5-8137-9DF3F51BA10A}">
+      <p15:sldGuideLst xmlns:p15="http://schemas.microsoft.com/office/powerpoint/2012/main"/>
+    </p:ext>
+  </p:extLst>
 </p:presentation>
 </file>
 
@@ -238,7 +243,7 @@
           <a:p>
             <a:fld id="{C410D716-C318-7E43-9DCA-154671A017D8}" type="datetimeFigureOut">
               <a:rPr lang="en-US" smtClean="0"/>
-              <a:t>1/2/20</a:t>
+              <a:t>1/21/20</a:t>
             </a:fld>
             <a:endParaRPr lang="en-US"/>
           </a:p>
@@ -408,7 +413,7 @@
           <a:p>
             <a:fld id="{C410D716-C318-7E43-9DCA-154671A017D8}" type="datetimeFigureOut">
               <a:rPr lang="en-US" smtClean="0"/>
-              <a:t>1/2/20</a:t>
+              <a:t>1/21/20</a:t>
             </a:fld>
             <a:endParaRPr lang="en-US"/>
           </a:p>
@@ -588,7 +593,7 @@
           <a:p>
             <a:fld id="{C410D716-C318-7E43-9DCA-154671A017D8}" type="datetimeFigureOut">
               <a:rPr lang="en-US" smtClean="0"/>
-              <a:t>1/2/20</a:t>
+              <a:t>1/21/20</a:t>
             </a:fld>
             <a:endParaRPr lang="en-US"/>
           </a:p>
@@ -758,7 +763,7 @@
           <a:p>
             <a:fld id="{C410D716-C318-7E43-9DCA-154671A017D8}" type="datetimeFigureOut">
               <a:rPr lang="en-US" smtClean="0"/>
-              <a:t>1/2/20</a:t>
+              <a:t>1/21/20</a:t>
             </a:fld>
             <a:endParaRPr lang="en-US"/>
           </a:p>
@@ -1002,7 +1007,7 @@
           <a:p>
             <a:fld id="{C410D716-C318-7E43-9DCA-154671A017D8}" type="datetimeFigureOut">
               <a:rPr lang="en-US" smtClean="0"/>
-              <a:t>1/2/20</a:t>
+              <a:t>1/21/20</a:t>
             </a:fld>
             <a:endParaRPr lang="en-US"/>
           </a:p>
@@ -1234,7 +1239,7 @@
           <a:p>
             <a:fld id="{C410D716-C318-7E43-9DCA-154671A017D8}" type="datetimeFigureOut">
               <a:rPr lang="en-US" smtClean="0"/>
-              <a:t>1/2/20</a:t>
+              <a:t>1/21/20</a:t>
             </a:fld>
             <a:endParaRPr lang="en-US"/>
           </a:p>
@@ -1601,7 +1606,7 @@
           <a:p>
             <a:fld id="{C410D716-C318-7E43-9DCA-154671A017D8}" type="datetimeFigureOut">
               <a:rPr lang="en-US" smtClean="0"/>
-              <a:t>1/2/20</a:t>
+              <a:t>1/21/20</a:t>
             </a:fld>
             <a:endParaRPr lang="en-US"/>
           </a:p>
@@ -1719,7 +1724,7 @@
           <a:p>
             <a:fld id="{C410D716-C318-7E43-9DCA-154671A017D8}" type="datetimeFigureOut">
               <a:rPr lang="en-US" smtClean="0"/>
-              <a:t>1/2/20</a:t>
+              <a:t>1/21/20</a:t>
             </a:fld>
             <a:endParaRPr lang="en-US"/>
           </a:p>
@@ -1814,7 +1819,7 @@
           <a:p>
             <a:fld id="{C410D716-C318-7E43-9DCA-154671A017D8}" type="datetimeFigureOut">
               <a:rPr lang="en-US" smtClean="0"/>
-              <a:t>1/2/20</a:t>
+              <a:t>1/21/20</a:t>
             </a:fld>
             <a:endParaRPr lang="en-US"/>
           </a:p>
@@ -2091,7 +2096,7 @@
           <a:p>
             <a:fld id="{C410D716-C318-7E43-9DCA-154671A017D8}" type="datetimeFigureOut">
               <a:rPr lang="en-US" smtClean="0"/>
-              <a:t>1/2/20</a:t>
+              <a:t>1/21/20</a:t>
             </a:fld>
             <a:endParaRPr lang="en-US"/>
           </a:p>
@@ -2348,7 +2353,7 @@
           <a:p>
             <a:fld id="{C410D716-C318-7E43-9DCA-154671A017D8}" type="datetimeFigureOut">
               <a:rPr lang="en-US" smtClean="0"/>
-              <a:t>1/2/20</a:t>
+              <a:t>1/21/20</a:t>
             </a:fld>
             <a:endParaRPr lang="en-US"/>
           </a:p>
@@ -2561,7 +2566,7 @@
           <a:p>
             <a:fld id="{C410D716-C318-7E43-9DCA-154671A017D8}" type="datetimeFigureOut">
               <a:rPr lang="en-US" smtClean="0"/>
-              <a:t>1/2/20</a:t>
+              <a:t>1/21/20</a:t>
             </a:fld>
             <a:endParaRPr lang="en-US"/>
           </a:p>
@@ -2977,20 +2982,21 @@
           </p:cNvPr>
           <p:cNvCxnSpPr>
             <a:cxnSpLocks/>
-            <a:stCxn id="18" idx="7"/>
-            <a:endCxn id="24" idx="3"/>
+            <a:stCxn id="18" idx="6"/>
+            <a:endCxn id="29" idx="1"/>
           </p:cNvCxnSpPr>
           <p:nvPr/>
         </p:nvCxnSpPr>
         <p:spPr>
           <a:xfrm flipV="1">
-            <a:off x="1218368" y="1616053"/>
-            <a:ext cx="1395067" cy="1158950"/>
+            <a:off x="1199463" y="1548263"/>
+            <a:ext cx="1408425" cy="1314463"/>
           </a:xfrm>
           <a:prstGeom prst="line">
             <a:avLst/>
           </a:prstGeom>
           <a:ln>
+            <a:prstDash val="dash"/>
             <a:headEnd type="none" w="med" len="med"/>
             <a:tailEnd type="none" w="med" len="med"/>
           </a:ln>
@@ -3083,7 +3089,7 @@
         </p:nvSpPr>
         <p:spPr>
           <a:xfrm>
-            <a:off x="1107820" y="3072273"/>
+            <a:off x="1079244" y="3060621"/>
             <a:ext cx="57361" cy="168708"/>
           </a:xfrm>
           <a:prstGeom prst="rect">
@@ -3189,8 +3195,8 @@
         </p:nvSpPr>
         <p:spPr>
           <a:xfrm>
-            <a:off x="634424" y="3257835"/>
-            <a:ext cx="1021433" cy="246221"/>
+            <a:off x="515006" y="3248153"/>
+            <a:ext cx="1182953" cy="276999"/>
           </a:xfrm>
           <a:prstGeom prst="rect">
             <a:avLst/>
@@ -3204,7 +3210,7 @@
           <a:lstStyle/>
           <a:p>
             <a:r>
-              <a:rPr lang="en-US" sz="1000" dirty="0">
+              <a:rPr lang="en-US" sz="1200" dirty="0">
                 <a:latin typeface="Helvetica" pitchFamily="2" charset="0"/>
               </a:rPr>
               <a:t>Environment A</a:t>
@@ -3226,8 +3232,8 @@
         </p:nvSpPr>
         <p:spPr>
           <a:xfrm>
-            <a:off x="2189584" y="3257835"/>
-            <a:ext cx="1021433" cy="246221"/>
+            <a:off x="2110072" y="3247896"/>
+            <a:ext cx="1191352" cy="276999"/>
           </a:xfrm>
           <a:prstGeom prst="rect">
             <a:avLst/>
@@ -3241,7 +3247,7 @@
           <a:lstStyle/>
           <a:p>
             <a:r>
-              <a:rPr lang="en-US" sz="1000" dirty="0">
+              <a:rPr lang="en-US" sz="1200" dirty="0">
                 <a:latin typeface="Helvetica" pitchFamily="2" charset="0"/>
               </a:rPr>
               <a:t>Environment B</a:t>
@@ -3267,8 +3273,8 @@
         </p:nvCxnSpPr>
         <p:spPr>
           <a:xfrm flipV="1">
-            <a:off x="1245150" y="2191916"/>
-            <a:ext cx="1341503" cy="647745"/>
+            <a:off x="1199463" y="2191916"/>
+            <a:ext cx="1409415" cy="670810"/>
           </a:xfrm>
           <a:prstGeom prst="line">
             <a:avLst/>
@@ -3279,7 +3285,7 @@
                 <a:lumMod val="50000"/>
               </a:schemeClr>
             </a:solidFill>
-            <a:prstDash val="dash"/>
+            <a:prstDash val="solid"/>
           </a:ln>
         </p:spPr>
         <p:style>
@@ -3311,7 +3317,7 @@
         </p:nvSpPr>
         <p:spPr>
           <a:xfrm>
-            <a:off x="1062270" y="2748221"/>
+            <a:off x="1016583" y="2771286"/>
             <a:ext cx="182880" cy="182880"/>
           </a:xfrm>
           <a:prstGeom prst="ellipse">
@@ -3369,7 +3375,7 @@
         </p:nvSpPr>
         <p:spPr>
           <a:xfrm>
-            <a:off x="2586653" y="2100476"/>
+            <a:off x="2608878" y="2100476"/>
             <a:ext cx="182880" cy="182880"/>
           </a:xfrm>
           <a:prstGeom prst="ellipse">
@@ -3424,15 +3430,15 @@
           </p:cNvPr>
           <p:cNvCxnSpPr>
             <a:cxnSpLocks/>
-            <a:stCxn id="23" idx="6"/>
-            <a:endCxn id="24" idx="2"/>
+            <a:stCxn id="135" idx="3"/>
+            <a:endCxn id="29" idx="1"/>
           </p:cNvCxnSpPr>
           <p:nvPr/>
         </p:nvCxnSpPr>
         <p:spPr>
           <a:xfrm flipV="1">
-            <a:off x="1245150" y="1551395"/>
-            <a:ext cx="1341503" cy="648699"/>
+            <a:off x="1199470" y="1548263"/>
+            <a:ext cx="1408418" cy="664647"/>
           </a:xfrm>
           <a:prstGeom prst="line">
             <a:avLst/>
@@ -3441,7 +3447,7 @@
             <a:solidFill>
               <a:srgbClr val="7030A0"/>
             </a:solidFill>
-            <a:prstDash val="dash"/>
+            <a:prstDash val="solid"/>
           </a:ln>
         </p:spPr>
         <p:style>
@@ -3461,114 +3467,6 @@
       </p:cxnSp>
       <p:sp>
         <p:nvSpPr>
-          <p:cNvPr id="23" name="Oval 22">
-            <a:extLst>
-              <a:ext uri="{FF2B5EF4-FFF2-40B4-BE49-F238E27FC236}">
-                <a16:creationId xmlns:a16="http://schemas.microsoft.com/office/drawing/2014/main" id="{1435EFAA-D2C9-4845-BE33-2239770EDEC9}"/>
-              </a:ext>
-            </a:extLst>
-          </p:cNvPr>
-          <p:cNvSpPr/>
-          <p:nvPr/>
-        </p:nvSpPr>
-        <p:spPr>
-          <a:xfrm>
-            <a:off x="1062270" y="2108654"/>
-            <a:ext cx="182880" cy="182880"/>
-          </a:xfrm>
-          <a:prstGeom prst="ellipse">
-            <a:avLst/>
-          </a:prstGeom>
-          <a:solidFill>
-            <a:srgbClr val="7030A0"/>
-          </a:solidFill>
-          <a:ln>
-            <a:solidFill>
-              <a:srgbClr val="7030A0"/>
-            </a:solidFill>
-          </a:ln>
-        </p:spPr>
-        <p:style>
-          <a:lnRef idx="2">
-            <a:schemeClr val="accent1">
-              <a:shade val="50000"/>
-            </a:schemeClr>
-          </a:lnRef>
-          <a:fillRef idx="1">
-            <a:schemeClr val="accent1"/>
-          </a:fillRef>
-          <a:effectRef idx="0">
-            <a:schemeClr val="accent1"/>
-          </a:effectRef>
-          <a:fontRef idx="minor">
-            <a:schemeClr val="lt1"/>
-          </a:fontRef>
-        </p:style>
-        <p:txBody>
-          <a:bodyPr rtlCol="0" anchor="ctr"/>
-          <a:lstStyle/>
-          <a:p>
-            <a:pPr algn="ctr"/>
-            <a:endParaRPr lang="en-US"/>
-          </a:p>
-        </p:txBody>
-      </p:sp>
-      <p:sp>
-        <p:nvSpPr>
-          <p:cNvPr id="24" name="Oval 23">
-            <a:extLst>
-              <a:ext uri="{FF2B5EF4-FFF2-40B4-BE49-F238E27FC236}">
-                <a16:creationId xmlns:a16="http://schemas.microsoft.com/office/drawing/2014/main" id="{5DAD6335-4E04-344D-804A-B0E7C94B31BF}"/>
-              </a:ext>
-            </a:extLst>
-          </p:cNvPr>
-          <p:cNvSpPr/>
-          <p:nvPr/>
-        </p:nvSpPr>
-        <p:spPr>
-          <a:xfrm>
-            <a:off x="2586653" y="1459955"/>
-            <a:ext cx="182880" cy="182880"/>
-          </a:xfrm>
-          <a:prstGeom prst="ellipse">
-            <a:avLst/>
-          </a:prstGeom>
-          <a:solidFill>
-            <a:srgbClr val="7030A0"/>
-          </a:solidFill>
-          <a:ln>
-            <a:solidFill>
-              <a:srgbClr val="7030A0"/>
-            </a:solidFill>
-          </a:ln>
-        </p:spPr>
-        <p:style>
-          <a:lnRef idx="2">
-            <a:schemeClr val="accent1">
-              <a:shade val="50000"/>
-            </a:schemeClr>
-          </a:lnRef>
-          <a:fillRef idx="1">
-            <a:schemeClr val="accent1"/>
-          </a:fillRef>
-          <a:effectRef idx="0">
-            <a:schemeClr val="accent1"/>
-          </a:effectRef>
-          <a:fontRef idx="minor">
-            <a:schemeClr val="lt1"/>
-          </a:fontRef>
-        </p:style>
-        <p:txBody>
-          <a:bodyPr rtlCol="0" anchor="ctr"/>
-          <a:lstStyle/>
-          <a:p>
-            <a:pPr algn="ctr"/>
-            <a:endParaRPr lang="en-US"/>
-          </a:p>
-        </p:txBody>
-      </p:sp>
-      <p:sp>
-        <p:nvSpPr>
           <p:cNvPr id="25" name="TextBox 24">
             <a:extLst>
               <a:ext uri="{FF2B5EF4-FFF2-40B4-BE49-F238E27FC236}">
@@ -3581,8 +3479,8 @@
         </p:nvSpPr>
         <p:spPr>
           <a:xfrm rot="16200000">
-            <a:off x="108966" y="2036065"/>
-            <a:ext cx="792205" cy="246221"/>
+            <a:off x="46449" y="2020676"/>
+            <a:ext cx="917239" cy="276999"/>
           </a:xfrm>
           <a:prstGeom prst="rect">
             <a:avLst/>
@@ -3596,7 +3494,7 @@
           <a:lstStyle/>
           <a:p>
             <a:r>
-              <a:rPr lang="en-US" sz="1000" dirty="0">
+              <a:rPr lang="en-US" sz="1200" dirty="0">
                 <a:latin typeface="Helvetica" pitchFamily="2" charset="0"/>
               </a:rPr>
               <a:t>Phenotype</a:t>
@@ -3618,7 +3516,7 @@
         </p:nvSpPr>
         <p:spPr>
           <a:xfrm>
-            <a:off x="2702677" y="2100476"/>
+            <a:off x="2752372" y="2090537"/>
             <a:ext cx="856325" cy="246221"/>
           </a:xfrm>
           <a:prstGeom prst="rect">
@@ -3655,7 +3553,7 @@
         </p:nvSpPr>
         <p:spPr>
           <a:xfrm>
-            <a:off x="2708931" y="1436449"/>
+            <a:off x="2758626" y="1426510"/>
             <a:ext cx="856325" cy="246221"/>
           </a:xfrm>
           <a:prstGeom prst="rect">
@@ -3692,8 +3590,8 @@
         </p:nvSpPr>
         <p:spPr>
           <a:xfrm>
-            <a:off x="1221020" y="706473"/>
-            <a:ext cx="1056700" cy="369332"/>
+            <a:off x="1045717" y="537966"/>
+            <a:ext cx="2233304" cy="584775"/>
           </a:xfrm>
           <a:prstGeom prst="rect">
             <a:avLst/>
@@ -3706,6 +3604,7 @@
           </a:bodyPr>
           <a:lstStyle/>
           <a:p>
+            <a:pPr algn="ctr"/>
             <a:r>
               <a:rPr lang="en-US" dirty="0">
                 <a:latin typeface="Helvetica" pitchFamily="2" charset="0"/>
@@ -3718,54 +3617,17 @@
               </a:rPr>
               <a:t>GxE</a:t>
             </a:r>
-            <a:r>
-              <a:rPr lang="en-US" dirty="0">
+            <a:endParaRPr lang="en-US" dirty="0">
+              <a:latin typeface="Helvetica" pitchFamily="2" charset="0"/>
+            </a:endParaRPr>
+          </a:p>
+          <a:p>
+            <a:pPr algn="ctr"/>
+            <a:r>
+              <a:rPr lang="en-US" sz="1400" dirty="0">
                 <a:latin typeface="Helvetica" pitchFamily="2" charset="0"/>
               </a:rPr>
-              <a:t> </a:t>
-            </a:r>
-          </a:p>
-        </p:txBody>
-      </p:sp>
-      <p:sp>
-        <p:nvSpPr>
-          <p:cNvPr id="44" name="TextBox 43">
-            <a:extLst>
-              <a:ext uri="{FF2B5EF4-FFF2-40B4-BE49-F238E27FC236}">
-                <a16:creationId xmlns:a16="http://schemas.microsoft.com/office/drawing/2014/main" id="{E78F7DEA-C253-C442-B319-1DA5F4220A3F}"/>
-              </a:ext>
-            </a:extLst>
-          </p:cNvPr>
-          <p:cNvSpPr txBox="1"/>
-          <p:nvPr/>
-        </p:nvSpPr>
-        <p:spPr>
-          <a:xfrm>
-            <a:off x="4939353" y="706473"/>
-            <a:ext cx="697627" cy="369332"/>
-          </a:xfrm>
-          <a:prstGeom prst="rect">
-            <a:avLst/>
-          </a:prstGeom>
-          <a:noFill/>
-        </p:spPr>
-        <p:txBody>
-          <a:bodyPr wrap="none" rtlCol="0">
-            <a:spAutoFit/>
-          </a:bodyPr>
-          <a:lstStyle/>
-          <a:p>
-            <a:r>
-              <a:rPr lang="en-US" dirty="0" err="1">
-                <a:latin typeface="Helvetica" pitchFamily="2" charset="0"/>
-              </a:rPr>
-              <a:t>GxE</a:t>
-            </a:r>
-            <a:r>
-              <a:rPr lang="en-US" dirty="0">
-                <a:latin typeface="Helvetica" pitchFamily="2" charset="0"/>
-              </a:rPr>
-              <a:t> </a:t>
+              <a:t>(Reaction norms parallel) </a:t>
             </a:r>
           </a:p>
         </p:txBody>
@@ -3899,19 +3761,20 @@
           <p:cNvCxnSpPr>
             <a:cxnSpLocks/>
             <a:stCxn id="55" idx="7"/>
-            <a:endCxn id="59" idx="3"/>
+            <a:endCxn id="136" idx="1"/>
           </p:cNvCxnSpPr>
           <p:nvPr/>
         </p:nvCxnSpPr>
         <p:spPr>
           <a:xfrm flipV="1">
-            <a:off x="4338242" y="1617343"/>
-            <a:ext cx="1409682" cy="986153"/>
+            <a:off x="4340958" y="1556695"/>
+            <a:ext cx="1416217" cy="1166149"/>
           </a:xfrm>
           <a:prstGeom prst="line">
             <a:avLst/>
           </a:prstGeom>
           <a:ln>
+            <a:prstDash val="dash"/>
             <a:headEnd type="none" w="med" len="med"/>
             <a:tailEnd type="none" w="med" len="med"/>
           </a:ln>
@@ -4004,7 +3867,7 @@
         </p:nvSpPr>
         <p:spPr>
           <a:xfrm>
-            <a:off x="4256374" y="3072273"/>
+            <a:off x="4250024" y="3072273"/>
             <a:ext cx="57361" cy="168708"/>
           </a:xfrm>
           <a:prstGeom prst="rect">
@@ -4096,80 +3959,6 @@
           </a:p>
         </p:txBody>
       </p:sp>
-      <p:sp>
-        <p:nvSpPr>
-          <p:cNvPr id="52" name="TextBox 51">
-            <a:extLst>
-              <a:ext uri="{FF2B5EF4-FFF2-40B4-BE49-F238E27FC236}">
-                <a16:creationId xmlns:a16="http://schemas.microsoft.com/office/drawing/2014/main" id="{8E7585A2-18E7-5542-8E20-22B8ADBDEB62}"/>
-              </a:ext>
-            </a:extLst>
-          </p:cNvPr>
-          <p:cNvSpPr txBox="1"/>
-          <p:nvPr/>
-        </p:nvSpPr>
-        <p:spPr>
-          <a:xfrm>
-            <a:off x="3782978" y="3257835"/>
-            <a:ext cx="1021433" cy="246221"/>
-          </a:xfrm>
-          <a:prstGeom prst="rect">
-            <a:avLst/>
-          </a:prstGeom>
-          <a:noFill/>
-        </p:spPr>
-        <p:txBody>
-          <a:bodyPr wrap="none" rtlCol="0">
-            <a:spAutoFit/>
-          </a:bodyPr>
-          <a:lstStyle/>
-          <a:p>
-            <a:r>
-              <a:rPr lang="en-US" sz="1000" dirty="0">
-                <a:latin typeface="Helvetica" pitchFamily="2" charset="0"/>
-              </a:rPr>
-              <a:t>Environment A</a:t>
-            </a:r>
-          </a:p>
-        </p:txBody>
-      </p:sp>
-      <p:sp>
-        <p:nvSpPr>
-          <p:cNvPr id="53" name="TextBox 52">
-            <a:extLst>
-              <a:ext uri="{FF2B5EF4-FFF2-40B4-BE49-F238E27FC236}">
-                <a16:creationId xmlns:a16="http://schemas.microsoft.com/office/drawing/2014/main" id="{3C04D9BF-7FBA-514C-9CE3-31DF3EF475C5}"/>
-              </a:ext>
-            </a:extLst>
-          </p:cNvPr>
-          <p:cNvSpPr txBox="1"/>
-          <p:nvPr/>
-        </p:nvSpPr>
-        <p:spPr>
-          <a:xfrm>
-            <a:off x="5338138" y="3257835"/>
-            <a:ext cx="1021433" cy="246221"/>
-          </a:xfrm>
-          <a:prstGeom prst="rect">
-            <a:avLst/>
-          </a:prstGeom>
-          <a:noFill/>
-        </p:spPr>
-        <p:txBody>
-          <a:bodyPr wrap="none" rtlCol="0">
-            <a:spAutoFit/>
-          </a:bodyPr>
-          <a:lstStyle/>
-          <a:p>
-            <a:r>
-              <a:rPr lang="en-US" sz="1000" dirty="0">
-                <a:latin typeface="Helvetica" pitchFamily="2" charset="0"/>
-              </a:rPr>
-              <a:t>Environment B</a:t>
-            </a:r>
-          </a:p>
-        </p:txBody>
-      </p:sp>
       <p:cxnSp>
         <p:nvCxnSpPr>
           <p:cNvPr id="54" name="Straight Connector 53">
@@ -4188,8 +3977,8 @@
         </p:nvCxnSpPr>
         <p:spPr>
           <a:xfrm flipV="1">
-            <a:off x="4365024" y="2435722"/>
-            <a:ext cx="1341503" cy="232432"/>
+            <a:off x="4367740" y="2435722"/>
+            <a:ext cx="1386412" cy="351780"/>
           </a:xfrm>
           <a:prstGeom prst="line">
             <a:avLst/>
@@ -4200,7 +3989,7 @@
                 <a:lumMod val="50000"/>
               </a:schemeClr>
             </a:solidFill>
-            <a:prstDash val="dash"/>
+            <a:prstDash val="solid"/>
           </a:ln>
         </p:spPr>
         <p:style>
@@ -4232,7 +4021,7 @@
         </p:nvSpPr>
         <p:spPr>
           <a:xfrm>
-            <a:off x="4182144" y="2576714"/>
+            <a:off x="4184860" y="2696062"/>
             <a:ext cx="182880" cy="182880"/>
           </a:xfrm>
           <a:prstGeom prst="ellipse">
@@ -4290,7 +4079,7 @@
         </p:nvSpPr>
         <p:spPr>
           <a:xfrm>
-            <a:off x="5706527" y="2344282"/>
+            <a:off x="5754152" y="2344282"/>
             <a:ext cx="182880" cy="182880"/>
           </a:xfrm>
           <a:prstGeom prst="ellipse">
@@ -4345,15 +4134,15 @@
           </p:cNvPr>
           <p:cNvCxnSpPr>
             <a:cxnSpLocks/>
-            <a:stCxn id="58" idx="6"/>
-            <a:endCxn id="59" idx="2"/>
+            <a:stCxn id="137" idx="3"/>
+            <a:endCxn id="136" idx="1"/>
           </p:cNvCxnSpPr>
           <p:nvPr/>
         </p:nvCxnSpPr>
         <p:spPr>
           <a:xfrm flipV="1">
-            <a:off x="4365024" y="1552685"/>
-            <a:ext cx="1356118" cy="891215"/>
+            <a:off x="4368141" y="1556695"/>
+            <a:ext cx="1389034" cy="903126"/>
           </a:xfrm>
           <a:prstGeom prst="line">
             <a:avLst/>
@@ -4362,7 +4151,7 @@
             <a:solidFill>
               <a:srgbClr val="7030A0"/>
             </a:solidFill>
-            <a:prstDash val="dash"/>
+            <a:prstDash val="solid"/>
           </a:ln>
         </p:spPr>
         <p:style>
@@ -4382,114 +4171,6 @@
       </p:cxnSp>
       <p:sp>
         <p:nvSpPr>
-          <p:cNvPr id="58" name="Oval 57">
-            <a:extLst>
-              <a:ext uri="{FF2B5EF4-FFF2-40B4-BE49-F238E27FC236}">
-                <a16:creationId xmlns:a16="http://schemas.microsoft.com/office/drawing/2014/main" id="{F8E7374D-6748-F844-825B-9DEA272A0E4C}"/>
-              </a:ext>
-            </a:extLst>
-          </p:cNvPr>
-          <p:cNvSpPr/>
-          <p:nvPr/>
-        </p:nvSpPr>
-        <p:spPr>
-          <a:xfrm>
-            <a:off x="4182144" y="2352460"/>
-            <a:ext cx="182880" cy="182880"/>
-          </a:xfrm>
-          <a:prstGeom prst="ellipse">
-            <a:avLst/>
-          </a:prstGeom>
-          <a:solidFill>
-            <a:srgbClr val="7030A0"/>
-          </a:solidFill>
-          <a:ln>
-            <a:solidFill>
-              <a:srgbClr val="7030A0"/>
-            </a:solidFill>
-          </a:ln>
-        </p:spPr>
-        <p:style>
-          <a:lnRef idx="2">
-            <a:schemeClr val="accent1">
-              <a:shade val="50000"/>
-            </a:schemeClr>
-          </a:lnRef>
-          <a:fillRef idx="1">
-            <a:schemeClr val="accent1"/>
-          </a:fillRef>
-          <a:effectRef idx="0">
-            <a:schemeClr val="accent1"/>
-          </a:effectRef>
-          <a:fontRef idx="minor">
-            <a:schemeClr val="lt1"/>
-          </a:fontRef>
-        </p:style>
-        <p:txBody>
-          <a:bodyPr rtlCol="0" anchor="ctr"/>
-          <a:lstStyle/>
-          <a:p>
-            <a:pPr algn="ctr"/>
-            <a:endParaRPr lang="en-US"/>
-          </a:p>
-        </p:txBody>
-      </p:sp>
-      <p:sp>
-        <p:nvSpPr>
-          <p:cNvPr id="59" name="Oval 58">
-            <a:extLst>
-              <a:ext uri="{FF2B5EF4-FFF2-40B4-BE49-F238E27FC236}">
-                <a16:creationId xmlns:a16="http://schemas.microsoft.com/office/drawing/2014/main" id="{FF7F5272-6280-7A4F-BCFB-188A820C249A}"/>
-              </a:ext>
-            </a:extLst>
-          </p:cNvPr>
-          <p:cNvSpPr/>
-          <p:nvPr/>
-        </p:nvSpPr>
-        <p:spPr>
-          <a:xfrm>
-            <a:off x="5721142" y="1461245"/>
-            <a:ext cx="182880" cy="182880"/>
-          </a:xfrm>
-          <a:prstGeom prst="ellipse">
-            <a:avLst/>
-          </a:prstGeom>
-          <a:solidFill>
-            <a:srgbClr val="7030A0"/>
-          </a:solidFill>
-          <a:ln>
-            <a:solidFill>
-              <a:srgbClr val="7030A0"/>
-            </a:solidFill>
-          </a:ln>
-        </p:spPr>
-        <p:style>
-          <a:lnRef idx="2">
-            <a:schemeClr val="accent1">
-              <a:shade val="50000"/>
-            </a:schemeClr>
-          </a:lnRef>
-          <a:fillRef idx="1">
-            <a:schemeClr val="accent1"/>
-          </a:fillRef>
-          <a:effectRef idx="0">
-            <a:schemeClr val="accent1"/>
-          </a:effectRef>
-          <a:fontRef idx="minor">
-            <a:schemeClr val="lt1"/>
-          </a:fontRef>
-        </p:style>
-        <p:txBody>
-          <a:bodyPr rtlCol="0" anchor="ctr"/>
-          <a:lstStyle/>
-          <a:p>
-            <a:pPr algn="ctr"/>
-            <a:endParaRPr lang="en-US"/>
-          </a:p>
-        </p:txBody>
-      </p:sp>
-      <p:sp>
-        <p:nvSpPr>
           <p:cNvPr id="60" name="TextBox 59">
             <a:extLst>
               <a:ext uri="{FF2B5EF4-FFF2-40B4-BE49-F238E27FC236}">
@@ -4502,8 +4183,8 @@
         </p:nvSpPr>
         <p:spPr>
           <a:xfrm rot="16200000">
-            <a:off x="3257520" y="2036065"/>
-            <a:ext cx="792205" cy="246221"/>
+            <a:off x="3195003" y="2020676"/>
+            <a:ext cx="917239" cy="276999"/>
           </a:xfrm>
           <a:prstGeom prst="rect">
             <a:avLst/>
@@ -4517,7 +4198,7 @@
           <a:lstStyle/>
           <a:p>
             <a:r>
-              <a:rPr lang="en-US" sz="1000" dirty="0">
+              <a:rPr lang="en-US" sz="1200" dirty="0">
                 <a:latin typeface="Helvetica" pitchFamily="2" charset="0"/>
               </a:rPr>
               <a:t>Phenotype</a:t>
@@ -4539,7 +4220,7 @@
         </p:nvSpPr>
         <p:spPr>
           <a:xfrm>
-            <a:off x="5822551" y="2344282"/>
+            <a:off x="5881226" y="2308657"/>
             <a:ext cx="856325" cy="246221"/>
           </a:xfrm>
           <a:prstGeom prst="rect">
@@ -4576,7 +4257,7 @@
         </p:nvSpPr>
         <p:spPr>
           <a:xfrm>
-            <a:off x="5851232" y="1426947"/>
+            <a:off x="5886157" y="1426947"/>
             <a:ext cx="856325" cy="246221"/>
           </a:xfrm>
           <a:prstGeom prst="rect">
@@ -4611,18 +4292,20 @@
           <p:cNvCxnSpPr>
             <a:cxnSpLocks/>
             <a:stCxn id="73" idx="6"/>
+            <a:endCxn id="140" idx="1"/>
           </p:cNvCxnSpPr>
           <p:nvPr/>
         </p:nvCxnSpPr>
         <p:spPr>
           <a:xfrm flipV="1">
-            <a:off x="1245149" y="4908975"/>
-            <a:ext cx="1503078" cy="8176"/>
+            <a:off x="1197524" y="4882478"/>
+            <a:ext cx="1407189" cy="10923"/>
           </a:xfrm>
           <a:prstGeom prst="line">
             <a:avLst/>
           </a:prstGeom>
           <a:ln>
+            <a:prstDash val="dash"/>
             <a:headEnd type="none" w="med" len="med"/>
             <a:tailEnd type="none" w="med" len="med"/>
           </a:ln>
@@ -4715,7 +4398,7 @@
         </p:nvSpPr>
         <p:spPr>
           <a:xfrm>
-            <a:off x="1107819" y="5789330"/>
+            <a:off x="1082419" y="5789330"/>
             <a:ext cx="57361" cy="168708"/>
           </a:xfrm>
           <a:prstGeom prst="rect">
@@ -4807,80 +4490,6 @@
           </a:p>
         </p:txBody>
       </p:sp>
-      <p:sp>
-        <p:nvSpPr>
-          <p:cNvPr id="67" name="TextBox 66">
-            <a:extLst>
-              <a:ext uri="{FF2B5EF4-FFF2-40B4-BE49-F238E27FC236}">
-                <a16:creationId xmlns:a16="http://schemas.microsoft.com/office/drawing/2014/main" id="{DB9282B5-A731-694A-BAF5-90926E7EEC6B}"/>
-              </a:ext>
-            </a:extLst>
-          </p:cNvPr>
-          <p:cNvSpPr txBox="1"/>
-          <p:nvPr/>
-        </p:nvSpPr>
-        <p:spPr>
-          <a:xfrm>
-            <a:off x="634423" y="5974892"/>
-            <a:ext cx="1021433" cy="246221"/>
-          </a:xfrm>
-          <a:prstGeom prst="rect">
-            <a:avLst/>
-          </a:prstGeom>
-          <a:noFill/>
-        </p:spPr>
-        <p:txBody>
-          <a:bodyPr wrap="none" rtlCol="0">
-            <a:spAutoFit/>
-          </a:bodyPr>
-          <a:lstStyle/>
-          <a:p>
-            <a:r>
-              <a:rPr lang="en-US" sz="1000" dirty="0">
-                <a:latin typeface="Helvetica" pitchFamily="2" charset="0"/>
-              </a:rPr>
-              <a:t>Environment A</a:t>
-            </a:r>
-          </a:p>
-        </p:txBody>
-      </p:sp>
-      <p:sp>
-        <p:nvSpPr>
-          <p:cNvPr id="68" name="TextBox 67">
-            <a:extLst>
-              <a:ext uri="{FF2B5EF4-FFF2-40B4-BE49-F238E27FC236}">
-                <a16:creationId xmlns:a16="http://schemas.microsoft.com/office/drawing/2014/main" id="{51267D73-2EDC-C544-B02C-A149651B8DAF}"/>
-              </a:ext>
-            </a:extLst>
-          </p:cNvPr>
-          <p:cNvSpPr txBox="1"/>
-          <p:nvPr/>
-        </p:nvSpPr>
-        <p:spPr>
-          <a:xfrm>
-            <a:off x="2189583" y="5974892"/>
-            <a:ext cx="1021433" cy="246221"/>
-          </a:xfrm>
-          <a:prstGeom prst="rect">
-            <a:avLst/>
-          </a:prstGeom>
-          <a:noFill/>
-        </p:spPr>
-        <p:txBody>
-          <a:bodyPr wrap="none" rtlCol="0">
-            <a:spAutoFit/>
-          </a:bodyPr>
-          <a:lstStyle/>
-          <a:p>
-            <a:r>
-              <a:rPr lang="en-US" sz="1000" dirty="0">
-                <a:latin typeface="Helvetica" pitchFamily="2" charset="0"/>
-              </a:rPr>
-              <a:t>Environment B</a:t>
-            </a:r>
-          </a:p>
-        </p:txBody>
-      </p:sp>
       <p:cxnSp>
         <p:nvCxnSpPr>
           <p:cNvPr id="69" name="Straight Connector 68">
@@ -4892,15 +4501,15 @@
           </p:cNvPr>
           <p:cNvCxnSpPr>
             <a:cxnSpLocks/>
-            <a:stCxn id="70" idx="6"/>
-            <a:endCxn id="71" idx="2"/>
+            <a:stCxn id="141" idx="3"/>
+            <a:endCxn id="140" idx="1"/>
           </p:cNvCxnSpPr>
           <p:nvPr/>
         </p:nvCxnSpPr>
         <p:spPr>
           <a:xfrm flipV="1">
-            <a:off x="1245149" y="4908973"/>
-            <a:ext cx="1341503" cy="647745"/>
+            <a:off x="1199470" y="4882478"/>
+            <a:ext cx="1405243" cy="664647"/>
           </a:xfrm>
           <a:prstGeom prst="line">
             <a:avLst/>
@@ -4909,7 +4518,7 @@
             <a:solidFill>
               <a:srgbClr val="7030A0"/>
             </a:solidFill>
-            <a:prstDash val="dash"/>
+            <a:prstDash val="solid"/>
           </a:ln>
         </p:spPr>
         <p:style>
@@ -4927,114 +4536,6 @@
           </a:fontRef>
         </p:style>
       </p:cxnSp>
-      <p:sp>
-        <p:nvSpPr>
-          <p:cNvPr id="70" name="Oval 69">
-            <a:extLst>
-              <a:ext uri="{FF2B5EF4-FFF2-40B4-BE49-F238E27FC236}">
-                <a16:creationId xmlns:a16="http://schemas.microsoft.com/office/drawing/2014/main" id="{48096AD3-02BD-5F42-A0F7-4595509DA7DA}"/>
-              </a:ext>
-            </a:extLst>
-          </p:cNvPr>
-          <p:cNvSpPr/>
-          <p:nvPr/>
-        </p:nvSpPr>
-        <p:spPr>
-          <a:xfrm>
-            <a:off x="1062269" y="5465278"/>
-            <a:ext cx="182880" cy="182880"/>
-          </a:xfrm>
-          <a:prstGeom prst="ellipse">
-            <a:avLst/>
-          </a:prstGeom>
-          <a:solidFill>
-            <a:srgbClr val="7030A0"/>
-          </a:solidFill>
-          <a:ln>
-            <a:solidFill>
-              <a:srgbClr val="7030A0"/>
-            </a:solidFill>
-          </a:ln>
-        </p:spPr>
-        <p:style>
-          <a:lnRef idx="2">
-            <a:schemeClr val="accent1">
-              <a:shade val="50000"/>
-            </a:schemeClr>
-          </a:lnRef>
-          <a:fillRef idx="1">
-            <a:schemeClr val="accent1"/>
-          </a:fillRef>
-          <a:effectRef idx="0">
-            <a:schemeClr val="accent1"/>
-          </a:effectRef>
-          <a:fontRef idx="minor">
-            <a:schemeClr val="lt1"/>
-          </a:fontRef>
-        </p:style>
-        <p:txBody>
-          <a:bodyPr rtlCol="0" anchor="ctr"/>
-          <a:lstStyle/>
-          <a:p>
-            <a:pPr algn="ctr"/>
-            <a:endParaRPr lang="en-US"/>
-          </a:p>
-        </p:txBody>
-      </p:sp>
-      <p:sp>
-        <p:nvSpPr>
-          <p:cNvPr id="71" name="Oval 70">
-            <a:extLst>
-              <a:ext uri="{FF2B5EF4-FFF2-40B4-BE49-F238E27FC236}">
-                <a16:creationId xmlns:a16="http://schemas.microsoft.com/office/drawing/2014/main" id="{1668F4B3-BB1E-804C-AE6D-414BAAF7B192}"/>
-              </a:ext>
-            </a:extLst>
-          </p:cNvPr>
-          <p:cNvSpPr/>
-          <p:nvPr/>
-        </p:nvSpPr>
-        <p:spPr>
-          <a:xfrm>
-            <a:off x="2586652" y="4817533"/>
-            <a:ext cx="182880" cy="182880"/>
-          </a:xfrm>
-          <a:prstGeom prst="ellipse">
-            <a:avLst/>
-          </a:prstGeom>
-          <a:solidFill>
-            <a:srgbClr val="7030A0"/>
-          </a:solidFill>
-          <a:ln>
-            <a:solidFill>
-              <a:srgbClr val="7030A0"/>
-            </a:solidFill>
-          </a:ln>
-        </p:spPr>
-        <p:style>
-          <a:lnRef idx="2">
-            <a:schemeClr val="accent1">
-              <a:shade val="50000"/>
-            </a:schemeClr>
-          </a:lnRef>
-          <a:fillRef idx="1">
-            <a:schemeClr val="accent1"/>
-          </a:fillRef>
-          <a:effectRef idx="0">
-            <a:schemeClr val="accent1"/>
-          </a:effectRef>
-          <a:fontRef idx="minor">
-            <a:schemeClr val="lt1"/>
-          </a:fontRef>
-        </p:style>
-        <p:txBody>
-          <a:bodyPr rtlCol="0" anchor="ctr"/>
-          <a:lstStyle/>
-          <a:p>
-            <a:pPr algn="ctr"/>
-            <a:endParaRPr lang="en-US"/>
-          </a:p>
-        </p:txBody>
-      </p:sp>
       <p:cxnSp>
         <p:nvCxnSpPr>
           <p:cNvPr id="72" name="Straight Connector 71">
@@ -5053,8 +4554,8 @@
         </p:nvCxnSpPr>
         <p:spPr>
           <a:xfrm flipV="1">
-            <a:off x="1245149" y="4268452"/>
-            <a:ext cx="1341503" cy="648699"/>
+            <a:off x="1197524" y="4268452"/>
+            <a:ext cx="1408178" cy="624949"/>
           </a:xfrm>
           <a:prstGeom prst="line">
             <a:avLst/>
@@ -5065,7 +4566,7 @@
                 <a:lumMod val="50000"/>
               </a:schemeClr>
             </a:solidFill>
-            <a:prstDash val="dash"/>
+            <a:prstDash val="solid"/>
           </a:ln>
         </p:spPr>
         <p:style>
@@ -5097,7 +4598,7 @@
         </p:nvSpPr>
         <p:spPr>
           <a:xfrm>
-            <a:off x="1062269" y="4825711"/>
+            <a:off x="1014644" y="4801961"/>
             <a:ext cx="182880" cy="182880"/>
           </a:xfrm>
           <a:prstGeom prst="ellipse">
@@ -5155,7 +4656,7 @@
         </p:nvSpPr>
         <p:spPr>
           <a:xfrm>
-            <a:off x="2586652" y="4177012"/>
+            <a:off x="2605702" y="4177012"/>
             <a:ext cx="182880" cy="182880"/>
           </a:xfrm>
           <a:prstGeom prst="ellipse">
@@ -5213,8 +4714,8 @@
         </p:nvSpPr>
         <p:spPr>
           <a:xfrm rot="16200000">
-            <a:off x="108965" y="4753122"/>
-            <a:ext cx="792205" cy="246221"/>
+            <a:off x="46448" y="4737733"/>
+            <a:ext cx="917239" cy="276999"/>
           </a:xfrm>
           <a:prstGeom prst="rect">
             <a:avLst/>
@@ -5228,20 +4729,57 @@
           <a:lstStyle/>
           <a:p>
             <a:r>
+              <a:rPr lang="en-US" sz="1200" dirty="0">
+                <a:latin typeface="Helvetica" pitchFamily="2" charset="0"/>
+              </a:rPr>
+              <a:t>Phenotype</a:t>
+            </a:r>
+          </a:p>
+        </p:txBody>
+      </p:sp>
+      <p:sp>
+        <p:nvSpPr>
+          <p:cNvPr id="76" name="TextBox 75">
+            <a:extLst>
+              <a:ext uri="{FF2B5EF4-FFF2-40B4-BE49-F238E27FC236}">
+                <a16:creationId xmlns:a16="http://schemas.microsoft.com/office/drawing/2014/main" id="{2CBB6AFE-CBE7-C340-9BEB-D5AEAFC5BAAE}"/>
+              </a:ext>
+            </a:extLst>
+          </p:cNvPr>
+          <p:cNvSpPr txBox="1"/>
+          <p:nvPr/>
+        </p:nvSpPr>
+        <p:spPr>
+          <a:xfrm>
+            <a:off x="2742432" y="4755743"/>
+            <a:ext cx="856325" cy="246221"/>
+          </a:xfrm>
+          <a:prstGeom prst="rect">
+            <a:avLst/>
+          </a:prstGeom>
+          <a:noFill/>
+        </p:spPr>
+        <p:txBody>
+          <a:bodyPr wrap="none" rtlCol="0">
+            <a:spAutoFit/>
+          </a:bodyPr>
+          <a:lstStyle/>
+          <a:p>
+            <a:r>
               <a:rPr lang="en-US" sz="1000" dirty="0">
                 <a:latin typeface="Helvetica" pitchFamily="2" charset="0"/>
               </a:rPr>
-              <a:t>Phenotype</a:t>
-            </a:r>
-          </a:p>
-        </p:txBody>
-      </p:sp>
-      <p:sp>
-        <p:nvSpPr>
-          <p:cNvPr id="76" name="TextBox 75">
-            <a:extLst>
-              <a:ext uri="{FF2B5EF4-FFF2-40B4-BE49-F238E27FC236}">
-                <a16:creationId xmlns:a16="http://schemas.microsoft.com/office/drawing/2014/main" id="{2CBB6AFE-CBE7-C340-9BEB-D5AEAFC5BAAE}"/>
+              <a:t>Genotype B</a:t>
+            </a:r>
+          </a:p>
+        </p:txBody>
+      </p:sp>
+      <p:sp>
+        <p:nvSpPr>
+          <p:cNvPr id="77" name="TextBox 76">
+            <a:extLst>
+              <a:ext uri="{FF2B5EF4-FFF2-40B4-BE49-F238E27FC236}">
+                <a16:creationId xmlns:a16="http://schemas.microsoft.com/office/drawing/2014/main" id="{5F7B75B3-19E3-5043-BC7B-C3D4CBCC8019}"/>
               </a:ext>
             </a:extLst>
           </p:cNvPr>
@@ -5250,7 +4788,7 @@
         </p:nvSpPr>
         <p:spPr>
           <a:xfrm>
-            <a:off x="2702676" y="4795499"/>
+            <a:off x="2738747" y="4141411"/>
             <a:ext cx="856325" cy="246221"/>
           </a:xfrm>
           <a:prstGeom prst="rect">
@@ -5269,43 +4807,6 @@
                 <a:latin typeface="Helvetica" pitchFamily="2" charset="0"/>
               </a:rPr>
               <a:t>Genotype A</a:t>
-            </a:r>
-          </a:p>
-        </p:txBody>
-      </p:sp>
-      <p:sp>
-        <p:nvSpPr>
-          <p:cNvPr id="77" name="TextBox 76">
-            <a:extLst>
-              <a:ext uri="{FF2B5EF4-FFF2-40B4-BE49-F238E27FC236}">
-                <a16:creationId xmlns:a16="http://schemas.microsoft.com/office/drawing/2014/main" id="{5F7B75B3-19E3-5043-BC7B-C3D4CBCC8019}"/>
-              </a:ext>
-            </a:extLst>
-          </p:cNvPr>
-          <p:cNvSpPr txBox="1"/>
-          <p:nvPr/>
-        </p:nvSpPr>
-        <p:spPr>
-          <a:xfrm>
-            <a:off x="2708930" y="4131472"/>
-            <a:ext cx="856325" cy="246221"/>
-          </a:xfrm>
-          <a:prstGeom prst="rect">
-            <a:avLst/>
-          </a:prstGeom>
-          <a:noFill/>
-        </p:spPr>
-        <p:txBody>
-          <a:bodyPr wrap="none" rtlCol="0">
-            <a:spAutoFit/>
-          </a:bodyPr>
-          <a:lstStyle/>
-          <a:p>
-            <a:r>
-              <a:rPr lang="en-US" sz="1000" dirty="0">
-                <a:latin typeface="Helvetica" pitchFamily="2" charset="0"/>
-              </a:rPr>
-              <a:t>Genotype B</a:t>
             </a:r>
           </a:p>
         </p:txBody>
@@ -5383,7 +4884,7 @@
         </p:nvSpPr>
         <p:spPr>
           <a:xfrm>
-            <a:off x="4256374" y="5790205"/>
+            <a:off x="4246849" y="5790205"/>
             <a:ext cx="57361" cy="168708"/>
           </a:xfrm>
           <a:prstGeom prst="rect">
@@ -5477,10 +4978,10 @@
       </p:sp>
       <p:sp>
         <p:nvSpPr>
-          <p:cNvPr id="82" name="TextBox 81">
-            <a:extLst>
-              <a:ext uri="{FF2B5EF4-FFF2-40B4-BE49-F238E27FC236}">
-                <a16:creationId xmlns:a16="http://schemas.microsoft.com/office/drawing/2014/main" id="{90982D56-3F2E-2746-8E6F-B5A27B5C62B1}"/>
+          <p:cNvPr id="90" name="TextBox 89">
+            <a:extLst>
+              <a:ext uri="{FF2B5EF4-FFF2-40B4-BE49-F238E27FC236}">
+                <a16:creationId xmlns:a16="http://schemas.microsoft.com/office/drawing/2014/main" id="{FB5A31C0-9870-5949-93F6-2AB289BCD3FD}"/>
               </a:ext>
             </a:extLst>
           </p:cNvPr>
@@ -5488,9 +4989,9 @@
           <p:nvPr/>
         </p:nvSpPr>
         <p:spPr>
-          <a:xfrm>
-            <a:off x="3782978" y="5975767"/>
-            <a:ext cx="1021433" cy="246221"/>
+          <a:xfrm rot="16200000">
+            <a:off x="3195003" y="4738608"/>
+            <a:ext cx="917239" cy="276999"/>
           </a:xfrm>
           <a:prstGeom prst="rect">
             <a:avLst/>
@@ -5504,81 +5005,7 @@
           <a:lstStyle/>
           <a:p>
             <a:r>
-              <a:rPr lang="en-US" sz="1000" dirty="0">
-                <a:latin typeface="Helvetica" pitchFamily="2" charset="0"/>
-              </a:rPr>
-              <a:t>Environment A</a:t>
-            </a:r>
-          </a:p>
-        </p:txBody>
-      </p:sp>
-      <p:sp>
-        <p:nvSpPr>
-          <p:cNvPr id="83" name="TextBox 82">
-            <a:extLst>
-              <a:ext uri="{FF2B5EF4-FFF2-40B4-BE49-F238E27FC236}">
-                <a16:creationId xmlns:a16="http://schemas.microsoft.com/office/drawing/2014/main" id="{873FD450-C05A-B94B-9CDF-003745A56613}"/>
-              </a:ext>
-            </a:extLst>
-          </p:cNvPr>
-          <p:cNvSpPr txBox="1"/>
-          <p:nvPr/>
-        </p:nvSpPr>
-        <p:spPr>
-          <a:xfrm>
-            <a:off x="5338138" y="5975767"/>
-            <a:ext cx="1021433" cy="246221"/>
-          </a:xfrm>
-          <a:prstGeom prst="rect">
-            <a:avLst/>
-          </a:prstGeom>
-          <a:noFill/>
-        </p:spPr>
-        <p:txBody>
-          <a:bodyPr wrap="none" rtlCol="0">
-            <a:spAutoFit/>
-          </a:bodyPr>
-          <a:lstStyle/>
-          <a:p>
-            <a:r>
-              <a:rPr lang="en-US" sz="1000" dirty="0">
-                <a:latin typeface="Helvetica" pitchFamily="2" charset="0"/>
-              </a:rPr>
-              <a:t>Environment B</a:t>
-            </a:r>
-          </a:p>
-        </p:txBody>
-      </p:sp>
-      <p:sp>
-        <p:nvSpPr>
-          <p:cNvPr id="90" name="TextBox 89">
-            <a:extLst>
-              <a:ext uri="{FF2B5EF4-FFF2-40B4-BE49-F238E27FC236}">
-                <a16:creationId xmlns:a16="http://schemas.microsoft.com/office/drawing/2014/main" id="{FB5A31C0-9870-5949-93F6-2AB289BCD3FD}"/>
-              </a:ext>
-            </a:extLst>
-          </p:cNvPr>
-          <p:cNvSpPr txBox="1"/>
-          <p:nvPr/>
-        </p:nvSpPr>
-        <p:spPr>
-          <a:xfrm rot="16200000">
-            <a:off x="3257520" y="4753997"/>
-            <a:ext cx="792205" cy="246221"/>
-          </a:xfrm>
-          <a:prstGeom prst="rect">
-            <a:avLst/>
-          </a:prstGeom>
-          <a:noFill/>
-        </p:spPr>
-        <p:txBody>
-          <a:bodyPr wrap="none" rtlCol="0">
-            <a:spAutoFit/>
-          </a:bodyPr>
-          <a:lstStyle/>
-          <a:p>
-            <a:r>
-              <a:rPr lang="en-US" sz="1000" dirty="0">
+              <a:rPr lang="en-US" sz="1200" dirty="0">
                 <a:latin typeface="Helvetica" pitchFamily="2" charset="0"/>
               </a:rPr>
               <a:t>Phenotype</a:t>
@@ -5751,80 +5178,6 @@
           </a:p>
         </p:txBody>
       </p:sp>
-      <p:sp>
-        <p:nvSpPr>
-          <p:cNvPr id="97" name="TextBox 96">
-            <a:extLst>
-              <a:ext uri="{FF2B5EF4-FFF2-40B4-BE49-F238E27FC236}">
-                <a16:creationId xmlns:a16="http://schemas.microsoft.com/office/drawing/2014/main" id="{86DEEFEE-A59A-E941-836F-61E30715CE79}"/>
-              </a:ext>
-            </a:extLst>
-          </p:cNvPr>
-          <p:cNvSpPr txBox="1"/>
-          <p:nvPr/>
-        </p:nvSpPr>
-        <p:spPr>
-          <a:xfrm>
-            <a:off x="3776446" y="8719277"/>
-            <a:ext cx="1021433" cy="246221"/>
-          </a:xfrm>
-          <a:prstGeom prst="rect">
-            <a:avLst/>
-          </a:prstGeom>
-          <a:noFill/>
-        </p:spPr>
-        <p:txBody>
-          <a:bodyPr wrap="none" rtlCol="0">
-            <a:spAutoFit/>
-          </a:bodyPr>
-          <a:lstStyle/>
-          <a:p>
-            <a:r>
-              <a:rPr lang="en-US" sz="1000" dirty="0">
-                <a:latin typeface="Helvetica" pitchFamily="2" charset="0"/>
-              </a:rPr>
-              <a:t>Environment A</a:t>
-            </a:r>
-          </a:p>
-        </p:txBody>
-      </p:sp>
-      <p:sp>
-        <p:nvSpPr>
-          <p:cNvPr id="98" name="TextBox 97">
-            <a:extLst>
-              <a:ext uri="{FF2B5EF4-FFF2-40B4-BE49-F238E27FC236}">
-                <a16:creationId xmlns:a16="http://schemas.microsoft.com/office/drawing/2014/main" id="{7DADEC15-0763-5241-96BD-9A2430CDC65B}"/>
-              </a:ext>
-            </a:extLst>
-          </p:cNvPr>
-          <p:cNvSpPr txBox="1"/>
-          <p:nvPr/>
-        </p:nvSpPr>
-        <p:spPr>
-          <a:xfrm>
-            <a:off x="5331606" y="8719277"/>
-            <a:ext cx="1021433" cy="246221"/>
-          </a:xfrm>
-          <a:prstGeom prst="rect">
-            <a:avLst/>
-          </a:prstGeom>
-          <a:noFill/>
-        </p:spPr>
-        <p:txBody>
-          <a:bodyPr wrap="none" rtlCol="0">
-            <a:spAutoFit/>
-          </a:bodyPr>
-          <a:lstStyle/>
-          <a:p>
-            <a:r>
-              <a:rPr lang="en-US" sz="1000" dirty="0">
-                <a:latin typeface="Helvetica" pitchFamily="2" charset="0"/>
-              </a:rPr>
-              <a:t>Environment B</a:t>
-            </a:r>
-          </a:p>
-        </p:txBody>
-      </p:sp>
       <p:cxnSp>
         <p:nvCxnSpPr>
           <p:cNvPr id="99" name="Straight Connector 98">
@@ -5843,8 +5196,8 @@
         </p:nvCxnSpPr>
         <p:spPr>
           <a:xfrm flipV="1">
-            <a:off x="4387172" y="6960288"/>
-            <a:ext cx="1319297" cy="1340815"/>
+            <a:off x="4368122" y="6960288"/>
+            <a:ext cx="1389147" cy="1340815"/>
           </a:xfrm>
           <a:prstGeom prst="line">
             <a:avLst/>
@@ -5855,7 +5208,7 @@
                 <a:lumMod val="50000"/>
               </a:schemeClr>
             </a:solidFill>
-            <a:prstDash val="dash"/>
+            <a:prstDash val="solid"/>
           </a:ln>
         </p:spPr>
         <p:style>
@@ -5887,7 +5240,7 @@
         </p:nvSpPr>
         <p:spPr>
           <a:xfrm>
-            <a:off x="4204292" y="8209663"/>
+            <a:off x="4185242" y="8209663"/>
             <a:ext cx="182880" cy="182880"/>
           </a:xfrm>
           <a:prstGeom prst="ellipse">
@@ -5941,7 +5294,7 @@
         </p:nvSpPr>
         <p:spPr>
           <a:xfrm>
-            <a:off x="5706469" y="6868848"/>
+            <a:off x="5757269" y="6868848"/>
             <a:ext cx="182880" cy="182880"/>
           </a:xfrm>
           <a:prstGeom prst="ellipse">
@@ -5999,8 +5352,8 @@
         </p:nvCxnSpPr>
         <p:spPr>
           <a:xfrm>
-            <a:off x="4379117" y="7011265"/>
-            <a:ext cx="1341080" cy="1280261"/>
+            <a:off x="4366417" y="6975640"/>
+            <a:ext cx="1391880" cy="1315886"/>
           </a:xfrm>
           <a:prstGeom prst="line">
             <a:avLst/>
@@ -6009,7 +5362,7 @@
             <a:solidFill>
               <a:srgbClr val="7030A0"/>
             </a:solidFill>
-            <a:prstDash val="dash"/>
+            <a:prstDash val="solid"/>
           </a:ln>
         </p:spPr>
         <p:style>
@@ -6041,7 +5394,7 @@
         </p:nvSpPr>
         <p:spPr>
           <a:xfrm>
-            <a:off x="4196237" y="6919825"/>
+            <a:off x="4183537" y="6884200"/>
             <a:ext cx="182880" cy="182880"/>
           </a:xfrm>
           <a:prstGeom prst="ellipse">
@@ -6095,7 +5448,7 @@
         </p:nvSpPr>
         <p:spPr>
           <a:xfrm>
-            <a:off x="5720197" y="8200086"/>
+            <a:off x="5758297" y="8200086"/>
             <a:ext cx="182880" cy="182880"/>
           </a:xfrm>
           <a:prstGeom prst="ellipse">
@@ -6149,8 +5502,8 @@
         </p:nvSpPr>
         <p:spPr>
           <a:xfrm rot="16200000">
-            <a:off x="3250988" y="7420388"/>
-            <a:ext cx="792205" cy="246221"/>
+            <a:off x="3188471" y="7404999"/>
+            <a:ext cx="917239" cy="276999"/>
           </a:xfrm>
           <a:prstGeom prst="rect">
             <a:avLst/>
@@ -6164,7 +5517,7 @@
           <a:lstStyle/>
           <a:p>
             <a:r>
-              <a:rPr lang="en-US" sz="1000" dirty="0">
+              <a:rPr lang="en-US" sz="1200" dirty="0">
                 <a:latin typeface="Helvetica" pitchFamily="2" charset="0"/>
               </a:rPr>
               <a:t>Phenotype</a:t>
@@ -6186,7 +5539,7 @@
         </p:nvSpPr>
         <p:spPr>
           <a:xfrm>
-            <a:off x="5833545" y="6821304"/>
+            <a:off x="5919270" y="6821304"/>
             <a:ext cx="856325" cy="246221"/>
           </a:xfrm>
           <a:prstGeom prst="rect">
@@ -6223,7 +5576,7 @@
         </p:nvSpPr>
         <p:spPr>
           <a:xfrm>
-            <a:off x="5851173" y="8175217"/>
+            <a:off x="5917848" y="8175217"/>
             <a:ext cx="856325" cy="246221"/>
           </a:xfrm>
           <a:prstGeom prst="rect">
@@ -6258,19 +5611,19 @@
           <p:cNvCxnSpPr>
             <a:cxnSpLocks/>
             <a:stCxn id="119" idx="6"/>
-            <a:endCxn id="117" idx="2"/>
           </p:cNvCxnSpPr>
           <p:nvPr/>
         </p:nvCxnSpPr>
         <p:spPr>
           <a:xfrm flipV="1">
-            <a:off x="4364966" y="5208044"/>
-            <a:ext cx="1341503" cy="8178"/>
+            <a:off x="4364966" y="5148669"/>
+            <a:ext cx="1341503" cy="0"/>
           </a:xfrm>
           <a:prstGeom prst="line">
             <a:avLst/>
           </a:prstGeom>
           <a:ln>
+            <a:prstDash val="dash"/>
             <a:headEnd type="none" w="med" len="med"/>
             <a:tailEnd type="none" w="med" len="med"/>
           </a:ln>
@@ -6301,15 +5654,15 @@
           </p:cNvPr>
           <p:cNvCxnSpPr>
             <a:cxnSpLocks/>
-            <a:stCxn id="116" idx="6"/>
-            <a:endCxn id="117" idx="2"/>
+            <a:stCxn id="139" idx="3"/>
+            <a:endCxn id="138" idx="1"/>
           </p:cNvCxnSpPr>
           <p:nvPr/>
         </p:nvCxnSpPr>
         <p:spPr>
           <a:xfrm flipV="1">
-            <a:off x="4364966" y="5208044"/>
-            <a:ext cx="1341503" cy="232432"/>
+            <a:off x="4365323" y="5153784"/>
+            <a:ext cx="1391348" cy="284363"/>
           </a:xfrm>
           <a:prstGeom prst="line">
             <a:avLst/>
@@ -6318,7 +5671,7 @@
             <a:solidFill>
               <a:srgbClr val="7030A0"/>
             </a:solidFill>
-            <a:prstDash val="dash"/>
+            <a:prstDash val="solid"/>
           </a:ln>
         </p:spPr>
         <p:style>
@@ -6336,114 +5689,6 @@
           </a:fontRef>
         </p:style>
       </p:cxnSp>
-      <p:sp>
-        <p:nvSpPr>
-          <p:cNvPr id="116" name="Oval 115">
-            <a:extLst>
-              <a:ext uri="{FF2B5EF4-FFF2-40B4-BE49-F238E27FC236}">
-                <a16:creationId xmlns:a16="http://schemas.microsoft.com/office/drawing/2014/main" id="{F75F9F7A-2C0A-CF45-923B-112DF642E9A6}"/>
-              </a:ext>
-            </a:extLst>
-          </p:cNvPr>
-          <p:cNvSpPr/>
-          <p:nvPr/>
-        </p:nvSpPr>
-        <p:spPr>
-          <a:xfrm>
-            <a:off x="4182086" y="5349036"/>
-            <a:ext cx="182880" cy="182880"/>
-          </a:xfrm>
-          <a:prstGeom prst="ellipse">
-            <a:avLst/>
-          </a:prstGeom>
-          <a:solidFill>
-            <a:srgbClr val="7030A0"/>
-          </a:solidFill>
-          <a:ln>
-            <a:solidFill>
-              <a:srgbClr val="7030A0"/>
-            </a:solidFill>
-          </a:ln>
-        </p:spPr>
-        <p:style>
-          <a:lnRef idx="2">
-            <a:schemeClr val="accent1">
-              <a:shade val="50000"/>
-            </a:schemeClr>
-          </a:lnRef>
-          <a:fillRef idx="1">
-            <a:schemeClr val="accent1"/>
-          </a:fillRef>
-          <a:effectRef idx="0">
-            <a:schemeClr val="accent1"/>
-          </a:effectRef>
-          <a:fontRef idx="minor">
-            <a:schemeClr val="lt1"/>
-          </a:fontRef>
-        </p:style>
-        <p:txBody>
-          <a:bodyPr rtlCol="0" anchor="ctr"/>
-          <a:lstStyle/>
-          <a:p>
-            <a:pPr algn="ctr"/>
-            <a:endParaRPr lang="en-US"/>
-          </a:p>
-        </p:txBody>
-      </p:sp>
-      <p:sp>
-        <p:nvSpPr>
-          <p:cNvPr id="117" name="Oval 116">
-            <a:extLst>
-              <a:ext uri="{FF2B5EF4-FFF2-40B4-BE49-F238E27FC236}">
-                <a16:creationId xmlns:a16="http://schemas.microsoft.com/office/drawing/2014/main" id="{AB116CC9-984B-1846-9FD0-80D9243F6CD4}"/>
-              </a:ext>
-            </a:extLst>
-          </p:cNvPr>
-          <p:cNvSpPr/>
-          <p:nvPr/>
-        </p:nvSpPr>
-        <p:spPr>
-          <a:xfrm>
-            <a:off x="5706469" y="5116604"/>
-            <a:ext cx="182880" cy="182880"/>
-          </a:xfrm>
-          <a:prstGeom prst="ellipse">
-            <a:avLst/>
-          </a:prstGeom>
-          <a:solidFill>
-            <a:srgbClr val="7030A0"/>
-          </a:solidFill>
-          <a:ln>
-            <a:solidFill>
-              <a:srgbClr val="7030A0"/>
-            </a:solidFill>
-          </a:ln>
-        </p:spPr>
-        <p:style>
-          <a:lnRef idx="2">
-            <a:schemeClr val="accent1">
-              <a:shade val="50000"/>
-            </a:schemeClr>
-          </a:lnRef>
-          <a:fillRef idx="1">
-            <a:schemeClr val="accent1"/>
-          </a:fillRef>
-          <a:effectRef idx="0">
-            <a:schemeClr val="accent1"/>
-          </a:effectRef>
-          <a:fontRef idx="minor">
-            <a:schemeClr val="lt1"/>
-          </a:fontRef>
-        </p:style>
-        <p:txBody>
-          <a:bodyPr rtlCol="0" anchor="ctr"/>
-          <a:lstStyle/>
-          <a:p>
-            <a:pPr algn="ctr"/>
-            <a:endParaRPr lang="en-US"/>
-          </a:p>
-        </p:txBody>
-      </p:sp>
       <p:cxnSp>
         <p:nvCxnSpPr>
           <p:cNvPr id="118" name="Straight Connector 117">
@@ -6463,7 +5708,7 @@
         <p:spPr>
           <a:xfrm flipV="1">
             <a:off x="4364966" y="4325007"/>
-            <a:ext cx="1356118" cy="891215"/>
+            <a:ext cx="1391043" cy="831840"/>
           </a:xfrm>
           <a:prstGeom prst="line">
             <a:avLst/>
@@ -6474,7 +5719,7 @@
                 <a:lumMod val="50000"/>
               </a:schemeClr>
             </a:solidFill>
-            <a:prstDash val="dash"/>
+            <a:prstDash val="solid"/>
           </a:ln>
         </p:spPr>
         <p:style>
@@ -6506,7 +5751,7 @@
         </p:nvSpPr>
         <p:spPr>
           <a:xfrm>
-            <a:off x="4182086" y="5124782"/>
+            <a:off x="4182086" y="5065407"/>
             <a:ext cx="182880" cy="182880"/>
           </a:xfrm>
           <a:prstGeom prst="ellipse">
@@ -6564,7 +5809,7 @@
         </p:nvSpPr>
         <p:spPr>
           <a:xfrm>
-            <a:off x="5721084" y="4233567"/>
+            <a:off x="5756009" y="4233567"/>
             <a:ext cx="182880" cy="182880"/>
           </a:xfrm>
           <a:prstGeom prst="ellipse">
@@ -6622,7 +5867,7 @@
         </p:nvSpPr>
         <p:spPr>
           <a:xfrm>
-            <a:off x="5822493" y="5105587"/>
+            <a:off x="5894693" y="5046212"/>
             <a:ext cx="856325" cy="246221"/>
           </a:xfrm>
           <a:prstGeom prst="rect">
@@ -6659,7 +5904,651 @@
         </p:nvSpPr>
         <p:spPr>
           <a:xfrm>
-            <a:off x="5851174" y="4199269"/>
+            <a:off x="5895624" y="4199269"/>
+            <a:ext cx="856325" cy="246221"/>
+          </a:xfrm>
+          <a:prstGeom prst="rect">
+            <a:avLst/>
+          </a:prstGeom>
+          <a:noFill/>
+        </p:spPr>
+        <p:txBody>
+          <a:bodyPr wrap="none" rtlCol="0">
+            <a:spAutoFit/>
+          </a:bodyPr>
+          <a:lstStyle/>
+          <a:p>
+            <a:r>
+              <a:rPr lang="en-US" sz="1000" dirty="0">
+                <a:latin typeface="Helvetica" pitchFamily="2" charset="0"/>
+              </a:rPr>
+              <a:t>Genotype A</a:t>
+            </a:r>
+          </a:p>
+        </p:txBody>
+      </p:sp>
+      <p:sp>
+        <p:nvSpPr>
+          <p:cNvPr id="129" name="TextBox 128">
+            <a:extLst>
+              <a:ext uri="{FF2B5EF4-FFF2-40B4-BE49-F238E27FC236}">
+                <a16:creationId xmlns:a16="http://schemas.microsoft.com/office/drawing/2014/main" id="{C1A23EF0-FE24-934E-818E-65F3BF22CD0D}"/>
+              </a:ext>
+            </a:extLst>
+          </p:cNvPr>
+          <p:cNvSpPr txBox="1"/>
+          <p:nvPr/>
+        </p:nvSpPr>
+        <p:spPr>
+          <a:xfrm>
+            <a:off x="687341" y="1242281"/>
+            <a:ext cx="338554" cy="369332"/>
+          </a:xfrm>
+          <a:prstGeom prst="rect">
+            <a:avLst/>
+          </a:prstGeom>
+          <a:noFill/>
+        </p:spPr>
+        <p:txBody>
+          <a:bodyPr wrap="none" rtlCol="0">
+            <a:spAutoFit/>
+          </a:bodyPr>
+          <a:lstStyle/>
+          <a:p>
+            <a:r>
+              <a:rPr lang="en-US" dirty="0">
+                <a:latin typeface="Helvetica" pitchFamily="2" charset="0"/>
+              </a:rPr>
+              <a:t>A</a:t>
+            </a:r>
+          </a:p>
+        </p:txBody>
+      </p:sp>
+      <p:sp>
+        <p:nvSpPr>
+          <p:cNvPr id="130" name="TextBox 129">
+            <a:extLst>
+              <a:ext uri="{FF2B5EF4-FFF2-40B4-BE49-F238E27FC236}">
+                <a16:creationId xmlns:a16="http://schemas.microsoft.com/office/drawing/2014/main" id="{01788359-2DEA-8543-A815-D6FB1938B949}"/>
+              </a:ext>
+            </a:extLst>
+          </p:cNvPr>
+          <p:cNvSpPr txBox="1"/>
+          <p:nvPr/>
+        </p:nvSpPr>
+        <p:spPr>
+          <a:xfrm>
+            <a:off x="3832427" y="1180725"/>
+            <a:ext cx="338554" cy="369332"/>
+          </a:xfrm>
+          <a:prstGeom prst="rect">
+            <a:avLst/>
+          </a:prstGeom>
+          <a:noFill/>
+        </p:spPr>
+        <p:txBody>
+          <a:bodyPr wrap="none" rtlCol="0">
+            <a:spAutoFit/>
+          </a:bodyPr>
+          <a:lstStyle/>
+          <a:p>
+            <a:r>
+              <a:rPr lang="en-US" dirty="0">
+                <a:latin typeface="Helvetica" pitchFamily="2" charset="0"/>
+              </a:rPr>
+              <a:t>B</a:t>
+            </a:r>
+          </a:p>
+        </p:txBody>
+      </p:sp>
+      <p:sp>
+        <p:nvSpPr>
+          <p:cNvPr id="131" name="TextBox 130">
+            <a:extLst>
+              <a:ext uri="{FF2B5EF4-FFF2-40B4-BE49-F238E27FC236}">
+                <a16:creationId xmlns:a16="http://schemas.microsoft.com/office/drawing/2014/main" id="{1EF6B931-CB2D-DB44-A5D0-CD2D0178B28D}"/>
+              </a:ext>
+            </a:extLst>
+          </p:cNvPr>
+          <p:cNvSpPr txBox="1"/>
+          <p:nvPr/>
+        </p:nvSpPr>
+        <p:spPr>
+          <a:xfrm>
+            <a:off x="687341" y="3946806"/>
+            <a:ext cx="351378" cy="369332"/>
+          </a:xfrm>
+          <a:prstGeom prst="rect">
+            <a:avLst/>
+          </a:prstGeom>
+          <a:noFill/>
+        </p:spPr>
+        <p:txBody>
+          <a:bodyPr wrap="none" rtlCol="0">
+            <a:spAutoFit/>
+          </a:bodyPr>
+          <a:lstStyle/>
+          <a:p>
+            <a:r>
+              <a:rPr lang="en-US" dirty="0">
+                <a:latin typeface="Helvetica" pitchFamily="2" charset="0"/>
+              </a:rPr>
+              <a:t>C</a:t>
+            </a:r>
+          </a:p>
+        </p:txBody>
+      </p:sp>
+      <p:sp>
+        <p:nvSpPr>
+          <p:cNvPr id="133" name="TextBox 132">
+            <a:extLst>
+              <a:ext uri="{FF2B5EF4-FFF2-40B4-BE49-F238E27FC236}">
+                <a16:creationId xmlns:a16="http://schemas.microsoft.com/office/drawing/2014/main" id="{44C539E6-F102-604A-B492-5A8D3F277D80}"/>
+              </a:ext>
+            </a:extLst>
+          </p:cNvPr>
+          <p:cNvSpPr txBox="1"/>
+          <p:nvPr/>
+        </p:nvSpPr>
+        <p:spPr>
+          <a:xfrm>
+            <a:off x="3832427" y="3892335"/>
+            <a:ext cx="351378" cy="369332"/>
+          </a:xfrm>
+          <a:prstGeom prst="rect">
+            <a:avLst/>
+          </a:prstGeom>
+          <a:noFill/>
+        </p:spPr>
+        <p:txBody>
+          <a:bodyPr wrap="none" rtlCol="0">
+            <a:spAutoFit/>
+          </a:bodyPr>
+          <a:lstStyle/>
+          <a:p>
+            <a:r>
+              <a:rPr lang="en-US" dirty="0">
+                <a:latin typeface="Helvetica" pitchFamily="2" charset="0"/>
+              </a:rPr>
+              <a:t>D</a:t>
+            </a:r>
+          </a:p>
+        </p:txBody>
+      </p:sp>
+      <p:sp>
+        <p:nvSpPr>
+          <p:cNvPr id="134" name="TextBox 133">
+            <a:extLst>
+              <a:ext uri="{FF2B5EF4-FFF2-40B4-BE49-F238E27FC236}">
+                <a16:creationId xmlns:a16="http://schemas.microsoft.com/office/drawing/2014/main" id="{6C8FA4AF-11E5-C14D-9489-1FF4CA8460C2}"/>
+              </a:ext>
+            </a:extLst>
+          </p:cNvPr>
+          <p:cNvSpPr txBox="1"/>
+          <p:nvPr/>
+        </p:nvSpPr>
+        <p:spPr>
+          <a:xfrm>
+            <a:off x="3830431" y="6648819"/>
+            <a:ext cx="338554" cy="369332"/>
+          </a:xfrm>
+          <a:prstGeom prst="rect">
+            <a:avLst/>
+          </a:prstGeom>
+          <a:noFill/>
+        </p:spPr>
+        <p:txBody>
+          <a:bodyPr wrap="none" rtlCol="0">
+            <a:spAutoFit/>
+          </a:bodyPr>
+          <a:lstStyle/>
+          <a:p>
+            <a:r>
+              <a:rPr lang="en-US" dirty="0">
+                <a:latin typeface="Helvetica" pitchFamily="2" charset="0"/>
+              </a:rPr>
+              <a:t>F</a:t>
+            </a:r>
+          </a:p>
+        </p:txBody>
+      </p:sp>
+      <p:sp>
+        <p:nvSpPr>
+          <p:cNvPr id="86" name="Half Frame 85">
+            <a:extLst>
+              <a:ext uri="{FF2B5EF4-FFF2-40B4-BE49-F238E27FC236}">
+                <a16:creationId xmlns:a16="http://schemas.microsoft.com/office/drawing/2014/main" id="{4C767BFD-5677-C94B-ABD2-6F9E37256932}"/>
+              </a:ext>
+            </a:extLst>
+          </p:cNvPr>
+          <p:cNvSpPr/>
+          <p:nvPr/>
+        </p:nvSpPr>
+        <p:spPr>
+          <a:xfrm rot="16200000">
+            <a:off x="916183" y="6402795"/>
+            <a:ext cx="1889760" cy="2560321"/>
+          </a:xfrm>
+          <a:prstGeom prst="halfFrame">
+            <a:avLst>
+              <a:gd name="adj1" fmla="val 1313"/>
+              <a:gd name="adj2" fmla="val 1403"/>
+            </a:avLst>
+          </a:prstGeom>
+          <a:solidFill>
+            <a:schemeClr val="tx1"/>
+          </a:solidFill>
+          <a:ln>
+            <a:noFill/>
+          </a:ln>
+        </p:spPr>
+        <p:style>
+          <a:lnRef idx="2">
+            <a:schemeClr val="accent1">
+              <a:shade val="50000"/>
+            </a:schemeClr>
+          </a:lnRef>
+          <a:fillRef idx="1">
+            <a:schemeClr val="accent1"/>
+          </a:fillRef>
+          <a:effectRef idx="0">
+            <a:schemeClr val="accent1"/>
+          </a:effectRef>
+          <a:fontRef idx="minor">
+            <a:schemeClr val="lt1"/>
+          </a:fontRef>
+        </p:style>
+        <p:txBody>
+          <a:bodyPr rtlCol="0" anchor="ctr"/>
+          <a:lstStyle/>
+          <a:p>
+            <a:pPr algn="ctr"/>
+            <a:endParaRPr lang="en-US">
+              <a:solidFill>
+                <a:schemeClr val="tx1"/>
+              </a:solidFill>
+            </a:endParaRPr>
+          </a:p>
+        </p:txBody>
+      </p:sp>
+      <p:sp>
+        <p:nvSpPr>
+          <p:cNvPr id="87" name="Rectangle 86">
+            <a:extLst>
+              <a:ext uri="{FF2B5EF4-FFF2-40B4-BE49-F238E27FC236}">
+                <a16:creationId xmlns:a16="http://schemas.microsoft.com/office/drawing/2014/main" id="{DC533300-2E6B-A54C-819F-5AF49EA13A51}"/>
+              </a:ext>
+            </a:extLst>
+          </p:cNvPr>
+          <p:cNvSpPr/>
+          <p:nvPr/>
+        </p:nvSpPr>
+        <p:spPr>
+          <a:xfrm>
+            <a:off x="1080605" y="8533714"/>
+            <a:ext cx="57361" cy="168708"/>
+          </a:xfrm>
+          <a:prstGeom prst="rect">
+            <a:avLst/>
+          </a:prstGeom>
+          <a:solidFill>
+            <a:schemeClr val="accent6">
+              <a:lumMod val="50000"/>
+            </a:schemeClr>
+          </a:solidFill>
+          <a:ln>
+            <a:noFill/>
+          </a:ln>
+        </p:spPr>
+        <p:style>
+          <a:lnRef idx="2">
+            <a:schemeClr val="accent1">
+              <a:shade val="50000"/>
+            </a:schemeClr>
+          </a:lnRef>
+          <a:fillRef idx="1">
+            <a:schemeClr val="accent1"/>
+          </a:fillRef>
+          <a:effectRef idx="0">
+            <a:schemeClr val="accent1"/>
+          </a:effectRef>
+          <a:fontRef idx="minor">
+            <a:schemeClr val="lt1"/>
+          </a:fontRef>
+        </p:style>
+        <p:txBody>
+          <a:bodyPr rtlCol="0" anchor="ctr"/>
+          <a:lstStyle/>
+          <a:p>
+            <a:pPr algn="ctr"/>
+            <a:endParaRPr lang="en-US"/>
+          </a:p>
+        </p:txBody>
+      </p:sp>
+      <p:sp>
+        <p:nvSpPr>
+          <p:cNvPr id="88" name="Rectangle 87">
+            <a:extLst>
+              <a:ext uri="{FF2B5EF4-FFF2-40B4-BE49-F238E27FC236}">
+                <a16:creationId xmlns:a16="http://schemas.microsoft.com/office/drawing/2014/main" id="{4BAFE86A-21B8-7043-B38E-13184B589DE2}"/>
+              </a:ext>
+            </a:extLst>
+          </p:cNvPr>
+          <p:cNvSpPr/>
+          <p:nvPr/>
+        </p:nvSpPr>
+        <p:spPr>
+          <a:xfrm>
+            <a:off x="2669007" y="8533714"/>
+            <a:ext cx="57361" cy="168708"/>
+          </a:xfrm>
+          <a:prstGeom prst="rect">
+            <a:avLst/>
+          </a:prstGeom>
+          <a:solidFill>
+            <a:srgbClr val="7030A0"/>
+          </a:solidFill>
+          <a:ln>
+            <a:noFill/>
+          </a:ln>
+        </p:spPr>
+        <p:style>
+          <a:lnRef idx="2">
+            <a:schemeClr val="accent1">
+              <a:shade val="50000"/>
+            </a:schemeClr>
+          </a:lnRef>
+          <a:fillRef idx="1">
+            <a:schemeClr val="accent1"/>
+          </a:fillRef>
+          <a:effectRef idx="0">
+            <a:schemeClr val="accent1"/>
+          </a:effectRef>
+          <a:fontRef idx="minor">
+            <a:schemeClr val="lt1"/>
+          </a:fontRef>
+        </p:style>
+        <p:txBody>
+          <a:bodyPr rtlCol="0" anchor="ctr"/>
+          <a:lstStyle/>
+          <a:p>
+            <a:pPr algn="ctr"/>
+            <a:endParaRPr lang="en-US"/>
+          </a:p>
+        </p:txBody>
+      </p:sp>
+      <p:sp>
+        <p:nvSpPr>
+          <p:cNvPr id="93" name="Oval 92">
+            <a:extLst>
+              <a:ext uri="{FF2B5EF4-FFF2-40B4-BE49-F238E27FC236}">
+                <a16:creationId xmlns:a16="http://schemas.microsoft.com/office/drawing/2014/main" id="{EE80F532-4427-AC4C-91E0-0E342A078EC5}"/>
+              </a:ext>
+            </a:extLst>
+          </p:cNvPr>
+          <p:cNvSpPr/>
+          <p:nvPr/>
+        </p:nvSpPr>
+        <p:spPr>
+          <a:xfrm>
+            <a:off x="1016005" y="8187437"/>
+            <a:ext cx="182880" cy="182880"/>
+          </a:xfrm>
+          <a:prstGeom prst="ellipse">
+            <a:avLst/>
+          </a:prstGeom>
+          <a:solidFill>
+            <a:schemeClr val="accent6">
+              <a:lumMod val="50000"/>
+            </a:schemeClr>
+          </a:solidFill>
+          <a:ln>
+            <a:noFill/>
+          </a:ln>
+        </p:spPr>
+        <p:style>
+          <a:lnRef idx="2">
+            <a:schemeClr val="accent1">
+              <a:shade val="50000"/>
+            </a:schemeClr>
+          </a:lnRef>
+          <a:fillRef idx="1">
+            <a:schemeClr val="accent1"/>
+          </a:fillRef>
+          <a:effectRef idx="0">
+            <a:schemeClr val="accent1"/>
+          </a:effectRef>
+          <a:fontRef idx="minor">
+            <a:schemeClr val="lt1"/>
+          </a:fontRef>
+        </p:style>
+        <p:txBody>
+          <a:bodyPr rtlCol="0" anchor="ctr"/>
+          <a:lstStyle/>
+          <a:p>
+            <a:pPr algn="ctr"/>
+            <a:endParaRPr lang="en-US"/>
+          </a:p>
+        </p:txBody>
+      </p:sp>
+      <p:sp>
+        <p:nvSpPr>
+          <p:cNvPr id="108" name="Oval 107">
+            <a:extLst>
+              <a:ext uri="{FF2B5EF4-FFF2-40B4-BE49-F238E27FC236}">
+                <a16:creationId xmlns:a16="http://schemas.microsoft.com/office/drawing/2014/main" id="{0DDDB219-F2E9-0548-B414-6AC24D8A0A39}"/>
+              </a:ext>
+            </a:extLst>
+          </p:cNvPr>
+          <p:cNvSpPr/>
+          <p:nvPr/>
+        </p:nvSpPr>
+        <p:spPr>
+          <a:xfrm>
+            <a:off x="2605239" y="6860644"/>
+            <a:ext cx="182880" cy="182880"/>
+          </a:xfrm>
+          <a:prstGeom prst="ellipse">
+            <a:avLst/>
+          </a:prstGeom>
+          <a:solidFill>
+            <a:srgbClr val="7030A0"/>
+          </a:solidFill>
+          <a:ln>
+            <a:solidFill>
+              <a:srgbClr val="7030A0"/>
+            </a:solidFill>
+          </a:ln>
+        </p:spPr>
+        <p:style>
+          <a:lnRef idx="2">
+            <a:schemeClr val="accent1">
+              <a:shade val="50000"/>
+            </a:schemeClr>
+          </a:lnRef>
+          <a:fillRef idx="1">
+            <a:schemeClr val="accent1"/>
+          </a:fillRef>
+          <a:effectRef idx="0">
+            <a:schemeClr val="accent1"/>
+          </a:effectRef>
+          <a:fontRef idx="minor">
+            <a:schemeClr val="lt1"/>
+          </a:fontRef>
+        </p:style>
+        <p:txBody>
+          <a:bodyPr rtlCol="0" anchor="ctr"/>
+          <a:lstStyle/>
+          <a:p>
+            <a:pPr algn="ctr"/>
+            <a:endParaRPr lang="en-US"/>
+          </a:p>
+        </p:txBody>
+      </p:sp>
+      <p:sp>
+        <p:nvSpPr>
+          <p:cNvPr id="110" name="Oval 109">
+            <a:extLst>
+              <a:ext uri="{FF2B5EF4-FFF2-40B4-BE49-F238E27FC236}">
+                <a16:creationId xmlns:a16="http://schemas.microsoft.com/office/drawing/2014/main" id="{405F6F03-9CB6-594A-AD8E-6F732BC37D20}"/>
+              </a:ext>
+            </a:extLst>
+          </p:cNvPr>
+          <p:cNvSpPr/>
+          <p:nvPr/>
+        </p:nvSpPr>
+        <p:spPr>
+          <a:xfrm>
+            <a:off x="1017475" y="6872324"/>
+            <a:ext cx="182880" cy="182880"/>
+          </a:xfrm>
+          <a:prstGeom prst="ellipse">
+            <a:avLst/>
+          </a:prstGeom>
+          <a:solidFill>
+            <a:srgbClr val="7030A0"/>
+          </a:solidFill>
+          <a:ln>
+            <a:solidFill>
+              <a:srgbClr val="7030A0"/>
+            </a:solidFill>
+          </a:ln>
+        </p:spPr>
+        <p:style>
+          <a:lnRef idx="2">
+            <a:schemeClr val="accent1">
+              <a:shade val="50000"/>
+            </a:schemeClr>
+          </a:lnRef>
+          <a:fillRef idx="1">
+            <a:schemeClr val="accent1"/>
+          </a:fillRef>
+          <a:effectRef idx="0">
+            <a:schemeClr val="accent1"/>
+          </a:effectRef>
+          <a:fontRef idx="minor">
+            <a:schemeClr val="lt1"/>
+          </a:fontRef>
+        </p:style>
+        <p:txBody>
+          <a:bodyPr rtlCol="0" anchor="ctr"/>
+          <a:lstStyle/>
+          <a:p>
+            <a:pPr algn="ctr"/>
+            <a:endParaRPr lang="en-US"/>
+          </a:p>
+        </p:txBody>
+      </p:sp>
+      <p:sp>
+        <p:nvSpPr>
+          <p:cNvPr id="111" name="Oval 110">
+            <a:extLst>
+              <a:ext uri="{FF2B5EF4-FFF2-40B4-BE49-F238E27FC236}">
+                <a16:creationId xmlns:a16="http://schemas.microsoft.com/office/drawing/2014/main" id="{4953CA2E-F0A1-B64E-B4AF-4878AAEEAEE7}"/>
+              </a:ext>
+            </a:extLst>
+          </p:cNvPr>
+          <p:cNvSpPr/>
+          <p:nvPr/>
+        </p:nvSpPr>
+        <p:spPr>
+          <a:xfrm>
+            <a:off x="2600102" y="8183793"/>
+            <a:ext cx="182880" cy="182880"/>
+          </a:xfrm>
+          <a:prstGeom prst="ellipse">
+            <a:avLst/>
+          </a:prstGeom>
+          <a:solidFill>
+            <a:schemeClr val="accent6">
+              <a:lumMod val="50000"/>
+            </a:schemeClr>
+          </a:solidFill>
+          <a:ln>
+            <a:solidFill>
+              <a:schemeClr val="accent6">
+                <a:lumMod val="50000"/>
+              </a:schemeClr>
+            </a:solidFill>
+          </a:ln>
+        </p:spPr>
+        <p:style>
+          <a:lnRef idx="2">
+            <a:schemeClr val="accent1">
+              <a:shade val="50000"/>
+            </a:schemeClr>
+          </a:lnRef>
+          <a:fillRef idx="1">
+            <a:schemeClr val="accent1"/>
+          </a:fillRef>
+          <a:effectRef idx="0">
+            <a:schemeClr val="accent1"/>
+          </a:effectRef>
+          <a:fontRef idx="minor">
+            <a:schemeClr val="lt1"/>
+          </a:fontRef>
+        </p:style>
+        <p:txBody>
+          <a:bodyPr rtlCol="0" anchor="ctr"/>
+          <a:lstStyle/>
+          <a:p>
+            <a:pPr algn="ctr"/>
+            <a:endParaRPr lang="en-US"/>
+          </a:p>
+        </p:txBody>
+      </p:sp>
+      <p:sp>
+        <p:nvSpPr>
+          <p:cNvPr id="112" name="TextBox 111">
+            <a:extLst>
+              <a:ext uri="{FF2B5EF4-FFF2-40B4-BE49-F238E27FC236}">
+                <a16:creationId xmlns:a16="http://schemas.microsoft.com/office/drawing/2014/main" id="{7FC99BBB-592F-3843-BD21-8391248A3DD1}"/>
+              </a:ext>
+            </a:extLst>
+          </p:cNvPr>
+          <p:cNvSpPr txBox="1"/>
+          <p:nvPr/>
+        </p:nvSpPr>
+        <p:spPr>
+          <a:xfrm rot="16200000">
+            <a:off x="19234" y="7404998"/>
+            <a:ext cx="917239" cy="276999"/>
+          </a:xfrm>
+          <a:prstGeom prst="rect">
+            <a:avLst/>
+          </a:prstGeom>
+          <a:noFill/>
+        </p:spPr>
+        <p:txBody>
+          <a:bodyPr wrap="none" rtlCol="0">
+            <a:spAutoFit/>
+          </a:bodyPr>
+          <a:lstStyle/>
+          <a:p>
+            <a:r>
+              <a:rPr lang="en-US" sz="1200" dirty="0">
+                <a:latin typeface="Helvetica" pitchFamily="2" charset="0"/>
+              </a:rPr>
+              <a:t>Phenotype</a:t>
+            </a:r>
+          </a:p>
+        </p:txBody>
+      </p:sp>
+      <p:sp>
+        <p:nvSpPr>
+          <p:cNvPr id="113" name="TextBox 112">
+            <a:extLst>
+              <a:ext uri="{FF2B5EF4-FFF2-40B4-BE49-F238E27FC236}">
+                <a16:creationId xmlns:a16="http://schemas.microsoft.com/office/drawing/2014/main" id="{CFD3E58B-BFB1-7F41-8801-B6FBBDBAE24E}"/>
+              </a:ext>
+            </a:extLst>
+          </p:cNvPr>
+          <p:cNvSpPr txBox="1"/>
+          <p:nvPr/>
+        </p:nvSpPr>
+        <p:spPr>
+          <a:xfrm>
+            <a:off x="2747364" y="6837177"/>
             <a:ext cx="856325" cy="246221"/>
           </a:xfrm>
           <a:prstGeom prst="rect">
@@ -6684,10 +6573,10 @@
       </p:sp>
       <p:sp>
         <p:nvSpPr>
-          <p:cNvPr id="129" name="TextBox 128">
-            <a:extLst>
-              <a:ext uri="{FF2B5EF4-FFF2-40B4-BE49-F238E27FC236}">
-                <a16:creationId xmlns:a16="http://schemas.microsoft.com/office/drawing/2014/main" id="{C1A23EF0-FE24-934E-818E-65F3BF22CD0D}"/>
+          <p:cNvPr id="123" name="TextBox 122">
+            <a:extLst>
+              <a:ext uri="{FF2B5EF4-FFF2-40B4-BE49-F238E27FC236}">
+                <a16:creationId xmlns:a16="http://schemas.microsoft.com/office/drawing/2014/main" id="{47AD348E-51A7-3C41-820A-5C96AD0478CC}"/>
               </a:ext>
             </a:extLst>
           </p:cNvPr>
@@ -6696,8 +6585,8 @@
         </p:nvSpPr>
         <p:spPr>
           <a:xfrm>
-            <a:off x="687341" y="1242281"/>
-            <a:ext cx="338554" cy="369332"/>
+            <a:off x="2739715" y="8160608"/>
+            <a:ext cx="856325" cy="246221"/>
           </a:xfrm>
           <a:prstGeom prst="rect">
             <a:avLst/>
@@ -6711,20 +6600,114 @@
           <a:lstStyle/>
           <a:p>
             <a:r>
-              <a:rPr lang="en-US" dirty="0">
+              <a:rPr lang="en-US" sz="1000" dirty="0">
                 <a:latin typeface="Helvetica" pitchFamily="2" charset="0"/>
               </a:rPr>
-              <a:t>A</a:t>
-            </a:r>
-          </a:p>
-        </p:txBody>
-      </p:sp>
-      <p:sp>
-        <p:nvSpPr>
-          <p:cNvPr id="130" name="TextBox 129">
-            <a:extLst>
-              <a:ext uri="{FF2B5EF4-FFF2-40B4-BE49-F238E27FC236}">
-                <a16:creationId xmlns:a16="http://schemas.microsoft.com/office/drawing/2014/main" id="{01788359-2DEA-8543-A815-D6FB1938B949}"/>
+              <a:t>Genotype A</a:t>
+            </a:r>
+          </a:p>
+        </p:txBody>
+      </p:sp>
+      <p:cxnSp>
+        <p:nvCxnSpPr>
+          <p:cNvPr id="124" name="Straight Connector 123">
+            <a:extLst>
+              <a:ext uri="{FF2B5EF4-FFF2-40B4-BE49-F238E27FC236}">
+                <a16:creationId xmlns:a16="http://schemas.microsoft.com/office/drawing/2014/main" id="{33B7E51C-2B10-224A-A2F7-58EC40ACC43A}"/>
+              </a:ext>
+            </a:extLst>
+          </p:cNvPr>
+          <p:cNvCxnSpPr>
+            <a:cxnSpLocks/>
+            <a:stCxn id="93" idx="6"/>
+            <a:endCxn id="111" idx="2"/>
+          </p:cNvCxnSpPr>
+          <p:nvPr/>
+        </p:nvCxnSpPr>
+        <p:spPr>
+          <a:xfrm flipV="1">
+            <a:off x="1198885" y="8275233"/>
+            <a:ext cx="1401217" cy="3644"/>
+          </a:xfrm>
+          <a:prstGeom prst="line">
+            <a:avLst/>
+          </a:prstGeom>
+          <a:ln>
+            <a:solidFill>
+              <a:schemeClr val="accent6">
+                <a:lumMod val="50000"/>
+              </a:schemeClr>
+            </a:solidFill>
+            <a:prstDash val="solid"/>
+          </a:ln>
+        </p:spPr>
+        <p:style>
+          <a:lnRef idx="1">
+            <a:schemeClr val="accent1"/>
+          </a:lnRef>
+          <a:fillRef idx="0">
+            <a:schemeClr val="accent1"/>
+          </a:fillRef>
+          <a:effectRef idx="0">
+            <a:schemeClr val="accent1"/>
+          </a:effectRef>
+          <a:fontRef idx="minor">
+            <a:schemeClr val="tx1"/>
+          </a:fontRef>
+        </p:style>
+      </p:cxnSp>
+      <p:cxnSp>
+        <p:nvCxnSpPr>
+          <p:cNvPr id="125" name="Straight Connector 124">
+            <a:extLst>
+              <a:ext uri="{FF2B5EF4-FFF2-40B4-BE49-F238E27FC236}">
+                <a16:creationId xmlns:a16="http://schemas.microsoft.com/office/drawing/2014/main" id="{0578F149-1BE8-F345-8903-C3C54AD567B0}"/>
+              </a:ext>
+            </a:extLst>
+          </p:cNvPr>
+          <p:cNvCxnSpPr>
+            <a:cxnSpLocks/>
+            <a:stCxn id="110" idx="6"/>
+            <a:endCxn id="108" idx="6"/>
+          </p:cNvCxnSpPr>
+          <p:nvPr/>
+        </p:nvCxnSpPr>
+        <p:spPr>
+          <a:xfrm flipV="1">
+            <a:off x="1200355" y="6952084"/>
+            <a:ext cx="1587764" cy="11680"/>
+          </a:xfrm>
+          <a:prstGeom prst="line">
+            <a:avLst/>
+          </a:prstGeom>
+          <a:ln>
+            <a:solidFill>
+              <a:srgbClr val="7030A0"/>
+            </a:solidFill>
+            <a:prstDash val="solid"/>
+          </a:ln>
+        </p:spPr>
+        <p:style>
+          <a:lnRef idx="1">
+            <a:schemeClr val="accent1"/>
+          </a:lnRef>
+          <a:fillRef idx="0">
+            <a:schemeClr val="accent1"/>
+          </a:fillRef>
+          <a:effectRef idx="0">
+            <a:schemeClr val="accent1"/>
+          </a:effectRef>
+          <a:fontRef idx="minor">
+            <a:schemeClr val="tx1"/>
+          </a:fontRef>
+        </p:style>
+      </p:cxnSp>
+      <p:sp>
+        <p:nvSpPr>
+          <p:cNvPr id="126" name="TextBox 125">
+            <a:extLst>
+              <a:ext uri="{FF2B5EF4-FFF2-40B4-BE49-F238E27FC236}">
+                <a16:creationId xmlns:a16="http://schemas.microsoft.com/office/drawing/2014/main" id="{DB50EE72-227E-F345-8303-603E831F6B71}"/>
               </a:ext>
             </a:extLst>
           </p:cNvPr>
@@ -6733,8 +6716,8 @@
         </p:nvSpPr>
         <p:spPr>
           <a:xfrm>
-            <a:off x="3832427" y="1180725"/>
-            <a:ext cx="338554" cy="369332"/>
+            <a:off x="3830431" y="549247"/>
+            <a:ext cx="2531462" cy="584775"/>
           </a:xfrm>
           <a:prstGeom prst="rect">
             <a:avLst/>
@@ -6747,58 +6730,34 @@
           </a:bodyPr>
           <a:lstStyle/>
           <a:p>
-            <a:r>
-              <a:rPr lang="en-US" dirty="0">
+            <a:pPr algn="ctr"/>
+            <a:r>
+              <a:rPr lang="en-US" dirty="0" err="1">
                 <a:latin typeface="Helvetica" pitchFamily="2" charset="0"/>
               </a:rPr>
-              <a:t>B</a:t>
-            </a:r>
-          </a:p>
-        </p:txBody>
-      </p:sp>
-      <p:sp>
-        <p:nvSpPr>
-          <p:cNvPr id="131" name="TextBox 130">
-            <a:extLst>
-              <a:ext uri="{FF2B5EF4-FFF2-40B4-BE49-F238E27FC236}">
-                <a16:creationId xmlns:a16="http://schemas.microsoft.com/office/drawing/2014/main" id="{1EF6B931-CB2D-DB44-A5D0-CD2D0178B28D}"/>
-              </a:ext>
-            </a:extLst>
-          </p:cNvPr>
-          <p:cNvSpPr txBox="1"/>
-          <p:nvPr/>
-        </p:nvSpPr>
-        <p:spPr>
-          <a:xfrm>
-            <a:off x="687341" y="3946806"/>
-            <a:ext cx="351378" cy="369332"/>
-          </a:xfrm>
-          <a:prstGeom prst="rect">
-            <a:avLst/>
-          </a:prstGeom>
-          <a:noFill/>
-        </p:spPr>
-        <p:txBody>
-          <a:bodyPr wrap="none" rtlCol="0">
-            <a:spAutoFit/>
-          </a:bodyPr>
-          <a:lstStyle/>
-          <a:p>
-            <a:r>
-              <a:rPr lang="en-US" dirty="0">
+              <a:t>GxE</a:t>
+            </a:r>
+            <a:endParaRPr lang="en-US" dirty="0">
+              <a:latin typeface="Helvetica" pitchFamily="2" charset="0"/>
+            </a:endParaRPr>
+          </a:p>
+          <a:p>
+            <a:pPr algn="ctr"/>
+            <a:r>
+              <a:rPr lang="en-US" sz="1400" dirty="0">
                 <a:latin typeface="Helvetica" pitchFamily="2" charset="0"/>
               </a:rPr>
-              <a:t>C</a:t>
-            </a:r>
-          </a:p>
-        </p:txBody>
-      </p:sp>
-      <p:sp>
-        <p:nvSpPr>
-          <p:cNvPr id="133" name="TextBox 132">
-            <a:extLst>
-              <a:ext uri="{FF2B5EF4-FFF2-40B4-BE49-F238E27FC236}">
-                <a16:creationId xmlns:a16="http://schemas.microsoft.com/office/drawing/2014/main" id="{44C539E6-F102-604A-B492-5A8D3F277D80}"/>
+              <a:t>(Reaction norms not parallel) </a:t>
+            </a:r>
+          </a:p>
+        </p:txBody>
+      </p:sp>
+      <p:sp>
+        <p:nvSpPr>
+          <p:cNvPr id="127" name="TextBox 126">
+            <a:extLst>
+              <a:ext uri="{FF2B5EF4-FFF2-40B4-BE49-F238E27FC236}">
+                <a16:creationId xmlns:a16="http://schemas.microsoft.com/office/drawing/2014/main" id="{A88E3520-7078-9448-B104-5033702AB4BF}"/>
               </a:ext>
             </a:extLst>
           </p:cNvPr>
@@ -6807,44 +6766,7 @@
         </p:nvSpPr>
         <p:spPr>
           <a:xfrm>
-            <a:off x="3832427" y="3892335"/>
-            <a:ext cx="351378" cy="369332"/>
-          </a:xfrm>
-          <a:prstGeom prst="rect">
-            <a:avLst/>
-          </a:prstGeom>
-          <a:noFill/>
-        </p:spPr>
-        <p:txBody>
-          <a:bodyPr wrap="none" rtlCol="0">
-            <a:spAutoFit/>
-          </a:bodyPr>
-          <a:lstStyle/>
-          <a:p>
-            <a:r>
-              <a:rPr lang="en-US" dirty="0">
-                <a:latin typeface="Helvetica" pitchFamily="2" charset="0"/>
-              </a:rPr>
-              <a:t>D</a:t>
-            </a:r>
-          </a:p>
-        </p:txBody>
-      </p:sp>
-      <p:sp>
-        <p:nvSpPr>
-          <p:cNvPr id="134" name="TextBox 133">
-            <a:extLst>
-              <a:ext uri="{FF2B5EF4-FFF2-40B4-BE49-F238E27FC236}">
-                <a16:creationId xmlns:a16="http://schemas.microsoft.com/office/drawing/2014/main" id="{6C8FA4AF-11E5-C14D-9489-1FF4CA8460C2}"/>
-              </a:ext>
-            </a:extLst>
-          </p:cNvPr>
-          <p:cNvSpPr txBox="1"/>
-          <p:nvPr/>
-        </p:nvSpPr>
-        <p:spPr>
-          <a:xfrm>
-            <a:off x="3830431" y="6648819"/>
+            <a:off x="693565" y="6646862"/>
             <a:ext cx="338554" cy="369332"/>
           </a:xfrm>
           <a:prstGeom prst="rect">
@@ -6863,6 +6785,824 @@
                 <a:latin typeface="Helvetica" pitchFamily="2" charset="0"/>
               </a:rPr>
               <a:t>E</a:t>
+            </a:r>
+          </a:p>
+        </p:txBody>
+      </p:sp>
+      <p:sp>
+        <p:nvSpPr>
+          <p:cNvPr id="29" name="Diamond 28">
+            <a:extLst>
+              <a:ext uri="{FF2B5EF4-FFF2-40B4-BE49-F238E27FC236}">
+                <a16:creationId xmlns:a16="http://schemas.microsoft.com/office/drawing/2014/main" id="{64A3AE73-8C6A-4649-9692-F88F0D1E3053}"/>
+              </a:ext>
+            </a:extLst>
+          </p:cNvPr>
+          <p:cNvSpPr>
+            <a:spLocks noChangeAspect="1"/>
+          </p:cNvSpPr>
+          <p:nvPr/>
+        </p:nvSpPr>
+        <p:spPr>
+          <a:xfrm>
+            <a:off x="2607888" y="1456823"/>
+            <a:ext cx="182880" cy="182880"/>
+          </a:xfrm>
+          <a:prstGeom prst="diamond">
+            <a:avLst/>
+          </a:prstGeom>
+          <a:solidFill>
+            <a:srgbClr val="7030A0"/>
+          </a:solidFill>
+          <a:ln>
+            <a:solidFill>
+              <a:srgbClr val="7030A0"/>
+            </a:solidFill>
+          </a:ln>
+        </p:spPr>
+        <p:style>
+          <a:lnRef idx="2">
+            <a:schemeClr val="accent1">
+              <a:shade val="50000"/>
+            </a:schemeClr>
+          </a:lnRef>
+          <a:fillRef idx="1">
+            <a:schemeClr val="accent1"/>
+          </a:fillRef>
+          <a:effectRef idx="0">
+            <a:schemeClr val="accent1"/>
+          </a:effectRef>
+          <a:fontRef idx="minor">
+            <a:schemeClr val="lt1"/>
+          </a:fontRef>
+        </p:style>
+        <p:txBody>
+          <a:bodyPr rtlCol="0" anchor="ctr"/>
+          <a:lstStyle/>
+          <a:p>
+            <a:pPr algn="ctr"/>
+            <a:endParaRPr lang="en-US"/>
+          </a:p>
+        </p:txBody>
+      </p:sp>
+      <p:sp>
+        <p:nvSpPr>
+          <p:cNvPr id="135" name="Diamond 134">
+            <a:extLst>
+              <a:ext uri="{FF2B5EF4-FFF2-40B4-BE49-F238E27FC236}">
+                <a16:creationId xmlns:a16="http://schemas.microsoft.com/office/drawing/2014/main" id="{C058A130-21BB-FA4C-8D81-CF625F51F06D}"/>
+              </a:ext>
+            </a:extLst>
+          </p:cNvPr>
+          <p:cNvSpPr>
+            <a:spLocks noChangeAspect="1"/>
+          </p:cNvSpPr>
+          <p:nvPr/>
+        </p:nvSpPr>
+        <p:spPr>
+          <a:xfrm>
+            <a:off x="1016590" y="2121470"/>
+            <a:ext cx="182880" cy="182880"/>
+          </a:xfrm>
+          <a:prstGeom prst="diamond">
+            <a:avLst/>
+          </a:prstGeom>
+          <a:solidFill>
+            <a:srgbClr val="7030A0"/>
+          </a:solidFill>
+          <a:ln>
+            <a:solidFill>
+              <a:srgbClr val="7030A0"/>
+            </a:solidFill>
+          </a:ln>
+        </p:spPr>
+        <p:style>
+          <a:lnRef idx="2">
+            <a:schemeClr val="accent1">
+              <a:shade val="50000"/>
+            </a:schemeClr>
+          </a:lnRef>
+          <a:fillRef idx="1">
+            <a:schemeClr val="accent1"/>
+          </a:fillRef>
+          <a:effectRef idx="0">
+            <a:schemeClr val="accent1"/>
+          </a:effectRef>
+          <a:fontRef idx="minor">
+            <a:schemeClr val="lt1"/>
+          </a:fontRef>
+        </p:style>
+        <p:txBody>
+          <a:bodyPr rtlCol="0" anchor="ctr"/>
+          <a:lstStyle/>
+          <a:p>
+            <a:pPr algn="ctr"/>
+            <a:endParaRPr lang="en-US"/>
+          </a:p>
+        </p:txBody>
+      </p:sp>
+      <p:sp>
+        <p:nvSpPr>
+          <p:cNvPr id="136" name="Diamond 135">
+            <a:extLst>
+              <a:ext uri="{FF2B5EF4-FFF2-40B4-BE49-F238E27FC236}">
+                <a16:creationId xmlns:a16="http://schemas.microsoft.com/office/drawing/2014/main" id="{F87DACE1-2E87-1149-BDD6-58E7A72512D7}"/>
+              </a:ext>
+            </a:extLst>
+          </p:cNvPr>
+          <p:cNvSpPr>
+            <a:spLocks noChangeAspect="1"/>
+          </p:cNvSpPr>
+          <p:nvPr/>
+        </p:nvSpPr>
+        <p:spPr>
+          <a:xfrm>
+            <a:off x="5757175" y="1465255"/>
+            <a:ext cx="182880" cy="182880"/>
+          </a:xfrm>
+          <a:prstGeom prst="diamond">
+            <a:avLst/>
+          </a:prstGeom>
+          <a:solidFill>
+            <a:srgbClr val="7030A0"/>
+          </a:solidFill>
+          <a:ln>
+            <a:solidFill>
+              <a:srgbClr val="7030A0"/>
+            </a:solidFill>
+          </a:ln>
+        </p:spPr>
+        <p:style>
+          <a:lnRef idx="2">
+            <a:schemeClr val="accent1">
+              <a:shade val="50000"/>
+            </a:schemeClr>
+          </a:lnRef>
+          <a:fillRef idx="1">
+            <a:schemeClr val="accent1"/>
+          </a:fillRef>
+          <a:effectRef idx="0">
+            <a:schemeClr val="accent1"/>
+          </a:effectRef>
+          <a:fontRef idx="minor">
+            <a:schemeClr val="lt1"/>
+          </a:fontRef>
+        </p:style>
+        <p:txBody>
+          <a:bodyPr rtlCol="0" anchor="ctr"/>
+          <a:lstStyle/>
+          <a:p>
+            <a:pPr algn="ctr"/>
+            <a:endParaRPr lang="en-US"/>
+          </a:p>
+        </p:txBody>
+      </p:sp>
+      <p:sp>
+        <p:nvSpPr>
+          <p:cNvPr id="137" name="Diamond 136">
+            <a:extLst>
+              <a:ext uri="{FF2B5EF4-FFF2-40B4-BE49-F238E27FC236}">
+                <a16:creationId xmlns:a16="http://schemas.microsoft.com/office/drawing/2014/main" id="{D94C18E1-2C00-8C4F-85EB-3382F339ADC9}"/>
+              </a:ext>
+            </a:extLst>
+          </p:cNvPr>
+          <p:cNvSpPr>
+            <a:spLocks noChangeAspect="1"/>
+          </p:cNvSpPr>
+          <p:nvPr/>
+        </p:nvSpPr>
+        <p:spPr>
+          <a:xfrm>
+            <a:off x="4185261" y="2368381"/>
+            <a:ext cx="182880" cy="182880"/>
+          </a:xfrm>
+          <a:prstGeom prst="diamond">
+            <a:avLst/>
+          </a:prstGeom>
+          <a:solidFill>
+            <a:srgbClr val="7030A0"/>
+          </a:solidFill>
+          <a:ln>
+            <a:solidFill>
+              <a:srgbClr val="7030A0"/>
+            </a:solidFill>
+          </a:ln>
+        </p:spPr>
+        <p:style>
+          <a:lnRef idx="2">
+            <a:schemeClr val="accent1">
+              <a:shade val="50000"/>
+            </a:schemeClr>
+          </a:lnRef>
+          <a:fillRef idx="1">
+            <a:schemeClr val="accent1"/>
+          </a:fillRef>
+          <a:effectRef idx="0">
+            <a:schemeClr val="accent1"/>
+          </a:effectRef>
+          <a:fontRef idx="minor">
+            <a:schemeClr val="lt1"/>
+          </a:fontRef>
+        </p:style>
+        <p:txBody>
+          <a:bodyPr rtlCol="0" anchor="ctr"/>
+          <a:lstStyle/>
+          <a:p>
+            <a:pPr algn="ctr"/>
+            <a:endParaRPr lang="en-US"/>
+          </a:p>
+        </p:txBody>
+      </p:sp>
+      <p:sp>
+        <p:nvSpPr>
+          <p:cNvPr id="138" name="Diamond 137">
+            <a:extLst>
+              <a:ext uri="{FF2B5EF4-FFF2-40B4-BE49-F238E27FC236}">
+                <a16:creationId xmlns:a16="http://schemas.microsoft.com/office/drawing/2014/main" id="{5069E222-D5C5-B241-81B7-345A3B46433E}"/>
+              </a:ext>
+            </a:extLst>
+          </p:cNvPr>
+          <p:cNvSpPr>
+            <a:spLocks noChangeAspect="1"/>
+          </p:cNvSpPr>
+          <p:nvPr/>
+        </p:nvSpPr>
+        <p:spPr>
+          <a:xfrm>
+            <a:off x="5756671" y="5062344"/>
+            <a:ext cx="182880" cy="182880"/>
+          </a:xfrm>
+          <a:prstGeom prst="diamond">
+            <a:avLst/>
+          </a:prstGeom>
+          <a:solidFill>
+            <a:srgbClr val="7030A0"/>
+          </a:solidFill>
+          <a:ln>
+            <a:solidFill>
+              <a:srgbClr val="7030A0"/>
+            </a:solidFill>
+          </a:ln>
+        </p:spPr>
+        <p:style>
+          <a:lnRef idx="2">
+            <a:schemeClr val="accent1">
+              <a:shade val="50000"/>
+            </a:schemeClr>
+          </a:lnRef>
+          <a:fillRef idx="1">
+            <a:schemeClr val="accent1"/>
+          </a:fillRef>
+          <a:effectRef idx="0">
+            <a:schemeClr val="accent1"/>
+          </a:effectRef>
+          <a:fontRef idx="minor">
+            <a:schemeClr val="lt1"/>
+          </a:fontRef>
+        </p:style>
+        <p:txBody>
+          <a:bodyPr rtlCol="0" anchor="ctr"/>
+          <a:lstStyle/>
+          <a:p>
+            <a:pPr algn="ctr"/>
+            <a:endParaRPr lang="en-US"/>
+          </a:p>
+        </p:txBody>
+      </p:sp>
+      <p:sp>
+        <p:nvSpPr>
+          <p:cNvPr id="139" name="Diamond 138">
+            <a:extLst>
+              <a:ext uri="{FF2B5EF4-FFF2-40B4-BE49-F238E27FC236}">
+                <a16:creationId xmlns:a16="http://schemas.microsoft.com/office/drawing/2014/main" id="{631403F7-F253-574A-B8ED-A1A22DD48C43}"/>
+              </a:ext>
+            </a:extLst>
+          </p:cNvPr>
+          <p:cNvSpPr>
+            <a:spLocks noChangeAspect="1"/>
+          </p:cNvSpPr>
+          <p:nvPr/>
+        </p:nvSpPr>
+        <p:spPr>
+          <a:xfrm>
+            <a:off x="4182443" y="5346707"/>
+            <a:ext cx="182880" cy="182880"/>
+          </a:xfrm>
+          <a:prstGeom prst="diamond">
+            <a:avLst/>
+          </a:prstGeom>
+          <a:solidFill>
+            <a:srgbClr val="7030A0"/>
+          </a:solidFill>
+          <a:ln>
+            <a:solidFill>
+              <a:srgbClr val="7030A0"/>
+            </a:solidFill>
+          </a:ln>
+        </p:spPr>
+        <p:style>
+          <a:lnRef idx="2">
+            <a:schemeClr val="accent1">
+              <a:shade val="50000"/>
+            </a:schemeClr>
+          </a:lnRef>
+          <a:fillRef idx="1">
+            <a:schemeClr val="accent1"/>
+          </a:fillRef>
+          <a:effectRef idx="0">
+            <a:schemeClr val="accent1"/>
+          </a:effectRef>
+          <a:fontRef idx="minor">
+            <a:schemeClr val="lt1"/>
+          </a:fontRef>
+        </p:style>
+        <p:txBody>
+          <a:bodyPr rtlCol="0" anchor="ctr"/>
+          <a:lstStyle/>
+          <a:p>
+            <a:pPr algn="ctr"/>
+            <a:endParaRPr lang="en-US"/>
+          </a:p>
+        </p:txBody>
+      </p:sp>
+      <p:sp>
+        <p:nvSpPr>
+          <p:cNvPr id="140" name="Diamond 139">
+            <a:extLst>
+              <a:ext uri="{FF2B5EF4-FFF2-40B4-BE49-F238E27FC236}">
+                <a16:creationId xmlns:a16="http://schemas.microsoft.com/office/drawing/2014/main" id="{70662FD8-83E9-AA47-9DBE-C536BF05BDCA}"/>
+              </a:ext>
+            </a:extLst>
+          </p:cNvPr>
+          <p:cNvSpPr>
+            <a:spLocks noChangeAspect="1"/>
+          </p:cNvSpPr>
+          <p:nvPr/>
+        </p:nvSpPr>
+        <p:spPr>
+          <a:xfrm>
+            <a:off x="2604713" y="4791038"/>
+            <a:ext cx="182880" cy="182880"/>
+          </a:xfrm>
+          <a:prstGeom prst="diamond">
+            <a:avLst/>
+          </a:prstGeom>
+          <a:solidFill>
+            <a:srgbClr val="7030A0"/>
+          </a:solidFill>
+          <a:ln>
+            <a:solidFill>
+              <a:srgbClr val="7030A0"/>
+            </a:solidFill>
+          </a:ln>
+        </p:spPr>
+        <p:style>
+          <a:lnRef idx="2">
+            <a:schemeClr val="accent1">
+              <a:shade val="50000"/>
+            </a:schemeClr>
+          </a:lnRef>
+          <a:fillRef idx="1">
+            <a:schemeClr val="accent1"/>
+          </a:fillRef>
+          <a:effectRef idx="0">
+            <a:schemeClr val="accent1"/>
+          </a:effectRef>
+          <a:fontRef idx="minor">
+            <a:schemeClr val="lt1"/>
+          </a:fontRef>
+        </p:style>
+        <p:txBody>
+          <a:bodyPr rtlCol="0" anchor="ctr"/>
+          <a:lstStyle/>
+          <a:p>
+            <a:pPr algn="ctr"/>
+            <a:endParaRPr lang="en-US"/>
+          </a:p>
+        </p:txBody>
+      </p:sp>
+      <p:sp>
+        <p:nvSpPr>
+          <p:cNvPr id="141" name="Diamond 140">
+            <a:extLst>
+              <a:ext uri="{FF2B5EF4-FFF2-40B4-BE49-F238E27FC236}">
+                <a16:creationId xmlns:a16="http://schemas.microsoft.com/office/drawing/2014/main" id="{590C1B52-2A93-B840-8BB9-D3C9F42E4636}"/>
+              </a:ext>
+            </a:extLst>
+          </p:cNvPr>
+          <p:cNvSpPr>
+            <a:spLocks noChangeAspect="1"/>
+          </p:cNvSpPr>
+          <p:nvPr/>
+        </p:nvSpPr>
+        <p:spPr>
+          <a:xfrm>
+            <a:off x="1016590" y="5455685"/>
+            <a:ext cx="182880" cy="182880"/>
+          </a:xfrm>
+          <a:prstGeom prst="diamond">
+            <a:avLst/>
+          </a:prstGeom>
+          <a:solidFill>
+            <a:srgbClr val="7030A0"/>
+          </a:solidFill>
+          <a:ln>
+            <a:solidFill>
+              <a:srgbClr val="7030A0"/>
+            </a:solidFill>
+          </a:ln>
+        </p:spPr>
+        <p:style>
+          <a:lnRef idx="2">
+            <a:schemeClr val="accent1">
+              <a:shade val="50000"/>
+            </a:schemeClr>
+          </a:lnRef>
+          <a:fillRef idx="1">
+            <a:schemeClr val="accent1"/>
+          </a:fillRef>
+          <a:effectRef idx="0">
+            <a:schemeClr val="accent1"/>
+          </a:effectRef>
+          <a:fontRef idx="minor">
+            <a:schemeClr val="lt1"/>
+          </a:fontRef>
+        </p:style>
+        <p:txBody>
+          <a:bodyPr rtlCol="0" anchor="ctr"/>
+          <a:lstStyle/>
+          <a:p>
+            <a:pPr algn="ctr"/>
+            <a:endParaRPr lang="en-US"/>
+          </a:p>
+        </p:txBody>
+      </p:sp>
+      <p:sp>
+        <p:nvSpPr>
+          <p:cNvPr id="149" name="TextBox 148">
+            <a:extLst>
+              <a:ext uri="{FF2B5EF4-FFF2-40B4-BE49-F238E27FC236}">
+                <a16:creationId xmlns:a16="http://schemas.microsoft.com/office/drawing/2014/main" id="{9E540AFC-98F2-264E-8B6C-94EF081D78CB}"/>
+              </a:ext>
+            </a:extLst>
+          </p:cNvPr>
+          <p:cNvSpPr txBox="1"/>
+          <p:nvPr/>
+        </p:nvSpPr>
+        <p:spPr>
+          <a:xfrm>
+            <a:off x="3655863" y="3250903"/>
+            <a:ext cx="1182953" cy="276999"/>
+          </a:xfrm>
+          <a:prstGeom prst="rect">
+            <a:avLst/>
+          </a:prstGeom>
+          <a:noFill/>
+        </p:spPr>
+        <p:txBody>
+          <a:bodyPr wrap="none" rtlCol="0">
+            <a:spAutoFit/>
+          </a:bodyPr>
+          <a:lstStyle/>
+          <a:p>
+            <a:r>
+              <a:rPr lang="en-US" sz="1200" dirty="0">
+                <a:latin typeface="Helvetica" pitchFamily="2" charset="0"/>
+              </a:rPr>
+              <a:t>Environment A</a:t>
+            </a:r>
+          </a:p>
+        </p:txBody>
+      </p:sp>
+      <p:sp>
+        <p:nvSpPr>
+          <p:cNvPr id="150" name="TextBox 149">
+            <a:extLst>
+              <a:ext uri="{FF2B5EF4-FFF2-40B4-BE49-F238E27FC236}">
+                <a16:creationId xmlns:a16="http://schemas.microsoft.com/office/drawing/2014/main" id="{83DA6CB3-7C0C-FE42-858E-CAEE43BCF767}"/>
+              </a:ext>
+            </a:extLst>
+          </p:cNvPr>
+          <p:cNvSpPr txBox="1"/>
+          <p:nvPr/>
+        </p:nvSpPr>
+        <p:spPr>
+          <a:xfrm>
+            <a:off x="5250929" y="3250646"/>
+            <a:ext cx="1191352" cy="276999"/>
+          </a:xfrm>
+          <a:prstGeom prst="rect">
+            <a:avLst/>
+          </a:prstGeom>
+          <a:noFill/>
+        </p:spPr>
+        <p:txBody>
+          <a:bodyPr wrap="none" rtlCol="0">
+            <a:spAutoFit/>
+          </a:bodyPr>
+          <a:lstStyle/>
+          <a:p>
+            <a:r>
+              <a:rPr lang="en-US" sz="1200" dirty="0">
+                <a:latin typeface="Helvetica" pitchFamily="2" charset="0"/>
+              </a:rPr>
+              <a:t>Environment B</a:t>
+            </a:r>
+          </a:p>
+        </p:txBody>
+      </p:sp>
+      <p:sp>
+        <p:nvSpPr>
+          <p:cNvPr id="151" name="TextBox 150">
+            <a:extLst>
+              <a:ext uri="{FF2B5EF4-FFF2-40B4-BE49-F238E27FC236}">
+                <a16:creationId xmlns:a16="http://schemas.microsoft.com/office/drawing/2014/main" id="{567B5C67-1007-FB46-A434-9CD16236664A}"/>
+              </a:ext>
+            </a:extLst>
+          </p:cNvPr>
+          <p:cNvSpPr txBox="1"/>
+          <p:nvPr/>
+        </p:nvSpPr>
+        <p:spPr>
+          <a:xfrm>
+            <a:off x="3712733" y="5986177"/>
+            <a:ext cx="1182953" cy="276999"/>
+          </a:xfrm>
+          <a:prstGeom prst="rect">
+            <a:avLst/>
+          </a:prstGeom>
+          <a:noFill/>
+        </p:spPr>
+        <p:txBody>
+          <a:bodyPr wrap="none" rtlCol="0">
+            <a:spAutoFit/>
+          </a:bodyPr>
+          <a:lstStyle/>
+          <a:p>
+            <a:r>
+              <a:rPr lang="en-US" sz="1200" dirty="0">
+                <a:latin typeface="Helvetica" pitchFamily="2" charset="0"/>
+              </a:rPr>
+              <a:t>Environment A</a:t>
+            </a:r>
+          </a:p>
+        </p:txBody>
+      </p:sp>
+      <p:sp>
+        <p:nvSpPr>
+          <p:cNvPr id="152" name="TextBox 151">
+            <a:extLst>
+              <a:ext uri="{FF2B5EF4-FFF2-40B4-BE49-F238E27FC236}">
+                <a16:creationId xmlns:a16="http://schemas.microsoft.com/office/drawing/2014/main" id="{357AE774-6CB8-B144-AF71-23E3507A4ED2}"/>
+              </a:ext>
+            </a:extLst>
+          </p:cNvPr>
+          <p:cNvSpPr txBox="1"/>
+          <p:nvPr/>
+        </p:nvSpPr>
+        <p:spPr>
+          <a:xfrm>
+            <a:off x="5307799" y="5985920"/>
+            <a:ext cx="1191352" cy="276999"/>
+          </a:xfrm>
+          <a:prstGeom prst="rect">
+            <a:avLst/>
+          </a:prstGeom>
+          <a:noFill/>
+        </p:spPr>
+        <p:txBody>
+          <a:bodyPr wrap="none" rtlCol="0">
+            <a:spAutoFit/>
+          </a:bodyPr>
+          <a:lstStyle/>
+          <a:p>
+            <a:r>
+              <a:rPr lang="en-US" sz="1200" dirty="0">
+                <a:latin typeface="Helvetica" pitchFamily="2" charset="0"/>
+              </a:rPr>
+              <a:t>Environment B</a:t>
+            </a:r>
+          </a:p>
+        </p:txBody>
+      </p:sp>
+      <p:sp>
+        <p:nvSpPr>
+          <p:cNvPr id="153" name="TextBox 152">
+            <a:extLst>
+              <a:ext uri="{FF2B5EF4-FFF2-40B4-BE49-F238E27FC236}">
+                <a16:creationId xmlns:a16="http://schemas.microsoft.com/office/drawing/2014/main" id="{576A655E-F546-C74F-B374-A01E62428191}"/>
+              </a:ext>
+            </a:extLst>
+          </p:cNvPr>
+          <p:cNvSpPr txBox="1"/>
+          <p:nvPr/>
+        </p:nvSpPr>
+        <p:spPr>
+          <a:xfrm>
+            <a:off x="3718034" y="8664267"/>
+            <a:ext cx="1182953" cy="276999"/>
+          </a:xfrm>
+          <a:prstGeom prst="rect">
+            <a:avLst/>
+          </a:prstGeom>
+          <a:noFill/>
+        </p:spPr>
+        <p:txBody>
+          <a:bodyPr wrap="none" rtlCol="0">
+            <a:spAutoFit/>
+          </a:bodyPr>
+          <a:lstStyle/>
+          <a:p>
+            <a:r>
+              <a:rPr lang="en-US" sz="1200" dirty="0">
+                <a:latin typeface="Helvetica" pitchFamily="2" charset="0"/>
+              </a:rPr>
+              <a:t>Environment A</a:t>
+            </a:r>
+          </a:p>
+        </p:txBody>
+      </p:sp>
+      <p:sp>
+        <p:nvSpPr>
+          <p:cNvPr id="154" name="TextBox 153">
+            <a:extLst>
+              <a:ext uri="{FF2B5EF4-FFF2-40B4-BE49-F238E27FC236}">
+                <a16:creationId xmlns:a16="http://schemas.microsoft.com/office/drawing/2014/main" id="{C8B9603B-457F-D54D-8780-9624165AE5E7}"/>
+              </a:ext>
+            </a:extLst>
+          </p:cNvPr>
+          <p:cNvSpPr txBox="1"/>
+          <p:nvPr/>
+        </p:nvSpPr>
+        <p:spPr>
+          <a:xfrm>
+            <a:off x="5313100" y="8664010"/>
+            <a:ext cx="1191352" cy="276999"/>
+          </a:xfrm>
+          <a:prstGeom prst="rect">
+            <a:avLst/>
+          </a:prstGeom>
+          <a:noFill/>
+        </p:spPr>
+        <p:txBody>
+          <a:bodyPr wrap="none" rtlCol="0">
+            <a:spAutoFit/>
+          </a:bodyPr>
+          <a:lstStyle/>
+          <a:p>
+            <a:r>
+              <a:rPr lang="en-US" sz="1200" dirty="0">
+                <a:latin typeface="Helvetica" pitchFamily="2" charset="0"/>
+              </a:rPr>
+              <a:t>Environment B</a:t>
+            </a:r>
+          </a:p>
+        </p:txBody>
+      </p:sp>
+      <p:sp>
+        <p:nvSpPr>
+          <p:cNvPr id="155" name="TextBox 154">
+            <a:extLst>
+              <a:ext uri="{FF2B5EF4-FFF2-40B4-BE49-F238E27FC236}">
+                <a16:creationId xmlns:a16="http://schemas.microsoft.com/office/drawing/2014/main" id="{E0868BD7-05D3-C543-9C33-C4FE9B92B326}"/>
+              </a:ext>
+            </a:extLst>
+          </p:cNvPr>
+          <p:cNvSpPr txBox="1"/>
+          <p:nvPr/>
+        </p:nvSpPr>
+        <p:spPr>
+          <a:xfrm>
+            <a:off x="527851" y="8664010"/>
+            <a:ext cx="1182953" cy="276999"/>
+          </a:xfrm>
+          <a:prstGeom prst="rect">
+            <a:avLst/>
+          </a:prstGeom>
+          <a:noFill/>
+        </p:spPr>
+        <p:txBody>
+          <a:bodyPr wrap="none" rtlCol="0">
+            <a:spAutoFit/>
+          </a:bodyPr>
+          <a:lstStyle/>
+          <a:p>
+            <a:r>
+              <a:rPr lang="en-US" sz="1200" dirty="0">
+                <a:latin typeface="Helvetica" pitchFamily="2" charset="0"/>
+              </a:rPr>
+              <a:t>Environment A</a:t>
+            </a:r>
+          </a:p>
+        </p:txBody>
+      </p:sp>
+      <p:sp>
+        <p:nvSpPr>
+          <p:cNvPr id="156" name="TextBox 155">
+            <a:extLst>
+              <a:ext uri="{FF2B5EF4-FFF2-40B4-BE49-F238E27FC236}">
+                <a16:creationId xmlns:a16="http://schemas.microsoft.com/office/drawing/2014/main" id="{BEE24D83-F00A-AE4B-9C83-8746C36B8191}"/>
+              </a:ext>
+            </a:extLst>
+          </p:cNvPr>
+          <p:cNvSpPr txBox="1"/>
+          <p:nvPr/>
+        </p:nvSpPr>
+        <p:spPr>
+          <a:xfrm>
+            <a:off x="2122917" y="8663753"/>
+            <a:ext cx="1191352" cy="276999"/>
+          </a:xfrm>
+          <a:prstGeom prst="rect">
+            <a:avLst/>
+          </a:prstGeom>
+          <a:noFill/>
+        </p:spPr>
+        <p:txBody>
+          <a:bodyPr wrap="none" rtlCol="0">
+            <a:spAutoFit/>
+          </a:bodyPr>
+          <a:lstStyle/>
+          <a:p>
+            <a:r>
+              <a:rPr lang="en-US" sz="1200" dirty="0">
+                <a:latin typeface="Helvetica" pitchFamily="2" charset="0"/>
+              </a:rPr>
+              <a:t>Environment B</a:t>
+            </a:r>
+          </a:p>
+        </p:txBody>
+      </p:sp>
+      <p:sp>
+        <p:nvSpPr>
+          <p:cNvPr id="157" name="TextBox 156">
+            <a:extLst>
+              <a:ext uri="{FF2B5EF4-FFF2-40B4-BE49-F238E27FC236}">
+                <a16:creationId xmlns:a16="http://schemas.microsoft.com/office/drawing/2014/main" id="{B80050E0-E3E3-404A-AC9E-E78F7E531C38}"/>
+              </a:ext>
+            </a:extLst>
+          </p:cNvPr>
+          <p:cNvSpPr txBox="1"/>
+          <p:nvPr/>
+        </p:nvSpPr>
+        <p:spPr>
+          <a:xfrm>
+            <a:off x="515006" y="5961905"/>
+            <a:ext cx="1182953" cy="276999"/>
+          </a:xfrm>
+          <a:prstGeom prst="rect">
+            <a:avLst/>
+          </a:prstGeom>
+          <a:noFill/>
+        </p:spPr>
+        <p:txBody>
+          <a:bodyPr wrap="none" rtlCol="0">
+            <a:spAutoFit/>
+          </a:bodyPr>
+          <a:lstStyle/>
+          <a:p>
+            <a:r>
+              <a:rPr lang="en-US" sz="1200" dirty="0">
+                <a:latin typeface="Helvetica" pitchFamily="2" charset="0"/>
+              </a:rPr>
+              <a:t>Environment A</a:t>
+            </a:r>
+          </a:p>
+        </p:txBody>
+      </p:sp>
+      <p:sp>
+        <p:nvSpPr>
+          <p:cNvPr id="158" name="TextBox 157">
+            <a:extLst>
+              <a:ext uri="{FF2B5EF4-FFF2-40B4-BE49-F238E27FC236}">
+                <a16:creationId xmlns:a16="http://schemas.microsoft.com/office/drawing/2014/main" id="{5924228C-2C52-0C44-BDF2-067F62306800}"/>
+              </a:ext>
+            </a:extLst>
+          </p:cNvPr>
+          <p:cNvSpPr txBox="1"/>
+          <p:nvPr/>
+        </p:nvSpPr>
+        <p:spPr>
+          <a:xfrm>
+            <a:off x="2110072" y="5961648"/>
+            <a:ext cx="1191352" cy="276999"/>
+          </a:xfrm>
+          <a:prstGeom prst="rect">
+            <a:avLst/>
+          </a:prstGeom>
+          <a:noFill/>
+        </p:spPr>
+        <p:txBody>
+          <a:bodyPr wrap="none" rtlCol="0">
+            <a:spAutoFit/>
+          </a:bodyPr>
+          <a:lstStyle/>
+          <a:p>
+            <a:r>
+              <a:rPr lang="en-US" sz="1200" dirty="0">
+                <a:latin typeface="Helvetica" pitchFamily="2" charset="0"/>
+              </a:rPr>
+              <a:t>Environment B</a:t>
             </a:r>
           </a:p>
         </p:txBody>

--- a/results/Figures_for_CNGV_manuscript/CoGVCnGV_GxE_heuristicpanel.pptx
+++ b/results/Figures_for_CNGV_manuscript/CoGVCnGV_GxE_heuristicpanel.pptx
@@ -112,6 +112,32 @@
 </p:presentation>
 </file>
 
+<file path=ppt/commentAuthors.xml><?xml version="1.0" encoding="utf-8"?>
+<p:cmAuthorLst xmlns:a="http://schemas.openxmlformats.org/drawingml/2006/main" xmlns:r="http://schemas.openxmlformats.org/officeDocument/2006/relationships" xmlns:p="http://schemas.openxmlformats.org/presentationml/2006/main">
+  <p:cmAuthor id="1" name="Albecker, Molly Ann" initials="AMA" lastIdx="1" clrIdx="0">
+    <p:extLst>
+      <p:ext uri="{19B8F6BF-5375-455C-9EA6-DF929625EA0E}">
+        <p15:presenceInfo xmlns:p15="http://schemas.microsoft.com/office/powerpoint/2012/main" userId="Albecker, Molly Ann" providerId="None"/>
+      </p:ext>
+    </p:extLst>
+  </p:cmAuthor>
+</p:cmAuthorLst>
+</file>
+
+<file path=ppt/comments/comment1.xml><?xml version="1.0" encoding="utf-8"?>
+<p:cmLst xmlns:a="http://schemas.openxmlformats.org/drawingml/2006/main" xmlns:r="http://schemas.openxmlformats.org/officeDocument/2006/relationships" xmlns:p="http://schemas.openxmlformats.org/presentationml/2006/main">
+  <p:cm authorId="1" dt="2020-02-17T11:00:33.911" idx="1">
+    <p:pos x="10" y="10"/>
+    <p:text>Divide up panel a into 2 showing Vg and Ve. </p:text>
+    <p:extLst>
+      <p:ext uri="{C676402C-5697-4E1C-873F-D02D1690AC5C}">
+        <p15:threadingInfo xmlns:p15="http://schemas.microsoft.com/office/powerpoint/2012/main" timeZoneBias="300"/>
+      </p:ext>
+    </p:extLst>
+  </p:cm>
+</p:cmLst>
+</file>
+
 <file path=ppt/slideLayouts/slideLayout1.xml><?xml version="1.0" encoding="utf-8"?>
 <p:sldLayout xmlns:a="http://schemas.openxmlformats.org/drawingml/2006/main" xmlns:r="http://schemas.openxmlformats.org/officeDocument/2006/relationships" xmlns:p="http://schemas.openxmlformats.org/presentationml/2006/main" type="title" preserve="1">
   <p:cSld name="Title Slide">
@@ -243,7 +269,7 @@
           <a:p>
             <a:fld id="{C410D716-C318-7E43-9DCA-154671A017D8}" type="datetimeFigureOut">
               <a:rPr lang="en-US" smtClean="0"/>
-              <a:t>1/21/20</a:t>
+              <a:t>2/17/20</a:t>
             </a:fld>
             <a:endParaRPr lang="en-US"/>
           </a:p>
@@ -413,7 +439,7 @@
           <a:p>
             <a:fld id="{C410D716-C318-7E43-9DCA-154671A017D8}" type="datetimeFigureOut">
               <a:rPr lang="en-US" smtClean="0"/>
-              <a:t>1/21/20</a:t>
+              <a:t>2/17/20</a:t>
             </a:fld>
             <a:endParaRPr lang="en-US"/>
           </a:p>
@@ -593,7 +619,7 @@
           <a:p>
             <a:fld id="{C410D716-C318-7E43-9DCA-154671A017D8}" type="datetimeFigureOut">
               <a:rPr lang="en-US" smtClean="0"/>
-              <a:t>1/21/20</a:t>
+              <a:t>2/17/20</a:t>
             </a:fld>
             <a:endParaRPr lang="en-US"/>
           </a:p>
@@ -763,7 +789,7 @@
           <a:p>
             <a:fld id="{C410D716-C318-7E43-9DCA-154671A017D8}" type="datetimeFigureOut">
               <a:rPr lang="en-US" smtClean="0"/>
-              <a:t>1/21/20</a:t>
+              <a:t>2/17/20</a:t>
             </a:fld>
             <a:endParaRPr lang="en-US"/>
           </a:p>
@@ -1007,7 +1033,7 @@
           <a:p>
             <a:fld id="{C410D716-C318-7E43-9DCA-154671A017D8}" type="datetimeFigureOut">
               <a:rPr lang="en-US" smtClean="0"/>
-              <a:t>1/21/20</a:t>
+              <a:t>2/17/20</a:t>
             </a:fld>
             <a:endParaRPr lang="en-US"/>
           </a:p>
@@ -1239,7 +1265,7 @@
           <a:p>
             <a:fld id="{C410D716-C318-7E43-9DCA-154671A017D8}" type="datetimeFigureOut">
               <a:rPr lang="en-US" smtClean="0"/>
-              <a:t>1/21/20</a:t>
+              <a:t>2/17/20</a:t>
             </a:fld>
             <a:endParaRPr lang="en-US"/>
           </a:p>
@@ -1606,7 +1632,7 @@
           <a:p>
             <a:fld id="{C410D716-C318-7E43-9DCA-154671A017D8}" type="datetimeFigureOut">
               <a:rPr lang="en-US" smtClean="0"/>
-              <a:t>1/21/20</a:t>
+              <a:t>2/17/20</a:t>
             </a:fld>
             <a:endParaRPr lang="en-US"/>
           </a:p>
@@ -1724,7 +1750,7 @@
           <a:p>
             <a:fld id="{C410D716-C318-7E43-9DCA-154671A017D8}" type="datetimeFigureOut">
               <a:rPr lang="en-US" smtClean="0"/>
-              <a:t>1/21/20</a:t>
+              <a:t>2/17/20</a:t>
             </a:fld>
             <a:endParaRPr lang="en-US"/>
           </a:p>
@@ -1819,7 +1845,7 @@
           <a:p>
             <a:fld id="{C410D716-C318-7E43-9DCA-154671A017D8}" type="datetimeFigureOut">
               <a:rPr lang="en-US" smtClean="0"/>
-              <a:t>1/21/20</a:t>
+              <a:t>2/17/20</a:t>
             </a:fld>
             <a:endParaRPr lang="en-US"/>
           </a:p>
@@ -2096,7 +2122,7 @@
           <a:p>
             <a:fld id="{C410D716-C318-7E43-9DCA-154671A017D8}" type="datetimeFigureOut">
               <a:rPr lang="en-US" smtClean="0"/>
-              <a:t>1/21/20</a:t>
+              <a:t>2/17/20</a:t>
             </a:fld>
             <a:endParaRPr lang="en-US"/>
           </a:p>
@@ -2353,7 +2379,7 @@
           <a:p>
             <a:fld id="{C410D716-C318-7E43-9DCA-154671A017D8}" type="datetimeFigureOut">
               <a:rPr lang="en-US" smtClean="0"/>
-              <a:t>1/21/20</a:t>
+              <a:t>2/17/20</a:t>
             </a:fld>
             <a:endParaRPr lang="en-US"/>
           </a:p>
@@ -2566,7 +2592,7 @@
           <a:p>
             <a:fld id="{C410D716-C318-7E43-9DCA-154671A017D8}" type="datetimeFigureOut">
               <a:rPr lang="en-US" smtClean="0"/>
-              <a:t>1/21/20</a:t>
+              <a:t>2/17/20</a:t>
             </a:fld>
             <a:endParaRPr lang="en-US"/>
           </a:p>
@@ -2989,7 +3015,7 @@
         </p:nvCxnSpPr>
         <p:spPr>
           <a:xfrm flipV="1">
-            <a:off x="1199463" y="1548263"/>
+            <a:off x="1179060" y="4306703"/>
             <a:ext cx="1408425" cy="1314463"/>
           </a:xfrm>
           <a:prstGeom prst="line">
@@ -3030,7 +3056,7 @@
         </p:nvSpPr>
         <p:spPr>
           <a:xfrm rot="16200000">
-            <a:off x="943398" y="941354"/>
+            <a:off x="922995" y="3699794"/>
             <a:ext cx="1889760" cy="2560321"/>
           </a:xfrm>
           <a:prstGeom prst="halfFrame">
@@ -3089,7 +3115,7 @@
         </p:nvSpPr>
         <p:spPr>
           <a:xfrm>
-            <a:off x="1079244" y="3060621"/>
+            <a:off x="1058841" y="5819061"/>
             <a:ext cx="57361" cy="168708"/>
           </a:xfrm>
           <a:prstGeom prst="rect">
@@ -3143,7 +3169,7 @@
         </p:nvSpPr>
         <p:spPr>
           <a:xfrm>
-            <a:off x="2673997" y="3072273"/>
+            <a:off x="2653594" y="5830713"/>
             <a:ext cx="57361" cy="168708"/>
           </a:xfrm>
           <a:prstGeom prst="rect">
@@ -3195,7 +3221,7 @@
         </p:nvSpPr>
         <p:spPr>
           <a:xfrm>
-            <a:off x="515006" y="3248153"/>
+            <a:off x="494603" y="6006593"/>
             <a:ext cx="1182953" cy="276999"/>
           </a:xfrm>
           <a:prstGeom prst="rect">
@@ -3232,7 +3258,7 @@
         </p:nvSpPr>
         <p:spPr>
           <a:xfrm>
-            <a:off x="2110072" y="3247896"/>
+            <a:off x="2089669" y="6006336"/>
             <a:ext cx="1191352" cy="276999"/>
           </a:xfrm>
           <a:prstGeom prst="rect">
@@ -3273,7 +3299,7 @@
         </p:nvCxnSpPr>
         <p:spPr>
           <a:xfrm flipV="1">
-            <a:off x="1199463" y="2191916"/>
+            <a:off x="1179060" y="4950356"/>
             <a:ext cx="1409415" cy="670810"/>
           </a:xfrm>
           <a:prstGeom prst="line">
@@ -3317,7 +3343,7 @@
         </p:nvSpPr>
         <p:spPr>
           <a:xfrm>
-            <a:off x="1016583" y="2771286"/>
+            <a:off x="996180" y="5529726"/>
             <a:ext cx="182880" cy="182880"/>
           </a:xfrm>
           <a:prstGeom prst="ellipse">
@@ -3375,7 +3401,7 @@
         </p:nvSpPr>
         <p:spPr>
           <a:xfrm>
-            <a:off x="2608878" y="2100476"/>
+            <a:off x="2588475" y="4858916"/>
             <a:ext cx="182880" cy="182880"/>
           </a:xfrm>
           <a:prstGeom prst="ellipse">
@@ -3437,7 +3463,7 @@
         </p:nvCxnSpPr>
         <p:spPr>
           <a:xfrm flipV="1">
-            <a:off x="1199470" y="1548263"/>
+            <a:off x="1179067" y="4306703"/>
             <a:ext cx="1408418" cy="664647"/>
           </a:xfrm>
           <a:prstGeom prst="line">
@@ -3479,7 +3505,7 @@
         </p:nvSpPr>
         <p:spPr>
           <a:xfrm rot="16200000">
-            <a:off x="46449" y="2020676"/>
+            <a:off x="26046" y="4779116"/>
             <a:ext cx="917239" cy="276999"/>
           </a:xfrm>
           <a:prstGeom prst="rect">
@@ -3516,7 +3542,7 @@
         </p:nvSpPr>
         <p:spPr>
           <a:xfrm>
-            <a:off x="2752372" y="2090537"/>
+            <a:off x="2731969" y="4848977"/>
             <a:ext cx="856325" cy="246221"/>
           </a:xfrm>
           <a:prstGeom prst="rect">
@@ -3553,7 +3579,7 @@
         </p:nvSpPr>
         <p:spPr>
           <a:xfrm>
-            <a:off x="2758626" y="1426510"/>
+            <a:off x="2738223" y="4184950"/>
             <a:ext cx="856325" cy="246221"/>
           </a:xfrm>
           <a:prstGeom prst="rect">
@@ -3590,7 +3616,7 @@
         </p:nvSpPr>
         <p:spPr>
           <a:xfrm>
-            <a:off x="1045717" y="537966"/>
+            <a:off x="920064" y="112797"/>
             <a:ext cx="2233304" cy="584775"/>
           </a:xfrm>
           <a:prstGeom prst="rect">
@@ -3646,7 +3672,7 @@
         </p:nvSpPr>
         <p:spPr>
           <a:xfrm rot="16200000">
-            <a:off x="-930338" y="1896288"/>
+            <a:off x="-950741" y="4654728"/>
             <a:ext cx="2270814" cy="369332"/>
           </a:xfrm>
           <a:prstGeom prst="rect">
@@ -3689,7 +3715,7 @@
         </p:nvSpPr>
         <p:spPr>
           <a:xfrm rot="16200000">
-            <a:off x="-1192360" y="4690494"/>
+            <a:off x="-1212763" y="7448934"/>
             <a:ext cx="2796599" cy="369332"/>
           </a:xfrm>
           <a:prstGeom prst="rect">
@@ -3708,43 +3734,6 @@
                 <a:latin typeface="Helvetica" pitchFamily="2" charset="0"/>
               </a:rPr>
               <a:t>Countergradient Variation</a:t>
-            </a:r>
-          </a:p>
-        </p:txBody>
-      </p:sp>
-      <p:sp>
-        <p:nvSpPr>
-          <p:cNvPr id="47" name="TextBox 46">
-            <a:extLst>
-              <a:ext uri="{FF2B5EF4-FFF2-40B4-BE49-F238E27FC236}">
-                <a16:creationId xmlns:a16="http://schemas.microsoft.com/office/drawing/2014/main" id="{EABF3D0F-D913-2645-B2AD-B684E4973562}"/>
-              </a:ext>
-            </a:extLst>
-          </p:cNvPr>
-          <p:cNvSpPr txBox="1"/>
-          <p:nvPr/>
-        </p:nvSpPr>
-        <p:spPr>
-          <a:xfrm rot="16200000">
-            <a:off x="-650293" y="7446029"/>
-            <a:ext cx="1710725" cy="369332"/>
-          </a:xfrm>
-          <a:prstGeom prst="rect">
-            <a:avLst/>
-          </a:prstGeom>
-          <a:noFill/>
-        </p:spPr>
-        <p:txBody>
-          <a:bodyPr wrap="none" rtlCol="0">
-            <a:spAutoFit/>
-          </a:bodyPr>
-          <a:lstStyle/>
-          <a:p>
-            <a:r>
-              <a:rPr lang="en-US" dirty="0">
-                <a:latin typeface="Helvetica" pitchFamily="2" charset="0"/>
-              </a:rPr>
-              <a:t>No Covariation</a:t>
             </a:r>
           </a:p>
         </p:txBody>
@@ -3767,7 +3756,7 @@
         </p:nvCxnSpPr>
         <p:spPr>
           <a:xfrm flipV="1">
-            <a:off x="4340958" y="1556695"/>
+            <a:off x="4320555" y="4315135"/>
             <a:ext cx="1416217" cy="1166149"/>
           </a:xfrm>
           <a:prstGeom prst="line">
@@ -3808,7 +3797,7 @@
         </p:nvSpPr>
         <p:spPr>
           <a:xfrm rot="16200000">
-            <a:off x="4091952" y="941354"/>
+            <a:off x="4071549" y="3699794"/>
             <a:ext cx="1889760" cy="2560321"/>
           </a:xfrm>
           <a:prstGeom prst="halfFrame">
@@ -3867,7 +3856,7 @@
         </p:nvSpPr>
         <p:spPr>
           <a:xfrm>
-            <a:off x="4250024" y="3072273"/>
+            <a:off x="4229621" y="5830713"/>
             <a:ext cx="57361" cy="168708"/>
           </a:xfrm>
           <a:prstGeom prst="rect">
@@ -3921,7 +3910,7 @@
         </p:nvSpPr>
         <p:spPr>
           <a:xfrm>
-            <a:off x="5822551" y="3072273"/>
+            <a:off x="5802148" y="5830713"/>
             <a:ext cx="57361" cy="168708"/>
           </a:xfrm>
           <a:prstGeom prst="rect">
@@ -3977,7 +3966,7 @@
         </p:nvCxnSpPr>
         <p:spPr>
           <a:xfrm flipV="1">
-            <a:off x="4367740" y="2435722"/>
+            <a:off x="4347337" y="5194162"/>
             <a:ext cx="1386412" cy="351780"/>
           </a:xfrm>
           <a:prstGeom prst="line">
@@ -4021,7 +4010,7 @@
         </p:nvSpPr>
         <p:spPr>
           <a:xfrm>
-            <a:off x="4184860" y="2696062"/>
+            <a:off x="4164457" y="5454502"/>
             <a:ext cx="182880" cy="182880"/>
           </a:xfrm>
           <a:prstGeom prst="ellipse">
@@ -4079,7 +4068,7 @@
         </p:nvSpPr>
         <p:spPr>
           <a:xfrm>
-            <a:off x="5754152" y="2344282"/>
+            <a:off x="5733749" y="5102722"/>
             <a:ext cx="182880" cy="182880"/>
           </a:xfrm>
           <a:prstGeom prst="ellipse">
@@ -4141,7 +4130,7 @@
         </p:nvCxnSpPr>
         <p:spPr>
           <a:xfrm flipV="1">
-            <a:off x="4368141" y="1556695"/>
+            <a:off x="4347738" y="4315135"/>
             <a:ext cx="1389034" cy="903126"/>
           </a:xfrm>
           <a:prstGeom prst="line">
@@ -4183,7 +4172,7 @@
         </p:nvSpPr>
         <p:spPr>
           <a:xfrm rot="16200000">
-            <a:off x="3195003" y="2020676"/>
+            <a:off x="3174600" y="4779116"/>
             <a:ext cx="917239" cy="276999"/>
           </a:xfrm>
           <a:prstGeom prst="rect">
@@ -4220,7 +4209,7 @@
         </p:nvSpPr>
         <p:spPr>
           <a:xfrm>
-            <a:off x="5881226" y="2308657"/>
+            <a:off x="5860823" y="5067097"/>
             <a:ext cx="856325" cy="246221"/>
           </a:xfrm>
           <a:prstGeom prst="rect">
@@ -4257,7 +4246,7 @@
         </p:nvSpPr>
         <p:spPr>
           <a:xfrm>
-            <a:off x="5886157" y="1426947"/>
+            <a:off x="5865754" y="4185387"/>
             <a:ext cx="856325" cy="246221"/>
           </a:xfrm>
           <a:prstGeom prst="rect">
@@ -4298,7 +4287,7 @@
         </p:nvCxnSpPr>
         <p:spPr>
           <a:xfrm flipV="1">
-            <a:off x="1197524" y="4882478"/>
+            <a:off x="1177121" y="7640918"/>
             <a:ext cx="1407189" cy="10923"/>
           </a:xfrm>
           <a:prstGeom prst="line">
@@ -4339,7 +4328,7 @@
         </p:nvSpPr>
         <p:spPr>
           <a:xfrm rot="16200000">
-            <a:off x="943397" y="3658411"/>
+            <a:off x="922994" y="6416851"/>
             <a:ext cx="1889760" cy="2560321"/>
           </a:xfrm>
           <a:prstGeom prst="halfFrame">
@@ -4398,7 +4387,7 @@
         </p:nvSpPr>
         <p:spPr>
           <a:xfrm>
-            <a:off x="1082419" y="5789330"/>
+            <a:off x="1062016" y="8547770"/>
             <a:ext cx="57361" cy="168708"/>
           </a:xfrm>
           <a:prstGeom prst="rect">
@@ -4452,7 +4441,7 @@
         </p:nvSpPr>
         <p:spPr>
           <a:xfrm>
-            <a:off x="2673996" y="5789330"/>
+            <a:off x="2653593" y="8547770"/>
             <a:ext cx="57361" cy="168708"/>
           </a:xfrm>
           <a:prstGeom prst="rect">
@@ -4508,7 +4497,7 @@
         </p:nvCxnSpPr>
         <p:spPr>
           <a:xfrm flipV="1">
-            <a:off x="1199470" y="4882478"/>
+            <a:off x="1179067" y="7640918"/>
             <a:ext cx="1405243" cy="664647"/>
           </a:xfrm>
           <a:prstGeom prst="line">
@@ -4554,7 +4543,7 @@
         </p:nvCxnSpPr>
         <p:spPr>
           <a:xfrm flipV="1">
-            <a:off x="1197524" y="4268452"/>
+            <a:off x="1177121" y="7026892"/>
             <a:ext cx="1408178" cy="624949"/>
           </a:xfrm>
           <a:prstGeom prst="line">
@@ -4598,7 +4587,7 @@
         </p:nvSpPr>
         <p:spPr>
           <a:xfrm>
-            <a:off x="1014644" y="4801961"/>
+            <a:off x="994241" y="7560401"/>
             <a:ext cx="182880" cy="182880"/>
           </a:xfrm>
           <a:prstGeom prst="ellipse">
@@ -4656,7 +4645,7 @@
         </p:nvSpPr>
         <p:spPr>
           <a:xfrm>
-            <a:off x="2605702" y="4177012"/>
+            <a:off x="2585299" y="6935452"/>
             <a:ext cx="182880" cy="182880"/>
           </a:xfrm>
           <a:prstGeom prst="ellipse">
@@ -4714,7 +4703,7 @@
         </p:nvSpPr>
         <p:spPr>
           <a:xfrm rot="16200000">
-            <a:off x="46448" y="4737733"/>
+            <a:off x="26045" y="7496173"/>
             <a:ext cx="917239" cy="276999"/>
           </a:xfrm>
           <a:prstGeom prst="rect">
@@ -4751,7 +4740,7 @@
         </p:nvSpPr>
         <p:spPr>
           <a:xfrm>
-            <a:off x="2742432" y="4755743"/>
+            <a:off x="2722029" y="7514183"/>
             <a:ext cx="856325" cy="246221"/>
           </a:xfrm>
           <a:prstGeom prst="rect">
@@ -4788,7 +4777,7 @@
         </p:nvSpPr>
         <p:spPr>
           <a:xfrm>
-            <a:off x="2738747" y="4141411"/>
+            <a:off x="2718344" y="6899851"/>
             <a:ext cx="856325" cy="246221"/>
           </a:xfrm>
           <a:prstGeom prst="rect">
@@ -4825,7 +4814,7 @@
         </p:nvSpPr>
         <p:spPr>
           <a:xfrm rot="16200000">
-            <a:off x="4091952" y="3659286"/>
+            <a:off x="4071549" y="6417726"/>
             <a:ext cx="1889760" cy="2560321"/>
           </a:xfrm>
           <a:prstGeom prst="halfFrame">
@@ -4884,7 +4873,7 @@
         </p:nvSpPr>
         <p:spPr>
           <a:xfrm>
-            <a:off x="4246849" y="5790205"/>
+            <a:off x="4226446" y="8548645"/>
             <a:ext cx="57361" cy="168708"/>
           </a:xfrm>
           <a:prstGeom prst="rect">
@@ -4938,7 +4927,7 @@
         </p:nvSpPr>
         <p:spPr>
           <a:xfrm>
-            <a:off x="5822551" y="5790205"/>
+            <a:off x="5802148" y="8548645"/>
             <a:ext cx="57361" cy="168708"/>
           </a:xfrm>
           <a:prstGeom prst="rect">
@@ -4990,7 +4979,7 @@
         </p:nvSpPr>
         <p:spPr>
           <a:xfrm rot="16200000">
-            <a:off x="3195003" y="4738608"/>
+            <a:off x="3174600" y="7497048"/>
             <a:ext cx="917239" cy="276999"/>
           </a:xfrm>
           <a:prstGeom prst="rect">
@@ -5013,592 +5002,6 @@
           </a:p>
         </p:txBody>
       </p:sp>
-      <p:sp>
-        <p:nvSpPr>
-          <p:cNvPr id="94" name="Half Frame 93">
-            <a:extLst>
-              <a:ext uri="{FF2B5EF4-FFF2-40B4-BE49-F238E27FC236}">
-                <a16:creationId xmlns:a16="http://schemas.microsoft.com/office/drawing/2014/main" id="{1E805641-8575-5746-8233-0ECF12B75FAE}"/>
-              </a:ext>
-            </a:extLst>
-          </p:cNvPr>
-          <p:cNvSpPr/>
-          <p:nvPr/>
-        </p:nvSpPr>
-        <p:spPr>
-          <a:xfrm rot="16200000">
-            <a:off x="4085420" y="6402796"/>
-            <a:ext cx="1889760" cy="2560321"/>
-          </a:xfrm>
-          <a:prstGeom prst="halfFrame">
-            <a:avLst>
-              <a:gd name="adj1" fmla="val 1313"/>
-              <a:gd name="adj2" fmla="val 1403"/>
-            </a:avLst>
-          </a:prstGeom>
-          <a:solidFill>
-            <a:schemeClr val="tx1"/>
-          </a:solidFill>
-          <a:ln>
-            <a:noFill/>
-          </a:ln>
-        </p:spPr>
-        <p:style>
-          <a:lnRef idx="2">
-            <a:schemeClr val="accent1">
-              <a:shade val="50000"/>
-            </a:schemeClr>
-          </a:lnRef>
-          <a:fillRef idx="1">
-            <a:schemeClr val="accent1"/>
-          </a:fillRef>
-          <a:effectRef idx="0">
-            <a:schemeClr val="accent1"/>
-          </a:effectRef>
-          <a:fontRef idx="minor">
-            <a:schemeClr val="lt1"/>
-          </a:fontRef>
-        </p:style>
-        <p:txBody>
-          <a:bodyPr rtlCol="0" anchor="ctr"/>
-          <a:lstStyle/>
-          <a:p>
-            <a:pPr algn="ctr"/>
-            <a:endParaRPr lang="en-US">
-              <a:solidFill>
-                <a:schemeClr val="tx1"/>
-              </a:solidFill>
-            </a:endParaRPr>
-          </a:p>
-        </p:txBody>
-      </p:sp>
-      <p:sp>
-        <p:nvSpPr>
-          <p:cNvPr id="95" name="Rectangle 94">
-            <a:extLst>
-              <a:ext uri="{FF2B5EF4-FFF2-40B4-BE49-F238E27FC236}">
-                <a16:creationId xmlns:a16="http://schemas.microsoft.com/office/drawing/2014/main" id="{DE505F02-114A-6C4D-A869-574CB2A736A3}"/>
-              </a:ext>
-            </a:extLst>
-          </p:cNvPr>
-          <p:cNvSpPr/>
-          <p:nvPr/>
-        </p:nvSpPr>
-        <p:spPr>
-          <a:xfrm>
-            <a:off x="4249842" y="8533715"/>
-            <a:ext cx="57361" cy="168708"/>
-          </a:xfrm>
-          <a:prstGeom prst="rect">
-            <a:avLst/>
-          </a:prstGeom>
-          <a:solidFill>
-            <a:schemeClr val="accent6">
-              <a:lumMod val="50000"/>
-            </a:schemeClr>
-          </a:solidFill>
-          <a:ln>
-            <a:noFill/>
-          </a:ln>
-        </p:spPr>
-        <p:style>
-          <a:lnRef idx="2">
-            <a:schemeClr val="accent1">
-              <a:shade val="50000"/>
-            </a:schemeClr>
-          </a:lnRef>
-          <a:fillRef idx="1">
-            <a:schemeClr val="accent1"/>
-          </a:fillRef>
-          <a:effectRef idx="0">
-            <a:schemeClr val="accent1"/>
-          </a:effectRef>
-          <a:fontRef idx="minor">
-            <a:schemeClr val="lt1"/>
-          </a:fontRef>
-        </p:style>
-        <p:txBody>
-          <a:bodyPr rtlCol="0" anchor="ctr"/>
-          <a:lstStyle/>
-          <a:p>
-            <a:pPr algn="ctr"/>
-            <a:endParaRPr lang="en-US"/>
-          </a:p>
-        </p:txBody>
-      </p:sp>
-      <p:sp>
-        <p:nvSpPr>
-          <p:cNvPr id="96" name="Rectangle 95">
-            <a:extLst>
-              <a:ext uri="{FF2B5EF4-FFF2-40B4-BE49-F238E27FC236}">
-                <a16:creationId xmlns:a16="http://schemas.microsoft.com/office/drawing/2014/main" id="{9242679E-6E50-184C-B1F4-0A54E48C7D8E}"/>
-              </a:ext>
-            </a:extLst>
-          </p:cNvPr>
-          <p:cNvSpPr/>
-          <p:nvPr/>
-        </p:nvSpPr>
-        <p:spPr>
-          <a:xfrm>
-            <a:off x="5816019" y="8533715"/>
-            <a:ext cx="57361" cy="168708"/>
-          </a:xfrm>
-          <a:prstGeom prst="rect">
-            <a:avLst/>
-          </a:prstGeom>
-          <a:solidFill>
-            <a:srgbClr val="7030A0"/>
-          </a:solidFill>
-          <a:ln>
-            <a:noFill/>
-          </a:ln>
-        </p:spPr>
-        <p:style>
-          <a:lnRef idx="2">
-            <a:schemeClr val="accent1">
-              <a:shade val="50000"/>
-            </a:schemeClr>
-          </a:lnRef>
-          <a:fillRef idx="1">
-            <a:schemeClr val="accent1"/>
-          </a:fillRef>
-          <a:effectRef idx="0">
-            <a:schemeClr val="accent1"/>
-          </a:effectRef>
-          <a:fontRef idx="minor">
-            <a:schemeClr val="lt1"/>
-          </a:fontRef>
-        </p:style>
-        <p:txBody>
-          <a:bodyPr rtlCol="0" anchor="ctr"/>
-          <a:lstStyle/>
-          <a:p>
-            <a:pPr algn="ctr"/>
-            <a:endParaRPr lang="en-US"/>
-          </a:p>
-        </p:txBody>
-      </p:sp>
-      <p:cxnSp>
-        <p:nvCxnSpPr>
-          <p:cNvPr id="99" name="Straight Connector 98">
-            <a:extLst>
-              <a:ext uri="{FF2B5EF4-FFF2-40B4-BE49-F238E27FC236}">
-                <a16:creationId xmlns:a16="http://schemas.microsoft.com/office/drawing/2014/main" id="{C34A6EEC-E0E2-2941-B886-B72A4A026433}"/>
-              </a:ext>
-            </a:extLst>
-          </p:cNvPr>
-          <p:cNvCxnSpPr>
-            <a:cxnSpLocks/>
-            <a:stCxn id="100" idx="6"/>
-            <a:endCxn id="101" idx="2"/>
-          </p:cNvCxnSpPr>
-          <p:nvPr/>
-        </p:nvCxnSpPr>
-        <p:spPr>
-          <a:xfrm flipV="1">
-            <a:off x="4368122" y="6960288"/>
-            <a:ext cx="1389147" cy="1340815"/>
-          </a:xfrm>
-          <a:prstGeom prst="line">
-            <a:avLst/>
-          </a:prstGeom>
-          <a:ln>
-            <a:solidFill>
-              <a:schemeClr val="accent6">
-                <a:lumMod val="50000"/>
-              </a:schemeClr>
-            </a:solidFill>
-            <a:prstDash val="solid"/>
-          </a:ln>
-        </p:spPr>
-        <p:style>
-          <a:lnRef idx="1">
-            <a:schemeClr val="accent1"/>
-          </a:lnRef>
-          <a:fillRef idx="0">
-            <a:schemeClr val="accent1"/>
-          </a:fillRef>
-          <a:effectRef idx="0">
-            <a:schemeClr val="accent1"/>
-          </a:effectRef>
-          <a:fontRef idx="minor">
-            <a:schemeClr val="tx1"/>
-          </a:fontRef>
-        </p:style>
-      </p:cxnSp>
-      <p:sp>
-        <p:nvSpPr>
-          <p:cNvPr id="100" name="Oval 99">
-            <a:extLst>
-              <a:ext uri="{FF2B5EF4-FFF2-40B4-BE49-F238E27FC236}">
-                <a16:creationId xmlns:a16="http://schemas.microsoft.com/office/drawing/2014/main" id="{4E278511-68DF-9D4D-A4DD-991D293EC27A}"/>
-              </a:ext>
-            </a:extLst>
-          </p:cNvPr>
-          <p:cNvSpPr/>
-          <p:nvPr/>
-        </p:nvSpPr>
-        <p:spPr>
-          <a:xfrm>
-            <a:off x="4185242" y="8209663"/>
-            <a:ext cx="182880" cy="182880"/>
-          </a:xfrm>
-          <a:prstGeom prst="ellipse">
-            <a:avLst/>
-          </a:prstGeom>
-          <a:solidFill>
-            <a:schemeClr val="accent6">
-              <a:lumMod val="50000"/>
-            </a:schemeClr>
-          </a:solidFill>
-          <a:ln>
-            <a:noFill/>
-          </a:ln>
-        </p:spPr>
-        <p:style>
-          <a:lnRef idx="2">
-            <a:schemeClr val="accent1">
-              <a:shade val="50000"/>
-            </a:schemeClr>
-          </a:lnRef>
-          <a:fillRef idx="1">
-            <a:schemeClr val="accent1"/>
-          </a:fillRef>
-          <a:effectRef idx="0">
-            <a:schemeClr val="accent1"/>
-          </a:effectRef>
-          <a:fontRef idx="minor">
-            <a:schemeClr val="lt1"/>
-          </a:fontRef>
-        </p:style>
-        <p:txBody>
-          <a:bodyPr rtlCol="0" anchor="ctr"/>
-          <a:lstStyle/>
-          <a:p>
-            <a:pPr algn="ctr"/>
-            <a:endParaRPr lang="en-US"/>
-          </a:p>
-        </p:txBody>
-      </p:sp>
-      <p:sp>
-        <p:nvSpPr>
-          <p:cNvPr id="101" name="Oval 100">
-            <a:extLst>
-              <a:ext uri="{FF2B5EF4-FFF2-40B4-BE49-F238E27FC236}">
-                <a16:creationId xmlns:a16="http://schemas.microsoft.com/office/drawing/2014/main" id="{4CAC413B-CF24-1245-A934-5CE2CC7D08C4}"/>
-              </a:ext>
-            </a:extLst>
-          </p:cNvPr>
-          <p:cNvSpPr/>
-          <p:nvPr/>
-        </p:nvSpPr>
-        <p:spPr>
-          <a:xfrm>
-            <a:off x="5757269" y="6868848"/>
-            <a:ext cx="182880" cy="182880"/>
-          </a:xfrm>
-          <a:prstGeom prst="ellipse">
-            <a:avLst/>
-          </a:prstGeom>
-          <a:solidFill>
-            <a:schemeClr val="accent6">
-              <a:lumMod val="50000"/>
-            </a:schemeClr>
-          </a:solidFill>
-          <a:ln>
-            <a:noFill/>
-          </a:ln>
-        </p:spPr>
-        <p:style>
-          <a:lnRef idx="2">
-            <a:schemeClr val="accent1">
-              <a:shade val="50000"/>
-            </a:schemeClr>
-          </a:lnRef>
-          <a:fillRef idx="1">
-            <a:schemeClr val="accent1"/>
-          </a:fillRef>
-          <a:effectRef idx="0">
-            <a:schemeClr val="accent1"/>
-          </a:effectRef>
-          <a:fontRef idx="minor">
-            <a:schemeClr val="lt1"/>
-          </a:fontRef>
-        </p:style>
-        <p:txBody>
-          <a:bodyPr rtlCol="0" anchor="ctr"/>
-          <a:lstStyle/>
-          <a:p>
-            <a:pPr algn="ctr"/>
-            <a:endParaRPr lang="en-US"/>
-          </a:p>
-        </p:txBody>
-      </p:sp>
-      <p:cxnSp>
-        <p:nvCxnSpPr>
-          <p:cNvPr id="102" name="Straight Connector 101">
-            <a:extLst>
-              <a:ext uri="{FF2B5EF4-FFF2-40B4-BE49-F238E27FC236}">
-                <a16:creationId xmlns:a16="http://schemas.microsoft.com/office/drawing/2014/main" id="{DB6B67E5-07A6-4749-8532-E103FB7A393E}"/>
-              </a:ext>
-            </a:extLst>
-          </p:cNvPr>
-          <p:cNvCxnSpPr>
-            <a:cxnSpLocks/>
-            <a:stCxn id="103" idx="6"/>
-            <a:endCxn id="104" idx="2"/>
-          </p:cNvCxnSpPr>
-          <p:nvPr/>
-        </p:nvCxnSpPr>
-        <p:spPr>
-          <a:xfrm>
-            <a:off x="4366417" y="6975640"/>
-            <a:ext cx="1391880" cy="1315886"/>
-          </a:xfrm>
-          <a:prstGeom prst="line">
-            <a:avLst/>
-          </a:prstGeom>
-          <a:ln>
-            <a:solidFill>
-              <a:srgbClr val="7030A0"/>
-            </a:solidFill>
-            <a:prstDash val="solid"/>
-          </a:ln>
-        </p:spPr>
-        <p:style>
-          <a:lnRef idx="1">
-            <a:schemeClr val="accent1"/>
-          </a:lnRef>
-          <a:fillRef idx="0">
-            <a:schemeClr val="accent1"/>
-          </a:fillRef>
-          <a:effectRef idx="0">
-            <a:schemeClr val="accent1"/>
-          </a:effectRef>
-          <a:fontRef idx="minor">
-            <a:schemeClr val="tx1"/>
-          </a:fontRef>
-        </p:style>
-      </p:cxnSp>
-      <p:sp>
-        <p:nvSpPr>
-          <p:cNvPr id="103" name="Oval 102">
-            <a:extLst>
-              <a:ext uri="{FF2B5EF4-FFF2-40B4-BE49-F238E27FC236}">
-                <a16:creationId xmlns:a16="http://schemas.microsoft.com/office/drawing/2014/main" id="{DB70C54C-3D4F-774A-9785-83AA409662B2}"/>
-              </a:ext>
-            </a:extLst>
-          </p:cNvPr>
-          <p:cNvSpPr/>
-          <p:nvPr/>
-        </p:nvSpPr>
-        <p:spPr>
-          <a:xfrm>
-            <a:off x="4183537" y="6884200"/>
-            <a:ext cx="182880" cy="182880"/>
-          </a:xfrm>
-          <a:prstGeom prst="ellipse">
-            <a:avLst/>
-          </a:prstGeom>
-          <a:solidFill>
-            <a:srgbClr val="7030A0"/>
-          </a:solidFill>
-          <a:ln>
-            <a:solidFill>
-              <a:srgbClr val="7030A0"/>
-            </a:solidFill>
-          </a:ln>
-        </p:spPr>
-        <p:style>
-          <a:lnRef idx="2">
-            <a:schemeClr val="accent1">
-              <a:shade val="50000"/>
-            </a:schemeClr>
-          </a:lnRef>
-          <a:fillRef idx="1">
-            <a:schemeClr val="accent1"/>
-          </a:fillRef>
-          <a:effectRef idx="0">
-            <a:schemeClr val="accent1"/>
-          </a:effectRef>
-          <a:fontRef idx="minor">
-            <a:schemeClr val="lt1"/>
-          </a:fontRef>
-        </p:style>
-        <p:txBody>
-          <a:bodyPr rtlCol="0" anchor="ctr"/>
-          <a:lstStyle/>
-          <a:p>
-            <a:pPr algn="ctr"/>
-            <a:endParaRPr lang="en-US"/>
-          </a:p>
-        </p:txBody>
-      </p:sp>
-      <p:sp>
-        <p:nvSpPr>
-          <p:cNvPr id="104" name="Oval 103">
-            <a:extLst>
-              <a:ext uri="{FF2B5EF4-FFF2-40B4-BE49-F238E27FC236}">
-                <a16:creationId xmlns:a16="http://schemas.microsoft.com/office/drawing/2014/main" id="{4C5A2964-84BA-CE40-83F5-83667DAA5AFD}"/>
-              </a:ext>
-            </a:extLst>
-          </p:cNvPr>
-          <p:cNvSpPr/>
-          <p:nvPr/>
-        </p:nvSpPr>
-        <p:spPr>
-          <a:xfrm>
-            <a:off x="5758297" y="8200086"/>
-            <a:ext cx="182880" cy="182880"/>
-          </a:xfrm>
-          <a:prstGeom prst="ellipse">
-            <a:avLst/>
-          </a:prstGeom>
-          <a:solidFill>
-            <a:srgbClr val="7030A0"/>
-          </a:solidFill>
-          <a:ln>
-            <a:solidFill>
-              <a:srgbClr val="7030A0"/>
-            </a:solidFill>
-          </a:ln>
-        </p:spPr>
-        <p:style>
-          <a:lnRef idx="2">
-            <a:schemeClr val="accent1">
-              <a:shade val="50000"/>
-            </a:schemeClr>
-          </a:lnRef>
-          <a:fillRef idx="1">
-            <a:schemeClr val="accent1"/>
-          </a:fillRef>
-          <a:effectRef idx="0">
-            <a:schemeClr val="accent1"/>
-          </a:effectRef>
-          <a:fontRef idx="minor">
-            <a:schemeClr val="lt1"/>
-          </a:fontRef>
-        </p:style>
-        <p:txBody>
-          <a:bodyPr rtlCol="0" anchor="ctr"/>
-          <a:lstStyle/>
-          <a:p>
-            <a:pPr algn="ctr"/>
-            <a:endParaRPr lang="en-US"/>
-          </a:p>
-        </p:txBody>
-      </p:sp>
-      <p:sp>
-        <p:nvSpPr>
-          <p:cNvPr id="105" name="TextBox 104">
-            <a:extLst>
-              <a:ext uri="{FF2B5EF4-FFF2-40B4-BE49-F238E27FC236}">
-                <a16:creationId xmlns:a16="http://schemas.microsoft.com/office/drawing/2014/main" id="{A5808A59-1B82-0E4F-A094-0AC03F4A1708}"/>
-              </a:ext>
-            </a:extLst>
-          </p:cNvPr>
-          <p:cNvSpPr txBox="1"/>
-          <p:nvPr/>
-        </p:nvSpPr>
-        <p:spPr>
-          <a:xfrm rot="16200000">
-            <a:off x="3188471" y="7404999"/>
-            <a:ext cx="917239" cy="276999"/>
-          </a:xfrm>
-          <a:prstGeom prst="rect">
-            <a:avLst/>
-          </a:prstGeom>
-          <a:noFill/>
-        </p:spPr>
-        <p:txBody>
-          <a:bodyPr wrap="none" rtlCol="0">
-            <a:spAutoFit/>
-          </a:bodyPr>
-          <a:lstStyle/>
-          <a:p>
-            <a:r>
-              <a:rPr lang="en-US" sz="1200" dirty="0">
-                <a:latin typeface="Helvetica" pitchFamily="2" charset="0"/>
-              </a:rPr>
-              <a:t>Phenotype</a:t>
-            </a:r>
-          </a:p>
-        </p:txBody>
-      </p:sp>
-      <p:sp>
-        <p:nvSpPr>
-          <p:cNvPr id="106" name="TextBox 105">
-            <a:extLst>
-              <a:ext uri="{FF2B5EF4-FFF2-40B4-BE49-F238E27FC236}">
-                <a16:creationId xmlns:a16="http://schemas.microsoft.com/office/drawing/2014/main" id="{7EFDE941-457D-7544-AD0E-F9B0706CF1FF}"/>
-              </a:ext>
-            </a:extLst>
-          </p:cNvPr>
-          <p:cNvSpPr txBox="1"/>
-          <p:nvPr/>
-        </p:nvSpPr>
-        <p:spPr>
-          <a:xfrm>
-            <a:off x="5919270" y="6821304"/>
-            <a:ext cx="856325" cy="246221"/>
-          </a:xfrm>
-          <a:prstGeom prst="rect">
-            <a:avLst/>
-          </a:prstGeom>
-          <a:noFill/>
-        </p:spPr>
-        <p:txBody>
-          <a:bodyPr wrap="none" rtlCol="0">
-            <a:spAutoFit/>
-          </a:bodyPr>
-          <a:lstStyle/>
-          <a:p>
-            <a:r>
-              <a:rPr lang="en-US" sz="1000" dirty="0">
-                <a:latin typeface="Helvetica" pitchFamily="2" charset="0"/>
-              </a:rPr>
-              <a:t>Genotype A</a:t>
-            </a:r>
-          </a:p>
-        </p:txBody>
-      </p:sp>
-      <p:sp>
-        <p:nvSpPr>
-          <p:cNvPr id="107" name="TextBox 106">
-            <a:extLst>
-              <a:ext uri="{FF2B5EF4-FFF2-40B4-BE49-F238E27FC236}">
-                <a16:creationId xmlns:a16="http://schemas.microsoft.com/office/drawing/2014/main" id="{B95336EE-78A5-4547-80C0-E6AFA548E2EB}"/>
-              </a:ext>
-            </a:extLst>
-          </p:cNvPr>
-          <p:cNvSpPr txBox="1"/>
-          <p:nvPr/>
-        </p:nvSpPr>
-        <p:spPr>
-          <a:xfrm>
-            <a:off x="5917848" y="8175217"/>
-            <a:ext cx="856325" cy="246221"/>
-          </a:xfrm>
-          <a:prstGeom prst="rect">
-            <a:avLst/>
-          </a:prstGeom>
-          <a:noFill/>
-        </p:spPr>
-        <p:txBody>
-          <a:bodyPr wrap="none" rtlCol="0">
-            <a:spAutoFit/>
-          </a:bodyPr>
-          <a:lstStyle/>
-          <a:p>
-            <a:r>
-              <a:rPr lang="en-US" sz="1000" dirty="0">
-                <a:latin typeface="Helvetica" pitchFamily="2" charset="0"/>
-              </a:rPr>
-              <a:t>Genotype B</a:t>
-            </a:r>
-          </a:p>
-        </p:txBody>
-      </p:sp>
       <p:cxnSp>
         <p:nvCxnSpPr>
           <p:cNvPr id="114" name="Straight Connector 113">
@@ -5616,7 +5019,7 @@
         </p:nvCxnSpPr>
         <p:spPr>
           <a:xfrm flipV="1">
-            <a:off x="4364966" y="5148669"/>
+            <a:off x="4344563" y="7907109"/>
             <a:ext cx="1341503" cy="0"/>
           </a:xfrm>
           <a:prstGeom prst="line">
@@ -5661,7 +5064,7 @@
         </p:nvCxnSpPr>
         <p:spPr>
           <a:xfrm flipV="1">
-            <a:off x="4365323" y="5153784"/>
+            <a:off x="4344920" y="7912224"/>
             <a:ext cx="1391348" cy="284363"/>
           </a:xfrm>
           <a:prstGeom prst="line">
@@ -5707,7 +5110,7 @@
         </p:nvCxnSpPr>
         <p:spPr>
           <a:xfrm flipV="1">
-            <a:off x="4364966" y="4325007"/>
+            <a:off x="4344563" y="7083447"/>
             <a:ext cx="1391043" cy="831840"/>
           </a:xfrm>
           <a:prstGeom prst="line">
@@ -5751,7 +5154,7 @@
         </p:nvSpPr>
         <p:spPr>
           <a:xfrm>
-            <a:off x="4182086" y="5065407"/>
+            <a:off x="4161683" y="7823847"/>
             <a:ext cx="182880" cy="182880"/>
           </a:xfrm>
           <a:prstGeom prst="ellipse">
@@ -5809,7 +5212,7 @@
         </p:nvSpPr>
         <p:spPr>
           <a:xfrm>
-            <a:off x="5756009" y="4233567"/>
+            <a:off x="5735606" y="6992007"/>
             <a:ext cx="182880" cy="182880"/>
           </a:xfrm>
           <a:prstGeom prst="ellipse">
@@ -5867,7 +5270,7 @@
         </p:nvSpPr>
         <p:spPr>
           <a:xfrm>
-            <a:off x="5894693" y="5046212"/>
+            <a:off x="5874290" y="7804652"/>
             <a:ext cx="856325" cy="246221"/>
           </a:xfrm>
           <a:prstGeom prst="rect">
@@ -5904,7 +5307,7 @@
         </p:nvSpPr>
         <p:spPr>
           <a:xfrm>
-            <a:off x="5895624" y="4199269"/>
+            <a:off x="5875221" y="6957709"/>
             <a:ext cx="856325" cy="246221"/>
           </a:xfrm>
           <a:prstGeom prst="rect">
@@ -5941,8 +5344,8 @@
         </p:nvSpPr>
         <p:spPr>
           <a:xfrm>
-            <a:off x="687341" y="1242281"/>
-            <a:ext cx="338554" cy="369332"/>
+            <a:off x="666938" y="4000721"/>
+            <a:ext cx="312906" cy="369332"/>
           </a:xfrm>
           <a:prstGeom prst="rect">
             <a:avLst/>
@@ -5959,7 +5362,7 @@
               <a:rPr lang="en-US" dirty="0">
                 <a:latin typeface="Helvetica" pitchFamily="2" charset="0"/>
               </a:rPr>
-              <a:t>A</a:t>
+              <a:t>a</a:t>
             </a:r>
           </a:p>
         </p:txBody>
@@ -5978,8 +5381,8 @@
         </p:nvSpPr>
         <p:spPr>
           <a:xfrm>
-            <a:off x="3832427" y="1180725"/>
-            <a:ext cx="338554" cy="369332"/>
+            <a:off x="3812024" y="3939165"/>
+            <a:ext cx="312906" cy="369332"/>
           </a:xfrm>
           <a:prstGeom prst="rect">
             <a:avLst/>
@@ -5996,7 +5399,7 @@
               <a:rPr lang="en-US" dirty="0">
                 <a:latin typeface="Helvetica" pitchFamily="2" charset="0"/>
               </a:rPr>
-              <a:t>B</a:t>
+              <a:t>b</a:t>
             </a:r>
           </a:p>
         </p:txBody>
@@ -6015,7 +5418,7 @@
         </p:nvSpPr>
         <p:spPr>
           <a:xfrm>
-            <a:off x="687341" y="3946806"/>
+            <a:off x="666938" y="6705246"/>
             <a:ext cx="351378" cy="369332"/>
           </a:xfrm>
           <a:prstGeom prst="rect">
@@ -6052,7 +5455,7 @@
         </p:nvSpPr>
         <p:spPr>
           <a:xfrm>
-            <a:off x="3832427" y="3892335"/>
+            <a:off x="3812024" y="6650775"/>
             <a:ext cx="351378" cy="369332"/>
           </a:xfrm>
           <a:prstGeom prst="rect">
@@ -6077,10 +5480,10 @@
       </p:sp>
       <p:sp>
         <p:nvSpPr>
-          <p:cNvPr id="134" name="TextBox 133">
-            <a:extLst>
-              <a:ext uri="{FF2B5EF4-FFF2-40B4-BE49-F238E27FC236}">
-                <a16:creationId xmlns:a16="http://schemas.microsoft.com/office/drawing/2014/main" id="{6C8FA4AF-11E5-C14D-9489-1FF4CA8460C2}"/>
+          <p:cNvPr id="126" name="TextBox 125">
+            <a:extLst>
+              <a:ext uri="{FF2B5EF4-FFF2-40B4-BE49-F238E27FC236}">
+                <a16:creationId xmlns:a16="http://schemas.microsoft.com/office/drawing/2014/main" id="{DB50EE72-227E-F345-8303-603E831F6B71}"/>
               </a:ext>
             </a:extLst>
           </p:cNvPr>
@@ -6089,8 +5492,8 @@
         </p:nvSpPr>
         <p:spPr>
           <a:xfrm>
-            <a:off x="3830431" y="6648819"/>
-            <a:ext cx="338554" cy="369332"/>
+            <a:off x="3810028" y="137641"/>
+            <a:ext cx="2531462" cy="584775"/>
           </a:xfrm>
           <a:prstGeom prst="rect">
             <a:avLst/>
@@ -6103,43 +5506,57 @@
           </a:bodyPr>
           <a:lstStyle/>
           <a:p>
-            <a:r>
-              <a:rPr lang="en-US" dirty="0">
+            <a:pPr algn="ctr"/>
+            <a:r>
+              <a:rPr lang="en-US" dirty="0" err="1">
                 <a:latin typeface="Helvetica" pitchFamily="2" charset="0"/>
               </a:rPr>
-              <a:t>F</a:t>
-            </a:r>
-          </a:p>
-        </p:txBody>
-      </p:sp>
-      <p:sp>
-        <p:nvSpPr>
-          <p:cNvPr id="86" name="Half Frame 85">
-            <a:extLst>
-              <a:ext uri="{FF2B5EF4-FFF2-40B4-BE49-F238E27FC236}">
-                <a16:creationId xmlns:a16="http://schemas.microsoft.com/office/drawing/2014/main" id="{4C767BFD-5677-C94B-ABD2-6F9E37256932}"/>
-              </a:ext>
-            </a:extLst>
-          </p:cNvPr>
-          <p:cNvSpPr/>
-          <p:nvPr/>
-        </p:nvSpPr>
-        <p:spPr>
-          <a:xfrm rot="16200000">
-            <a:off x="916183" y="6402795"/>
-            <a:ext cx="1889760" cy="2560321"/>
-          </a:xfrm>
-          <a:prstGeom prst="halfFrame">
-            <a:avLst>
-              <a:gd name="adj1" fmla="val 1313"/>
-              <a:gd name="adj2" fmla="val 1403"/>
-            </a:avLst>
+              <a:t>GxE</a:t>
+            </a:r>
+            <a:endParaRPr lang="en-US" dirty="0">
+              <a:latin typeface="Helvetica" pitchFamily="2" charset="0"/>
+            </a:endParaRPr>
+          </a:p>
+          <a:p>
+            <a:pPr algn="ctr"/>
+            <a:r>
+              <a:rPr lang="en-US" sz="1400" dirty="0">
+                <a:latin typeface="Helvetica" pitchFamily="2" charset="0"/>
+              </a:rPr>
+              <a:t>(Reaction norms not parallel) </a:t>
+            </a:r>
+          </a:p>
+        </p:txBody>
+      </p:sp>
+      <p:sp>
+        <p:nvSpPr>
+          <p:cNvPr id="29" name="Diamond 28">
+            <a:extLst>
+              <a:ext uri="{FF2B5EF4-FFF2-40B4-BE49-F238E27FC236}">
+                <a16:creationId xmlns:a16="http://schemas.microsoft.com/office/drawing/2014/main" id="{64A3AE73-8C6A-4649-9692-F88F0D1E3053}"/>
+              </a:ext>
+            </a:extLst>
+          </p:cNvPr>
+          <p:cNvSpPr>
+            <a:spLocks noChangeAspect="1"/>
+          </p:cNvSpPr>
+          <p:nvPr/>
+        </p:nvSpPr>
+        <p:spPr>
+          <a:xfrm>
+            <a:off x="2587485" y="4215263"/>
+            <a:ext cx="182880" cy="182880"/>
+          </a:xfrm>
+          <a:prstGeom prst="diamond">
+            <a:avLst/>
           </a:prstGeom>
           <a:solidFill>
-            <a:schemeClr val="tx1"/>
+            <a:srgbClr val="7030A0"/>
           </a:solidFill>
           <a:ln>
-            <a:noFill/>
+            <a:solidFill>
+              <a:srgbClr val="7030A0"/>
+            </a:solidFill>
           </a:ln>
         </p:spPr>
         <p:style>
@@ -6163,6 +5580,712 @@
           <a:lstStyle/>
           <a:p>
             <a:pPr algn="ctr"/>
+            <a:endParaRPr lang="en-US"/>
+          </a:p>
+        </p:txBody>
+      </p:sp>
+      <p:sp>
+        <p:nvSpPr>
+          <p:cNvPr id="135" name="Diamond 134">
+            <a:extLst>
+              <a:ext uri="{FF2B5EF4-FFF2-40B4-BE49-F238E27FC236}">
+                <a16:creationId xmlns:a16="http://schemas.microsoft.com/office/drawing/2014/main" id="{C058A130-21BB-FA4C-8D81-CF625F51F06D}"/>
+              </a:ext>
+            </a:extLst>
+          </p:cNvPr>
+          <p:cNvSpPr>
+            <a:spLocks noChangeAspect="1"/>
+          </p:cNvSpPr>
+          <p:nvPr/>
+        </p:nvSpPr>
+        <p:spPr>
+          <a:xfrm>
+            <a:off x="996187" y="4879910"/>
+            <a:ext cx="182880" cy="182880"/>
+          </a:xfrm>
+          <a:prstGeom prst="diamond">
+            <a:avLst/>
+          </a:prstGeom>
+          <a:solidFill>
+            <a:srgbClr val="7030A0"/>
+          </a:solidFill>
+          <a:ln>
+            <a:solidFill>
+              <a:srgbClr val="7030A0"/>
+            </a:solidFill>
+          </a:ln>
+        </p:spPr>
+        <p:style>
+          <a:lnRef idx="2">
+            <a:schemeClr val="accent1">
+              <a:shade val="50000"/>
+            </a:schemeClr>
+          </a:lnRef>
+          <a:fillRef idx="1">
+            <a:schemeClr val="accent1"/>
+          </a:fillRef>
+          <a:effectRef idx="0">
+            <a:schemeClr val="accent1"/>
+          </a:effectRef>
+          <a:fontRef idx="minor">
+            <a:schemeClr val="lt1"/>
+          </a:fontRef>
+        </p:style>
+        <p:txBody>
+          <a:bodyPr rtlCol="0" anchor="ctr"/>
+          <a:lstStyle/>
+          <a:p>
+            <a:pPr algn="ctr"/>
+            <a:endParaRPr lang="en-US"/>
+          </a:p>
+        </p:txBody>
+      </p:sp>
+      <p:sp>
+        <p:nvSpPr>
+          <p:cNvPr id="136" name="Diamond 135">
+            <a:extLst>
+              <a:ext uri="{FF2B5EF4-FFF2-40B4-BE49-F238E27FC236}">
+                <a16:creationId xmlns:a16="http://schemas.microsoft.com/office/drawing/2014/main" id="{F87DACE1-2E87-1149-BDD6-58E7A72512D7}"/>
+              </a:ext>
+            </a:extLst>
+          </p:cNvPr>
+          <p:cNvSpPr>
+            <a:spLocks noChangeAspect="1"/>
+          </p:cNvSpPr>
+          <p:nvPr/>
+        </p:nvSpPr>
+        <p:spPr>
+          <a:xfrm>
+            <a:off x="5736772" y="4223695"/>
+            <a:ext cx="182880" cy="182880"/>
+          </a:xfrm>
+          <a:prstGeom prst="diamond">
+            <a:avLst/>
+          </a:prstGeom>
+          <a:solidFill>
+            <a:srgbClr val="7030A0"/>
+          </a:solidFill>
+          <a:ln>
+            <a:solidFill>
+              <a:srgbClr val="7030A0"/>
+            </a:solidFill>
+          </a:ln>
+        </p:spPr>
+        <p:style>
+          <a:lnRef idx="2">
+            <a:schemeClr val="accent1">
+              <a:shade val="50000"/>
+            </a:schemeClr>
+          </a:lnRef>
+          <a:fillRef idx="1">
+            <a:schemeClr val="accent1"/>
+          </a:fillRef>
+          <a:effectRef idx="0">
+            <a:schemeClr val="accent1"/>
+          </a:effectRef>
+          <a:fontRef idx="minor">
+            <a:schemeClr val="lt1"/>
+          </a:fontRef>
+        </p:style>
+        <p:txBody>
+          <a:bodyPr rtlCol="0" anchor="ctr"/>
+          <a:lstStyle/>
+          <a:p>
+            <a:pPr algn="ctr"/>
+            <a:endParaRPr lang="en-US"/>
+          </a:p>
+        </p:txBody>
+      </p:sp>
+      <p:sp>
+        <p:nvSpPr>
+          <p:cNvPr id="137" name="Diamond 136">
+            <a:extLst>
+              <a:ext uri="{FF2B5EF4-FFF2-40B4-BE49-F238E27FC236}">
+                <a16:creationId xmlns:a16="http://schemas.microsoft.com/office/drawing/2014/main" id="{D94C18E1-2C00-8C4F-85EB-3382F339ADC9}"/>
+              </a:ext>
+            </a:extLst>
+          </p:cNvPr>
+          <p:cNvSpPr>
+            <a:spLocks noChangeAspect="1"/>
+          </p:cNvSpPr>
+          <p:nvPr/>
+        </p:nvSpPr>
+        <p:spPr>
+          <a:xfrm>
+            <a:off x="4164858" y="5126821"/>
+            <a:ext cx="182880" cy="182880"/>
+          </a:xfrm>
+          <a:prstGeom prst="diamond">
+            <a:avLst/>
+          </a:prstGeom>
+          <a:solidFill>
+            <a:srgbClr val="7030A0"/>
+          </a:solidFill>
+          <a:ln>
+            <a:solidFill>
+              <a:srgbClr val="7030A0"/>
+            </a:solidFill>
+          </a:ln>
+        </p:spPr>
+        <p:style>
+          <a:lnRef idx="2">
+            <a:schemeClr val="accent1">
+              <a:shade val="50000"/>
+            </a:schemeClr>
+          </a:lnRef>
+          <a:fillRef idx="1">
+            <a:schemeClr val="accent1"/>
+          </a:fillRef>
+          <a:effectRef idx="0">
+            <a:schemeClr val="accent1"/>
+          </a:effectRef>
+          <a:fontRef idx="minor">
+            <a:schemeClr val="lt1"/>
+          </a:fontRef>
+        </p:style>
+        <p:txBody>
+          <a:bodyPr rtlCol="0" anchor="ctr"/>
+          <a:lstStyle/>
+          <a:p>
+            <a:pPr algn="ctr"/>
+            <a:endParaRPr lang="en-US"/>
+          </a:p>
+        </p:txBody>
+      </p:sp>
+      <p:sp>
+        <p:nvSpPr>
+          <p:cNvPr id="138" name="Diamond 137">
+            <a:extLst>
+              <a:ext uri="{FF2B5EF4-FFF2-40B4-BE49-F238E27FC236}">
+                <a16:creationId xmlns:a16="http://schemas.microsoft.com/office/drawing/2014/main" id="{5069E222-D5C5-B241-81B7-345A3B46433E}"/>
+              </a:ext>
+            </a:extLst>
+          </p:cNvPr>
+          <p:cNvSpPr>
+            <a:spLocks noChangeAspect="1"/>
+          </p:cNvSpPr>
+          <p:nvPr/>
+        </p:nvSpPr>
+        <p:spPr>
+          <a:xfrm>
+            <a:off x="5736268" y="7820784"/>
+            <a:ext cx="182880" cy="182880"/>
+          </a:xfrm>
+          <a:prstGeom prst="diamond">
+            <a:avLst/>
+          </a:prstGeom>
+          <a:solidFill>
+            <a:srgbClr val="7030A0"/>
+          </a:solidFill>
+          <a:ln>
+            <a:solidFill>
+              <a:srgbClr val="7030A0"/>
+            </a:solidFill>
+          </a:ln>
+        </p:spPr>
+        <p:style>
+          <a:lnRef idx="2">
+            <a:schemeClr val="accent1">
+              <a:shade val="50000"/>
+            </a:schemeClr>
+          </a:lnRef>
+          <a:fillRef idx="1">
+            <a:schemeClr val="accent1"/>
+          </a:fillRef>
+          <a:effectRef idx="0">
+            <a:schemeClr val="accent1"/>
+          </a:effectRef>
+          <a:fontRef idx="minor">
+            <a:schemeClr val="lt1"/>
+          </a:fontRef>
+        </p:style>
+        <p:txBody>
+          <a:bodyPr rtlCol="0" anchor="ctr"/>
+          <a:lstStyle/>
+          <a:p>
+            <a:pPr algn="ctr"/>
+            <a:endParaRPr lang="en-US"/>
+          </a:p>
+        </p:txBody>
+      </p:sp>
+      <p:sp>
+        <p:nvSpPr>
+          <p:cNvPr id="139" name="Diamond 138">
+            <a:extLst>
+              <a:ext uri="{FF2B5EF4-FFF2-40B4-BE49-F238E27FC236}">
+                <a16:creationId xmlns:a16="http://schemas.microsoft.com/office/drawing/2014/main" id="{631403F7-F253-574A-B8ED-A1A22DD48C43}"/>
+              </a:ext>
+            </a:extLst>
+          </p:cNvPr>
+          <p:cNvSpPr>
+            <a:spLocks noChangeAspect="1"/>
+          </p:cNvSpPr>
+          <p:nvPr/>
+        </p:nvSpPr>
+        <p:spPr>
+          <a:xfrm>
+            <a:off x="4162040" y="8105147"/>
+            <a:ext cx="182880" cy="182880"/>
+          </a:xfrm>
+          <a:prstGeom prst="diamond">
+            <a:avLst/>
+          </a:prstGeom>
+          <a:solidFill>
+            <a:srgbClr val="7030A0"/>
+          </a:solidFill>
+          <a:ln>
+            <a:solidFill>
+              <a:srgbClr val="7030A0"/>
+            </a:solidFill>
+          </a:ln>
+        </p:spPr>
+        <p:style>
+          <a:lnRef idx="2">
+            <a:schemeClr val="accent1">
+              <a:shade val="50000"/>
+            </a:schemeClr>
+          </a:lnRef>
+          <a:fillRef idx="1">
+            <a:schemeClr val="accent1"/>
+          </a:fillRef>
+          <a:effectRef idx="0">
+            <a:schemeClr val="accent1"/>
+          </a:effectRef>
+          <a:fontRef idx="minor">
+            <a:schemeClr val="lt1"/>
+          </a:fontRef>
+        </p:style>
+        <p:txBody>
+          <a:bodyPr rtlCol="0" anchor="ctr"/>
+          <a:lstStyle/>
+          <a:p>
+            <a:pPr algn="ctr"/>
+            <a:endParaRPr lang="en-US"/>
+          </a:p>
+        </p:txBody>
+      </p:sp>
+      <p:sp>
+        <p:nvSpPr>
+          <p:cNvPr id="140" name="Diamond 139">
+            <a:extLst>
+              <a:ext uri="{FF2B5EF4-FFF2-40B4-BE49-F238E27FC236}">
+                <a16:creationId xmlns:a16="http://schemas.microsoft.com/office/drawing/2014/main" id="{70662FD8-83E9-AA47-9DBE-C536BF05BDCA}"/>
+              </a:ext>
+            </a:extLst>
+          </p:cNvPr>
+          <p:cNvSpPr>
+            <a:spLocks noChangeAspect="1"/>
+          </p:cNvSpPr>
+          <p:nvPr/>
+        </p:nvSpPr>
+        <p:spPr>
+          <a:xfrm>
+            <a:off x="2584310" y="7549478"/>
+            <a:ext cx="182880" cy="182880"/>
+          </a:xfrm>
+          <a:prstGeom prst="diamond">
+            <a:avLst/>
+          </a:prstGeom>
+          <a:solidFill>
+            <a:srgbClr val="7030A0"/>
+          </a:solidFill>
+          <a:ln>
+            <a:solidFill>
+              <a:srgbClr val="7030A0"/>
+            </a:solidFill>
+          </a:ln>
+        </p:spPr>
+        <p:style>
+          <a:lnRef idx="2">
+            <a:schemeClr val="accent1">
+              <a:shade val="50000"/>
+            </a:schemeClr>
+          </a:lnRef>
+          <a:fillRef idx="1">
+            <a:schemeClr val="accent1"/>
+          </a:fillRef>
+          <a:effectRef idx="0">
+            <a:schemeClr val="accent1"/>
+          </a:effectRef>
+          <a:fontRef idx="minor">
+            <a:schemeClr val="lt1"/>
+          </a:fontRef>
+        </p:style>
+        <p:txBody>
+          <a:bodyPr rtlCol="0" anchor="ctr"/>
+          <a:lstStyle/>
+          <a:p>
+            <a:pPr algn="ctr"/>
+            <a:endParaRPr lang="en-US"/>
+          </a:p>
+        </p:txBody>
+      </p:sp>
+      <p:sp>
+        <p:nvSpPr>
+          <p:cNvPr id="141" name="Diamond 140">
+            <a:extLst>
+              <a:ext uri="{FF2B5EF4-FFF2-40B4-BE49-F238E27FC236}">
+                <a16:creationId xmlns:a16="http://schemas.microsoft.com/office/drawing/2014/main" id="{590C1B52-2A93-B840-8BB9-D3C9F42E4636}"/>
+              </a:ext>
+            </a:extLst>
+          </p:cNvPr>
+          <p:cNvSpPr>
+            <a:spLocks noChangeAspect="1"/>
+          </p:cNvSpPr>
+          <p:nvPr/>
+        </p:nvSpPr>
+        <p:spPr>
+          <a:xfrm>
+            <a:off x="996187" y="8214125"/>
+            <a:ext cx="182880" cy="182880"/>
+          </a:xfrm>
+          <a:prstGeom prst="diamond">
+            <a:avLst/>
+          </a:prstGeom>
+          <a:solidFill>
+            <a:srgbClr val="7030A0"/>
+          </a:solidFill>
+          <a:ln>
+            <a:solidFill>
+              <a:srgbClr val="7030A0"/>
+            </a:solidFill>
+          </a:ln>
+        </p:spPr>
+        <p:style>
+          <a:lnRef idx="2">
+            <a:schemeClr val="accent1">
+              <a:shade val="50000"/>
+            </a:schemeClr>
+          </a:lnRef>
+          <a:fillRef idx="1">
+            <a:schemeClr val="accent1"/>
+          </a:fillRef>
+          <a:effectRef idx="0">
+            <a:schemeClr val="accent1"/>
+          </a:effectRef>
+          <a:fontRef idx="minor">
+            <a:schemeClr val="lt1"/>
+          </a:fontRef>
+        </p:style>
+        <p:txBody>
+          <a:bodyPr rtlCol="0" anchor="ctr"/>
+          <a:lstStyle/>
+          <a:p>
+            <a:pPr algn="ctr"/>
+            <a:endParaRPr lang="en-US"/>
+          </a:p>
+        </p:txBody>
+      </p:sp>
+      <p:sp>
+        <p:nvSpPr>
+          <p:cNvPr id="149" name="TextBox 148">
+            <a:extLst>
+              <a:ext uri="{FF2B5EF4-FFF2-40B4-BE49-F238E27FC236}">
+                <a16:creationId xmlns:a16="http://schemas.microsoft.com/office/drawing/2014/main" id="{9E540AFC-98F2-264E-8B6C-94EF081D78CB}"/>
+              </a:ext>
+            </a:extLst>
+          </p:cNvPr>
+          <p:cNvSpPr txBox="1"/>
+          <p:nvPr/>
+        </p:nvSpPr>
+        <p:spPr>
+          <a:xfrm>
+            <a:off x="3635460" y="6009343"/>
+            <a:ext cx="1182953" cy="276999"/>
+          </a:xfrm>
+          <a:prstGeom prst="rect">
+            <a:avLst/>
+          </a:prstGeom>
+          <a:noFill/>
+        </p:spPr>
+        <p:txBody>
+          <a:bodyPr wrap="none" rtlCol="0">
+            <a:spAutoFit/>
+          </a:bodyPr>
+          <a:lstStyle/>
+          <a:p>
+            <a:r>
+              <a:rPr lang="en-US" sz="1200" dirty="0">
+                <a:latin typeface="Helvetica" pitchFamily="2" charset="0"/>
+              </a:rPr>
+              <a:t>Environment A</a:t>
+            </a:r>
+          </a:p>
+        </p:txBody>
+      </p:sp>
+      <p:sp>
+        <p:nvSpPr>
+          <p:cNvPr id="150" name="TextBox 149">
+            <a:extLst>
+              <a:ext uri="{FF2B5EF4-FFF2-40B4-BE49-F238E27FC236}">
+                <a16:creationId xmlns:a16="http://schemas.microsoft.com/office/drawing/2014/main" id="{83DA6CB3-7C0C-FE42-858E-CAEE43BCF767}"/>
+              </a:ext>
+            </a:extLst>
+          </p:cNvPr>
+          <p:cNvSpPr txBox="1"/>
+          <p:nvPr/>
+        </p:nvSpPr>
+        <p:spPr>
+          <a:xfrm>
+            <a:off x="5230526" y="6009086"/>
+            <a:ext cx="1191352" cy="276999"/>
+          </a:xfrm>
+          <a:prstGeom prst="rect">
+            <a:avLst/>
+          </a:prstGeom>
+          <a:noFill/>
+        </p:spPr>
+        <p:txBody>
+          <a:bodyPr wrap="none" rtlCol="0">
+            <a:spAutoFit/>
+          </a:bodyPr>
+          <a:lstStyle/>
+          <a:p>
+            <a:r>
+              <a:rPr lang="en-US" sz="1200" dirty="0">
+                <a:latin typeface="Helvetica" pitchFamily="2" charset="0"/>
+              </a:rPr>
+              <a:t>Environment B</a:t>
+            </a:r>
+          </a:p>
+        </p:txBody>
+      </p:sp>
+      <p:sp>
+        <p:nvSpPr>
+          <p:cNvPr id="151" name="TextBox 150">
+            <a:extLst>
+              <a:ext uri="{FF2B5EF4-FFF2-40B4-BE49-F238E27FC236}">
+                <a16:creationId xmlns:a16="http://schemas.microsoft.com/office/drawing/2014/main" id="{567B5C67-1007-FB46-A434-9CD16236664A}"/>
+              </a:ext>
+            </a:extLst>
+          </p:cNvPr>
+          <p:cNvSpPr txBox="1"/>
+          <p:nvPr/>
+        </p:nvSpPr>
+        <p:spPr>
+          <a:xfrm>
+            <a:off x="3692330" y="8744617"/>
+            <a:ext cx="1182953" cy="276999"/>
+          </a:xfrm>
+          <a:prstGeom prst="rect">
+            <a:avLst/>
+          </a:prstGeom>
+          <a:noFill/>
+        </p:spPr>
+        <p:txBody>
+          <a:bodyPr wrap="none" rtlCol="0">
+            <a:spAutoFit/>
+          </a:bodyPr>
+          <a:lstStyle/>
+          <a:p>
+            <a:r>
+              <a:rPr lang="en-US" sz="1200" dirty="0">
+                <a:latin typeface="Helvetica" pitchFamily="2" charset="0"/>
+              </a:rPr>
+              <a:t>Environment A</a:t>
+            </a:r>
+          </a:p>
+        </p:txBody>
+      </p:sp>
+      <p:sp>
+        <p:nvSpPr>
+          <p:cNvPr id="152" name="TextBox 151">
+            <a:extLst>
+              <a:ext uri="{FF2B5EF4-FFF2-40B4-BE49-F238E27FC236}">
+                <a16:creationId xmlns:a16="http://schemas.microsoft.com/office/drawing/2014/main" id="{357AE774-6CB8-B144-AF71-23E3507A4ED2}"/>
+              </a:ext>
+            </a:extLst>
+          </p:cNvPr>
+          <p:cNvSpPr txBox="1"/>
+          <p:nvPr/>
+        </p:nvSpPr>
+        <p:spPr>
+          <a:xfrm>
+            <a:off x="5287396" y="8744360"/>
+            <a:ext cx="1191352" cy="276999"/>
+          </a:xfrm>
+          <a:prstGeom prst="rect">
+            <a:avLst/>
+          </a:prstGeom>
+          <a:noFill/>
+        </p:spPr>
+        <p:txBody>
+          <a:bodyPr wrap="none" rtlCol="0">
+            <a:spAutoFit/>
+          </a:bodyPr>
+          <a:lstStyle/>
+          <a:p>
+            <a:r>
+              <a:rPr lang="en-US" sz="1200" dirty="0">
+                <a:latin typeface="Helvetica" pitchFamily="2" charset="0"/>
+              </a:rPr>
+              <a:t>Environment B</a:t>
+            </a:r>
+          </a:p>
+        </p:txBody>
+      </p:sp>
+      <p:sp>
+        <p:nvSpPr>
+          <p:cNvPr id="157" name="TextBox 156">
+            <a:extLst>
+              <a:ext uri="{FF2B5EF4-FFF2-40B4-BE49-F238E27FC236}">
+                <a16:creationId xmlns:a16="http://schemas.microsoft.com/office/drawing/2014/main" id="{B80050E0-E3E3-404A-AC9E-E78F7E531C38}"/>
+              </a:ext>
+            </a:extLst>
+          </p:cNvPr>
+          <p:cNvSpPr txBox="1"/>
+          <p:nvPr/>
+        </p:nvSpPr>
+        <p:spPr>
+          <a:xfrm>
+            <a:off x="494603" y="8720345"/>
+            <a:ext cx="1182953" cy="276999"/>
+          </a:xfrm>
+          <a:prstGeom prst="rect">
+            <a:avLst/>
+          </a:prstGeom>
+          <a:noFill/>
+        </p:spPr>
+        <p:txBody>
+          <a:bodyPr wrap="none" rtlCol="0">
+            <a:spAutoFit/>
+          </a:bodyPr>
+          <a:lstStyle/>
+          <a:p>
+            <a:r>
+              <a:rPr lang="en-US" sz="1200" dirty="0">
+                <a:latin typeface="Helvetica" pitchFamily="2" charset="0"/>
+              </a:rPr>
+              <a:t>Environment A</a:t>
+            </a:r>
+          </a:p>
+        </p:txBody>
+      </p:sp>
+      <p:sp>
+        <p:nvSpPr>
+          <p:cNvPr id="158" name="TextBox 157">
+            <a:extLst>
+              <a:ext uri="{FF2B5EF4-FFF2-40B4-BE49-F238E27FC236}">
+                <a16:creationId xmlns:a16="http://schemas.microsoft.com/office/drawing/2014/main" id="{5924228C-2C52-0C44-BDF2-067F62306800}"/>
+              </a:ext>
+            </a:extLst>
+          </p:cNvPr>
+          <p:cNvSpPr txBox="1"/>
+          <p:nvPr/>
+        </p:nvSpPr>
+        <p:spPr>
+          <a:xfrm>
+            <a:off x="2089669" y="8720088"/>
+            <a:ext cx="1191352" cy="276999"/>
+          </a:xfrm>
+          <a:prstGeom prst="rect">
+            <a:avLst/>
+          </a:prstGeom>
+          <a:noFill/>
+        </p:spPr>
+        <p:txBody>
+          <a:bodyPr wrap="none" rtlCol="0">
+            <a:spAutoFit/>
+          </a:bodyPr>
+          <a:lstStyle/>
+          <a:p>
+            <a:r>
+              <a:rPr lang="en-US" sz="1200" dirty="0">
+                <a:latin typeface="Helvetica" pitchFamily="2" charset="0"/>
+              </a:rPr>
+              <a:t>Environment B</a:t>
+            </a:r>
+          </a:p>
+        </p:txBody>
+      </p:sp>
+      <p:sp>
+        <p:nvSpPr>
+          <p:cNvPr id="109" name="TextBox 108">
+            <a:extLst>
+              <a:ext uri="{FF2B5EF4-FFF2-40B4-BE49-F238E27FC236}">
+                <a16:creationId xmlns:a16="http://schemas.microsoft.com/office/drawing/2014/main" id="{6F14BC6D-348B-A143-913A-1AD60A41C966}"/>
+              </a:ext>
+            </a:extLst>
+          </p:cNvPr>
+          <p:cNvSpPr txBox="1"/>
+          <p:nvPr/>
+        </p:nvSpPr>
+        <p:spPr>
+          <a:xfrm rot="16200000">
+            <a:off x="-590404" y="1959140"/>
+            <a:ext cx="1710725" cy="369332"/>
+          </a:xfrm>
+          <a:prstGeom prst="rect">
+            <a:avLst/>
+          </a:prstGeom>
+          <a:noFill/>
+        </p:spPr>
+        <p:txBody>
+          <a:bodyPr wrap="none" rtlCol="0">
+            <a:spAutoFit/>
+          </a:bodyPr>
+          <a:lstStyle/>
+          <a:p>
+            <a:r>
+              <a:rPr lang="en-US" dirty="0">
+                <a:latin typeface="Helvetica" pitchFamily="2" charset="0"/>
+              </a:rPr>
+              <a:t>No Covariation</a:t>
+            </a:r>
+          </a:p>
+        </p:txBody>
+      </p:sp>
+      <p:sp>
+        <p:nvSpPr>
+          <p:cNvPr id="116" name="Half Frame 115">
+            <a:extLst>
+              <a:ext uri="{FF2B5EF4-FFF2-40B4-BE49-F238E27FC236}">
+                <a16:creationId xmlns:a16="http://schemas.microsoft.com/office/drawing/2014/main" id="{49AEA6B3-57CC-844F-87EA-269119D5B051}"/>
+              </a:ext>
+            </a:extLst>
+          </p:cNvPr>
+          <p:cNvSpPr/>
+          <p:nvPr/>
+        </p:nvSpPr>
+        <p:spPr>
+          <a:xfrm rot="16200000">
+            <a:off x="4145309" y="915907"/>
+            <a:ext cx="1889760" cy="2560321"/>
+          </a:xfrm>
+          <a:prstGeom prst="halfFrame">
+            <a:avLst>
+              <a:gd name="adj1" fmla="val 1313"/>
+              <a:gd name="adj2" fmla="val 1403"/>
+            </a:avLst>
+          </a:prstGeom>
+          <a:solidFill>
+            <a:schemeClr val="tx1"/>
+          </a:solidFill>
+          <a:ln>
+            <a:noFill/>
+          </a:ln>
+        </p:spPr>
+        <p:style>
+          <a:lnRef idx="2">
+            <a:schemeClr val="accent1">
+              <a:shade val="50000"/>
+            </a:schemeClr>
+          </a:lnRef>
+          <a:fillRef idx="1">
+            <a:schemeClr val="accent1"/>
+          </a:fillRef>
+          <a:effectRef idx="0">
+            <a:schemeClr val="accent1"/>
+          </a:effectRef>
+          <a:fontRef idx="minor">
+            <a:schemeClr val="lt1"/>
+          </a:fontRef>
+        </p:style>
+        <p:txBody>
+          <a:bodyPr rtlCol="0" anchor="ctr"/>
+          <a:lstStyle/>
+          <a:p>
+            <a:pPr algn="ctr"/>
             <a:endParaRPr lang="en-US">
               <a:solidFill>
                 <a:schemeClr val="tx1"/>
@@ -6173,10 +6296,10 @@
       </p:sp>
       <p:sp>
         <p:nvSpPr>
-          <p:cNvPr id="87" name="Rectangle 86">
-            <a:extLst>
-              <a:ext uri="{FF2B5EF4-FFF2-40B4-BE49-F238E27FC236}">
-                <a16:creationId xmlns:a16="http://schemas.microsoft.com/office/drawing/2014/main" id="{DC533300-2E6B-A54C-819F-5AF49EA13A51}"/>
+          <p:cNvPr id="117" name="Rectangle 116">
+            <a:extLst>
+              <a:ext uri="{FF2B5EF4-FFF2-40B4-BE49-F238E27FC236}">
+                <a16:creationId xmlns:a16="http://schemas.microsoft.com/office/drawing/2014/main" id="{D85B216C-B300-5145-B966-1C394982DB73}"/>
               </a:ext>
             </a:extLst>
           </p:cNvPr>
@@ -6185,7 +6308,7 @@
         </p:nvSpPr>
         <p:spPr>
           <a:xfrm>
-            <a:off x="1080605" y="8533714"/>
+            <a:off x="4309731" y="3046826"/>
             <a:ext cx="57361" cy="168708"/>
           </a:xfrm>
           <a:prstGeom prst="rect">
@@ -6227,10 +6350,10 @@
       </p:sp>
       <p:sp>
         <p:nvSpPr>
-          <p:cNvPr id="88" name="Rectangle 87">
-            <a:extLst>
-              <a:ext uri="{FF2B5EF4-FFF2-40B4-BE49-F238E27FC236}">
-                <a16:creationId xmlns:a16="http://schemas.microsoft.com/office/drawing/2014/main" id="{4BAFE86A-21B8-7043-B38E-13184B589DE2}"/>
+          <p:cNvPr id="128" name="Rectangle 127">
+            <a:extLst>
+              <a:ext uri="{FF2B5EF4-FFF2-40B4-BE49-F238E27FC236}">
+                <a16:creationId xmlns:a16="http://schemas.microsoft.com/office/drawing/2014/main" id="{937C6A1F-48C1-5C48-851E-BF312821B995}"/>
               </a:ext>
             </a:extLst>
           </p:cNvPr>
@@ -6239,7 +6362,7 @@
         </p:nvSpPr>
         <p:spPr>
           <a:xfrm>
-            <a:off x="2669007" y="8533714"/>
+            <a:off x="5875908" y="3046826"/>
             <a:ext cx="57361" cy="168708"/>
           </a:xfrm>
           <a:prstGeom prst="rect">
@@ -6277,12 +6400,60 @@
           </a:p>
         </p:txBody>
       </p:sp>
-      <p:sp>
-        <p:nvSpPr>
-          <p:cNvPr id="93" name="Oval 92">
-            <a:extLst>
-              <a:ext uri="{FF2B5EF4-FFF2-40B4-BE49-F238E27FC236}">
-                <a16:creationId xmlns:a16="http://schemas.microsoft.com/office/drawing/2014/main" id="{EE80F532-4427-AC4C-91E0-0E342A078EC5}"/>
+      <p:cxnSp>
+        <p:nvCxnSpPr>
+          <p:cNvPr id="132" name="Straight Connector 131">
+            <a:extLst>
+              <a:ext uri="{FF2B5EF4-FFF2-40B4-BE49-F238E27FC236}">
+                <a16:creationId xmlns:a16="http://schemas.microsoft.com/office/drawing/2014/main" id="{1AB48492-206E-5746-8A36-DECC9688C46A}"/>
+              </a:ext>
+            </a:extLst>
+          </p:cNvPr>
+          <p:cNvCxnSpPr>
+            <a:cxnSpLocks/>
+            <a:stCxn id="142" idx="6"/>
+            <a:endCxn id="143" idx="2"/>
+          </p:cNvCxnSpPr>
+          <p:nvPr/>
+        </p:nvCxnSpPr>
+        <p:spPr>
+          <a:xfrm flipV="1">
+            <a:off x="4428011" y="1473399"/>
+            <a:ext cx="1389147" cy="1340815"/>
+          </a:xfrm>
+          <a:prstGeom prst="line">
+            <a:avLst/>
+          </a:prstGeom>
+          <a:ln>
+            <a:solidFill>
+              <a:schemeClr val="accent6">
+                <a:lumMod val="50000"/>
+              </a:schemeClr>
+            </a:solidFill>
+            <a:prstDash val="solid"/>
+          </a:ln>
+        </p:spPr>
+        <p:style>
+          <a:lnRef idx="1">
+            <a:schemeClr val="accent1"/>
+          </a:lnRef>
+          <a:fillRef idx="0">
+            <a:schemeClr val="accent1"/>
+          </a:fillRef>
+          <a:effectRef idx="0">
+            <a:schemeClr val="accent1"/>
+          </a:effectRef>
+          <a:fontRef idx="minor">
+            <a:schemeClr val="tx1"/>
+          </a:fontRef>
+        </p:style>
+      </p:cxnSp>
+      <p:sp>
+        <p:nvSpPr>
+          <p:cNvPr id="142" name="Oval 141">
+            <a:extLst>
+              <a:ext uri="{FF2B5EF4-FFF2-40B4-BE49-F238E27FC236}">
+                <a16:creationId xmlns:a16="http://schemas.microsoft.com/office/drawing/2014/main" id="{60381022-7299-B049-9AA3-51E0B8D38DC3}"/>
               </a:ext>
             </a:extLst>
           </p:cNvPr>
@@ -6291,7 +6462,7 @@
         </p:nvSpPr>
         <p:spPr>
           <a:xfrm>
-            <a:off x="1016005" y="8187437"/>
+            <a:off x="4245131" y="2722774"/>
             <a:ext cx="182880" cy="182880"/>
           </a:xfrm>
           <a:prstGeom prst="ellipse">
@@ -6333,10 +6504,10 @@
       </p:sp>
       <p:sp>
         <p:nvSpPr>
-          <p:cNvPr id="108" name="Oval 107">
-            <a:extLst>
-              <a:ext uri="{FF2B5EF4-FFF2-40B4-BE49-F238E27FC236}">
-                <a16:creationId xmlns:a16="http://schemas.microsoft.com/office/drawing/2014/main" id="{0DDDB219-F2E9-0548-B414-6AC24D8A0A39}"/>
+          <p:cNvPr id="143" name="Oval 142">
+            <a:extLst>
+              <a:ext uri="{FF2B5EF4-FFF2-40B4-BE49-F238E27FC236}">
+                <a16:creationId xmlns:a16="http://schemas.microsoft.com/office/drawing/2014/main" id="{C5D1F782-0923-214C-9E68-839575AA3C05}"/>
               </a:ext>
             </a:extLst>
           </p:cNvPr>
@@ -6345,7 +6516,107 @@
         </p:nvSpPr>
         <p:spPr>
           <a:xfrm>
-            <a:off x="2605239" y="6860644"/>
+            <a:off x="5817158" y="1381959"/>
+            <a:ext cx="182880" cy="182880"/>
+          </a:xfrm>
+          <a:prstGeom prst="ellipse">
+            <a:avLst/>
+          </a:prstGeom>
+          <a:solidFill>
+            <a:schemeClr val="accent6">
+              <a:lumMod val="50000"/>
+            </a:schemeClr>
+          </a:solidFill>
+          <a:ln>
+            <a:noFill/>
+          </a:ln>
+        </p:spPr>
+        <p:style>
+          <a:lnRef idx="2">
+            <a:schemeClr val="accent1">
+              <a:shade val="50000"/>
+            </a:schemeClr>
+          </a:lnRef>
+          <a:fillRef idx="1">
+            <a:schemeClr val="accent1"/>
+          </a:fillRef>
+          <a:effectRef idx="0">
+            <a:schemeClr val="accent1"/>
+          </a:effectRef>
+          <a:fontRef idx="minor">
+            <a:schemeClr val="lt1"/>
+          </a:fontRef>
+        </p:style>
+        <p:txBody>
+          <a:bodyPr rtlCol="0" anchor="ctr"/>
+          <a:lstStyle/>
+          <a:p>
+            <a:pPr algn="ctr"/>
+            <a:endParaRPr lang="en-US"/>
+          </a:p>
+        </p:txBody>
+      </p:sp>
+      <p:cxnSp>
+        <p:nvCxnSpPr>
+          <p:cNvPr id="144" name="Straight Connector 143">
+            <a:extLst>
+              <a:ext uri="{FF2B5EF4-FFF2-40B4-BE49-F238E27FC236}">
+                <a16:creationId xmlns:a16="http://schemas.microsoft.com/office/drawing/2014/main" id="{B86DF690-3386-F445-9006-0256C37A18ED}"/>
+              </a:ext>
+            </a:extLst>
+          </p:cNvPr>
+          <p:cNvCxnSpPr>
+            <a:cxnSpLocks/>
+            <a:stCxn id="145" idx="6"/>
+            <a:endCxn id="146" idx="2"/>
+          </p:cNvCxnSpPr>
+          <p:nvPr/>
+        </p:nvCxnSpPr>
+        <p:spPr>
+          <a:xfrm>
+            <a:off x="4426306" y="1488751"/>
+            <a:ext cx="1391880" cy="1315886"/>
+          </a:xfrm>
+          <a:prstGeom prst="line">
+            <a:avLst/>
+          </a:prstGeom>
+          <a:ln>
+            <a:solidFill>
+              <a:srgbClr val="7030A0"/>
+            </a:solidFill>
+            <a:prstDash val="solid"/>
+          </a:ln>
+        </p:spPr>
+        <p:style>
+          <a:lnRef idx="1">
+            <a:schemeClr val="accent1"/>
+          </a:lnRef>
+          <a:fillRef idx="0">
+            <a:schemeClr val="accent1"/>
+          </a:fillRef>
+          <a:effectRef idx="0">
+            <a:schemeClr val="accent1"/>
+          </a:effectRef>
+          <a:fontRef idx="minor">
+            <a:schemeClr val="tx1"/>
+          </a:fontRef>
+        </p:style>
+      </p:cxnSp>
+      <p:sp>
+        <p:nvSpPr>
+          <p:cNvPr id="145" name="Oval 144">
+            <a:extLst>
+              <a:ext uri="{FF2B5EF4-FFF2-40B4-BE49-F238E27FC236}">
+                <a16:creationId xmlns:a16="http://schemas.microsoft.com/office/drawing/2014/main" id="{EDEEE0E9-206B-F945-AD25-E99C6C76CDD7}"/>
+              </a:ext>
+            </a:extLst>
+          </p:cNvPr>
+          <p:cNvSpPr/>
+          <p:nvPr/>
+        </p:nvSpPr>
+        <p:spPr>
+          <a:xfrm>
+            <a:off x="4243426" y="1397311"/>
             <a:ext cx="182880" cy="182880"/>
           </a:xfrm>
           <a:prstGeom prst="ellipse">
@@ -6387,10 +6658,10 @@
       </p:sp>
       <p:sp>
         <p:nvSpPr>
-          <p:cNvPr id="110" name="Oval 109">
-            <a:extLst>
-              <a:ext uri="{FF2B5EF4-FFF2-40B4-BE49-F238E27FC236}">
-                <a16:creationId xmlns:a16="http://schemas.microsoft.com/office/drawing/2014/main" id="{405F6F03-9CB6-594A-AD8E-6F732BC37D20}"/>
+          <p:cNvPr id="146" name="Oval 145">
+            <a:extLst>
+              <a:ext uri="{FF2B5EF4-FFF2-40B4-BE49-F238E27FC236}">
+                <a16:creationId xmlns:a16="http://schemas.microsoft.com/office/drawing/2014/main" id="{763FBA92-962F-7244-9111-88D3E56F44C6}"/>
               </a:ext>
             </a:extLst>
           </p:cNvPr>
@@ -6399,7 +6670,7 @@
         </p:nvSpPr>
         <p:spPr>
           <a:xfrm>
-            <a:off x="1017475" y="6872324"/>
+            <a:off x="5818186" y="2713197"/>
             <a:ext cx="182880" cy="182880"/>
           </a:xfrm>
           <a:prstGeom prst="ellipse">
@@ -6441,10 +6712,158 @@
       </p:sp>
       <p:sp>
         <p:nvSpPr>
-          <p:cNvPr id="111" name="Oval 110">
-            <a:extLst>
-              <a:ext uri="{FF2B5EF4-FFF2-40B4-BE49-F238E27FC236}">
-                <a16:creationId xmlns:a16="http://schemas.microsoft.com/office/drawing/2014/main" id="{4953CA2E-F0A1-B64E-B4AF-4878AAEEAEE7}"/>
+          <p:cNvPr id="147" name="TextBox 146">
+            <a:extLst>
+              <a:ext uri="{FF2B5EF4-FFF2-40B4-BE49-F238E27FC236}">
+                <a16:creationId xmlns:a16="http://schemas.microsoft.com/office/drawing/2014/main" id="{93CF6E7F-A09A-0C42-9D77-42EE80BE16C9}"/>
+              </a:ext>
+            </a:extLst>
+          </p:cNvPr>
+          <p:cNvSpPr txBox="1"/>
+          <p:nvPr/>
+        </p:nvSpPr>
+        <p:spPr>
+          <a:xfrm rot="16200000">
+            <a:off x="3248360" y="1918110"/>
+            <a:ext cx="917239" cy="276999"/>
+          </a:xfrm>
+          <a:prstGeom prst="rect">
+            <a:avLst/>
+          </a:prstGeom>
+          <a:noFill/>
+        </p:spPr>
+        <p:txBody>
+          <a:bodyPr wrap="none" rtlCol="0">
+            <a:spAutoFit/>
+          </a:bodyPr>
+          <a:lstStyle/>
+          <a:p>
+            <a:r>
+              <a:rPr lang="en-US" sz="1200" dirty="0">
+                <a:latin typeface="Helvetica" pitchFamily="2" charset="0"/>
+              </a:rPr>
+              <a:t>Phenotype</a:t>
+            </a:r>
+          </a:p>
+        </p:txBody>
+      </p:sp>
+      <p:sp>
+        <p:nvSpPr>
+          <p:cNvPr id="148" name="TextBox 147">
+            <a:extLst>
+              <a:ext uri="{FF2B5EF4-FFF2-40B4-BE49-F238E27FC236}">
+                <a16:creationId xmlns:a16="http://schemas.microsoft.com/office/drawing/2014/main" id="{8162E339-D80A-0347-A8B2-373F0762C5AE}"/>
+              </a:ext>
+            </a:extLst>
+          </p:cNvPr>
+          <p:cNvSpPr txBox="1"/>
+          <p:nvPr/>
+        </p:nvSpPr>
+        <p:spPr>
+          <a:xfrm>
+            <a:off x="5979159" y="1334415"/>
+            <a:ext cx="856325" cy="246221"/>
+          </a:xfrm>
+          <a:prstGeom prst="rect">
+            <a:avLst/>
+          </a:prstGeom>
+          <a:noFill/>
+        </p:spPr>
+        <p:txBody>
+          <a:bodyPr wrap="none" rtlCol="0">
+            <a:spAutoFit/>
+          </a:bodyPr>
+          <a:lstStyle/>
+          <a:p>
+            <a:r>
+              <a:rPr lang="en-US" sz="1000" dirty="0">
+                <a:latin typeface="Helvetica" pitchFamily="2" charset="0"/>
+              </a:rPr>
+              <a:t>Genotype A</a:t>
+            </a:r>
+          </a:p>
+        </p:txBody>
+      </p:sp>
+      <p:sp>
+        <p:nvSpPr>
+          <p:cNvPr id="159" name="TextBox 158">
+            <a:extLst>
+              <a:ext uri="{FF2B5EF4-FFF2-40B4-BE49-F238E27FC236}">
+                <a16:creationId xmlns:a16="http://schemas.microsoft.com/office/drawing/2014/main" id="{C6CFA935-8C2B-5D42-B54A-07AD0F87B148}"/>
+              </a:ext>
+            </a:extLst>
+          </p:cNvPr>
+          <p:cNvSpPr txBox="1"/>
+          <p:nvPr/>
+        </p:nvSpPr>
+        <p:spPr>
+          <a:xfrm>
+            <a:off x="5977737" y="2688328"/>
+            <a:ext cx="856325" cy="246221"/>
+          </a:xfrm>
+          <a:prstGeom prst="rect">
+            <a:avLst/>
+          </a:prstGeom>
+          <a:noFill/>
+        </p:spPr>
+        <p:txBody>
+          <a:bodyPr wrap="none" rtlCol="0">
+            <a:spAutoFit/>
+          </a:bodyPr>
+          <a:lstStyle/>
+          <a:p>
+            <a:r>
+              <a:rPr lang="en-US" sz="1000" dirty="0">
+                <a:latin typeface="Helvetica" pitchFamily="2" charset="0"/>
+              </a:rPr>
+              <a:t>Genotype B</a:t>
+            </a:r>
+          </a:p>
+        </p:txBody>
+      </p:sp>
+      <p:sp>
+        <p:nvSpPr>
+          <p:cNvPr id="160" name="TextBox 159">
+            <a:extLst>
+              <a:ext uri="{FF2B5EF4-FFF2-40B4-BE49-F238E27FC236}">
+                <a16:creationId xmlns:a16="http://schemas.microsoft.com/office/drawing/2014/main" id="{0FC7D7AE-7038-604A-9DEC-82126BCD0D4B}"/>
+              </a:ext>
+            </a:extLst>
+          </p:cNvPr>
+          <p:cNvSpPr txBox="1"/>
+          <p:nvPr/>
+        </p:nvSpPr>
+        <p:spPr>
+          <a:xfrm>
+            <a:off x="3890320" y="1161930"/>
+            <a:ext cx="338554" cy="369332"/>
+          </a:xfrm>
+          <a:prstGeom prst="rect">
+            <a:avLst/>
+          </a:prstGeom>
+          <a:noFill/>
+        </p:spPr>
+        <p:txBody>
+          <a:bodyPr wrap="none" rtlCol="0">
+            <a:spAutoFit/>
+          </a:bodyPr>
+          <a:lstStyle/>
+          <a:p>
+            <a:r>
+              <a:rPr lang="en-US" dirty="0">
+                <a:latin typeface="Helvetica" pitchFamily="2" charset="0"/>
+              </a:rPr>
+              <a:t>F</a:t>
+            </a:r>
+          </a:p>
+        </p:txBody>
+      </p:sp>
+      <p:sp>
+        <p:nvSpPr>
+          <p:cNvPr id="161" name="Half Frame 160">
+            <a:extLst>
+              <a:ext uri="{FF2B5EF4-FFF2-40B4-BE49-F238E27FC236}">
+                <a16:creationId xmlns:a16="http://schemas.microsoft.com/office/drawing/2014/main" id="{F181BFAD-201A-C444-8D57-AEC0077DE42A}"/>
               </a:ext>
             </a:extLst>
           </p:cNvPr>
@@ -6452,8 +6871,335 @@
           <p:nvPr/>
         </p:nvSpPr>
         <p:spPr>
-          <a:xfrm>
-            <a:off x="2600102" y="8183793"/>
+          <a:xfrm rot="16200000">
+            <a:off x="976072" y="915906"/>
+            <a:ext cx="1889760" cy="2560321"/>
+          </a:xfrm>
+          <a:prstGeom prst="halfFrame">
+            <a:avLst>
+              <a:gd name="adj1" fmla="val 1313"/>
+              <a:gd name="adj2" fmla="val 1403"/>
+            </a:avLst>
+          </a:prstGeom>
+          <a:solidFill>
+            <a:schemeClr val="tx1"/>
+          </a:solidFill>
+          <a:ln>
+            <a:noFill/>
+          </a:ln>
+        </p:spPr>
+        <p:style>
+          <a:lnRef idx="2">
+            <a:schemeClr val="accent1">
+              <a:shade val="50000"/>
+            </a:schemeClr>
+          </a:lnRef>
+          <a:fillRef idx="1">
+            <a:schemeClr val="accent1"/>
+          </a:fillRef>
+          <a:effectRef idx="0">
+            <a:schemeClr val="accent1"/>
+          </a:effectRef>
+          <a:fontRef idx="minor">
+            <a:schemeClr val="lt1"/>
+          </a:fontRef>
+        </p:style>
+        <p:txBody>
+          <a:bodyPr rtlCol="0" anchor="ctr"/>
+          <a:lstStyle/>
+          <a:p>
+            <a:pPr algn="ctr"/>
+            <a:endParaRPr lang="en-US">
+              <a:solidFill>
+                <a:schemeClr val="tx1"/>
+              </a:solidFill>
+            </a:endParaRPr>
+          </a:p>
+        </p:txBody>
+      </p:sp>
+      <p:sp>
+        <p:nvSpPr>
+          <p:cNvPr id="162" name="Rectangle 161">
+            <a:extLst>
+              <a:ext uri="{FF2B5EF4-FFF2-40B4-BE49-F238E27FC236}">
+                <a16:creationId xmlns:a16="http://schemas.microsoft.com/office/drawing/2014/main" id="{3D45CC60-74D9-0745-9508-C09F7FC51479}"/>
+              </a:ext>
+            </a:extLst>
+          </p:cNvPr>
+          <p:cNvSpPr/>
+          <p:nvPr/>
+        </p:nvSpPr>
+        <p:spPr>
+          <a:xfrm>
+            <a:off x="1140494" y="3046825"/>
+            <a:ext cx="57361" cy="168708"/>
+          </a:xfrm>
+          <a:prstGeom prst="rect">
+            <a:avLst/>
+          </a:prstGeom>
+          <a:solidFill>
+            <a:schemeClr val="accent6">
+              <a:lumMod val="50000"/>
+            </a:schemeClr>
+          </a:solidFill>
+          <a:ln>
+            <a:noFill/>
+          </a:ln>
+        </p:spPr>
+        <p:style>
+          <a:lnRef idx="2">
+            <a:schemeClr val="accent1">
+              <a:shade val="50000"/>
+            </a:schemeClr>
+          </a:lnRef>
+          <a:fillRef idx="1">
+            <a:schemeClr val="accent1"/>
+          </a:fillRef>
+          <a:effectRef idx="0">
+            <a:schemeClr val="accent1"/>
+          </a:effectRef>
+          <a:fontRef idx="minor">
+            <a:schemeClr val="lt1"/>
+          </a:fontRef>
+        </p:style>
+        <p:txBody>
+          <a:bodyPr rtlCol="0" anchor="ctr"/>
+          <a:lstStyle/>
+          <a:p>
+            <a:pPr algn="ctr"/>
+            <a:endParaRPr lang="en-US"/>
+          </a:p>
+        </p:txBody>
+      </p:sp>
+      <p:sp>
+        <p:nvSpPr>
+          <p:cNvPr id="163" name="Rectangle 162">
+            <a:extLst>
+              <a:ext uri="{FF2B5EF4-FFF2-40B4-BE49-F238E27FC236}">
+                <a16:creationId xmlns:a16="http://schemas.microsoft.com/office/drawing/2014/main" id="{422F249B-64C9-0D46-95AE-7C3311FFEEA2}"/>
+              </a:ext>
+            </a:extLst>
+          </p:cNvPr>
+          <p:cNvSpPr/>
+          <p:nvPr/>
+        </p:nvSpPr>
+        <p:spPr>
+          <a:xfrm>
+            <a:off x="2728896" y="3046825"/>
+            <a:ext cx="57361" cy="168708"/>
+          </a:xfrm>
+          <a:prstGeom prst="rect">
+            <a:avLst/>
+          </a:prstGeom>
+          <a:solidFill>
+            <a:srgbClr val="7030A0"/>
+          </a:solidFill>
+          <a:ln>
+            <a:noFill/>
+          </a:ln>
+        </p:spPr>
+        <p:style>
+          <a:lnRef idx="2">
+            <a:schemeClr val="accent1">
+              <a:shade val="50000"/>
+            </a:schemeClr>
+          </a:lnRef>
+          <a:fillRef idx="1">
+            <a:schemeClr val="accent1"/>
+          </a:fillRef>
+          <a:effectRef idx="0">
+            <a:schemeClr val="accent1"/>
+          </a:effectRef>
+          <a:fontRef idx="minor">
+            <a:schemeClr val="lt1"/>
+          </a:fontRef>
+        </p:style>
+        <p:txBody>
+          <a:bodyPr rtlCol="0" anchor="ctr"/>
+          <a:lstStyle/>
+          <a:p>
+            <a:pPr algn="ctr"/>
+            <a:endParaRPr lang="en-US"/>
+          </a:p>
+        </p:txBody>
+      </p:sp>
+      <p:sp>
+        <p:nvSpPr>
+          <p:cNvPr id="164" name="Oval 163">
+            <a:extLst>
+              <a:ext uri="{FF2B5EF4-FFF2-40B4-BE49-F238E27FC236}">
+                <a16:creationId xmlns:a16="http://schemas.microsoft.com/office/drawing/2014/main" id="{86E2567C-7AF8-1141-8AA4-1CDBCBD1B8F2}"/>
+              </a:ext>
+            </a:extLst>
+          </p:cNvPr>
+          <p:cNvSpPr/>
+          <p:nvPr/>
+        </p:nvSpPr>
+        <p:spPr>
+          <a:xfrm>
+            <a:off x="1075894" y="2700548"/>
+            <a:ext cx="182880" cy="182880"/>
+          </a:xfrm>
+          <a:prstGeom prst="ellipse">
+            <a:avLst/>
+          </a:prstGeom>
+          <a:solidFill>
+            <a:schemeClr val="accent6">
+              <a:lumMod val="50000"/>
+            </a:schemeClr>
+          </a:solidFill>
+          <a:ln>
+            <a:noFill/>
+          </a:ln>
+        </p:spPr>
+        <p:style>
+          <a:lnRef idx="2">
+            <a:schemeClr val="accent1">
+              <a:shade val="50000"/>
+            </a:schemeClr>
+          </a:lnRef>
+          <a:fillRef idx="1">
+            <a:schemeClr val="accent1"/>
+          </a:fillRef>
+          <a:effectRef idx="0">
+            <a:schemeClr val="accent1"/>
+          </a:effectRef>
+          <a:fontRef idx="minor">
+            <a:schemeClr val="lt1"/>
+          </a:fontRef>
+        </p:style>
+        <p:txBody>
+          <a:bodyPr rtlCol="0" anchor="ctr"/>
+          <a:lstStyle/>
+          <a:p>
+            <a:pPr algn="ctr"/>
+            <a:endParaRPr lang="en-US"/>
+          </a:p>
+        </p:txBody>
+      </p:sp>
+      <p:sp>
+        <p:nvSpPr>
+          <p:cNvPr id="165" name="Oval 164">
+            <a:extLst>
+              <a:ext uri="{FF2B5EF4-FFF2-40B4-BE49-F238E27FC236}">
+                <a16:creationId xmlns:a16="http://schemas.microsoft.com/office/drawing/2014/main" id="{40887A1D-52EC-474D-82AA-A483D9653070}"/>
+              </a:ext>
+            </a:extLst>
+          </p:cNvPr>
+          <p:cNvSpPr/>
+          <p:nvPr/>
+        </p:nvSpPr>
+        <p:spPr>
+          <a:xfrm>
+            <a:off x="2665128" y="1373755"/>
+            <a:ext cx="182880" cy="182880"/>
+          </a:xfrm>
+          <a:prstGeom prst="ellipse">
+            <a:avLst/>
+          </a:prstGeom>
+          <a:solidFill>
+            <a:srgbClr val="7030A0"/>
+          </a:solidFill>
+          <a:ln>
+            <a:solidFill>
+              <a:srgbClr val="7030A0"/>
+            </a:solidFill>
+          </a:ln>
+        </p:spPr>
+        <p:style>
+          <a:lnRef idx="2">
+            <a:schemeClr val="accent1">
+              <a:shade val="50000"/>
+            </a:schemeClr>
+          </a:lnRef>
+          <a:fillRef idx="1">
+            <a:schemeClr val="accent1"/>
+          </a:fillRef>
+          <a:effectRef idx="0">
+            <a:schemeClr val="accent1"/>
+          </a:effectRef>
+          <a:fontRef idx="minor">
+            <a:schemeClr val="lt1"/>
+          </a:fontRef>
+        </p:style>
+        <p:txBody>
+          <a:bodyPr rtlCol="0" anchor="ctr"/>
+          <a:lstStyle/>
+          <a:p>
+            <a:pPr algn="ctr"/>
+            <a:endParaRPr lang="en-US"/>
+          </a:p>
+        </p:txBody>
+      </p:sp>
+      <p:sp>
+        <p:nvSpPr>
+          <p:cNvPr id="166" name="Oval 165">
+            <a:extLst>
+              <a:ext uri="{FF2B5EF4-FFF2-40B4-BE49-F238E27FC236}">
+                <a16:creationId xmlns:a16="http://schemas.microsoft.com/office/drawing/2014/main" id="{E87AEEB7-9DA4-2440-9756-A53B7F599EC1}"/>
+              </a:ext>
+            </a:extLst>
+          </p:cNvPr>
+          <p:cNvSpPr/>
+          <p:nvPr/>
+        </p:nvSpPr>
+        <p:spPr>
+          <a:xfrm>
+            <a:off x="1077364" y="1385435"/>
+            <a:ext cx="182880" cy="182880"/>
+          </a:xfrm>
+          <a:prstGeom prst="ellipse">
+            <a:avLst/>
+          </a:prstGeom>
+          <a:solidFill>
+            <a:srgbClr val="7030A0"/>
+          </a:solidFill>
+          <a:ln>
+            <a:solidFill>
+              <a:srgbClr val="7030A0"/>
+            </a:solidFill>
+          </a:ln>
+        </p:spPr>
+        <p:style>
+          <a:lnRef idx="2">
+            <a:schemeClr val="accent1">
+              <a:shade val="50000"/>
+            </a:schemeClr>
+          </a:lnRef>
+          <a:fillRef idx="1">
+            <a:schemeClr val="accent1"/>
+          </a:fillRef>
+          <a:effectRef idx="0">
+            <a:schemeClr val="accent1"/>
+          </a:effectRef>
+          <a:fontRef idx="minor">
+            <a:schemeClr val="lt1"/>
+          </a:fontRef>
+        </p:style>
+        <p:txBody>
+          <a:bodyPr rtlCol="0" anchor="ctr"/>
+          <a:lstStyle/>
+          <a:p>
+            <a:pPr algn="ctr"/>
+            <a:endParaRPr lang="en-US"/>
+          </a:p>
+        </p:txBody>
+      </p:sp>
+      <p:sp>
+        <p:nvSpPr>
+          <p:cNvPr id="167" name="Oval 166">
+            <a:extLst>
+              <a:ext uri="{FF2B5EF4-FFF2-40B4-BE49-F238E27FC236}">
+                <a16:creationId xmlns:a16="http://schemas.microsoft.com/office/drawing/2014/main" id="{E4D28923-A092-2845-900E-754C34F6F746}"/>
+              </a:ext>
+            </a:extLst>
+          </p:cNvPr>
+          <p:cNvSpPr/>
+          <p:nvPr/>
+        </p:nvSpPr>
+        <p:spPr>
+          <a:xfrm>
+            <a:off x="2659991" y="2696904"/>
             <a:ext cx="182880" cy="182880"/>
           </a:xfrm>
           <a:prstGeom prst="ellipse">
@@ -6499,10 +7245,10 @@
       </p:sp>
       <p:sp>
         <p:nvSpPr>
-          <p:cNvPr id="112" name="TextBox 111">
-            <a:extLst>
-              <a:ext uri="{FF2B5EF4-FFF2-40B4-BE49-F238E27FC236}">
-                <a16:creationId xmlns:a16="http://schemas.microsoft.com/office/drawing/2014/main" id="{7FC99BBB-592F-3843-BD21-8391248A3DD1}"/>
+          <p:cNvPr id="168" name="TextBox 167">
+            <a:extLst>
+              <a:ext uri="{FF2B5EF4-FFF2-40B4-BE49-F238E27FC236}">
+                <a16:creationId xmlns:a16="http://schemas.microsoft.com/office/drawing/2014/main" id="{08717E27-8431-D84B-8B39-00675ED26415}"/>
               </a:ext>
             </a:extLst>
           </p:cNvPr>
@@ -6511,7 +7257,7 @@
         </p:nvSpPr>
         <p:spPr>
           <a:xfrm rot="16200000">
-            <a:off x="19234" y="7404998"/>
+            <a:off x="79123" y="1918109"/>
             <a:ext cx="917239" cy="276999"/>
           </a:xfrm>
           <a:prstGeom prst="rect">
@@ -6536,10 +7282,10 @@
       </p:sp>
       <p:sp>
         <p:nvSpPr>
-          <p:cNvPr id="113" name="TextBox 112">
-            <a:extLst>
-              <a:ext uri="{FF2B5EF4-FFF2-40B4-BE49-F238E27FC236}">
-                <a16:creationId xmlns:a16="http://schemas.microsoft.com/office/drawing/2014/main" id="{CFD3E58B-BFB1-7F41-8801-B6FBBDBAE24E}"/>
+          <p:cNvPr id="169" name="TextBox 168">
+            <a:extLst>
+              <a:ext uri="{FF2B5EF4-FFF2-40B4-BE49-F238E27FC236}">
+                <a16:creationId xmlns:a16="http://schemas.microsoft.com/office/drawing/2014/main" id="{6676A6C9-82FF-A345-9460-AA66E6595593}"/>
               </a:ext>
             </a:extLst>
           </p:cNvPr>
@@ -6548,7 +7294,7 @@
         </p:nvSpPr>
         <p:spPr>
           <a:xfrm>
-            <a:off x="2747364" y="6837177"/>
+            <a:off x="2807253" y="1350288"/>
             <a:ext cx="856325" cy="246221"/>
           </a:xfrm>
           <a:prstGeom prst="rect">
@@ -6573,10 +7319,10 @@
       </p:sp>
       <p:sp>
         <p:nvSpPr>
-          <p:cNvPr id="123" name="TextBox 122">
-            <a:extLst>
-              <a:ext uri="{FF2B5EF4-FFF2-40B4-BE49-F238E27FC236}">
-                <a16:creationId xmlns:a16="http://schemas.microsoft.com/office/drawing/2014/main" id="{47AD348E-51A7-3C41-820A-5C96AD0478CC}"/>
+          <p:cNvPr id="170" name="TextBox 169">
+            <a:extLst>
+              <a:ext uri="{FF2B5EF4-FFF2-40B4-BE49-F238E27FC236}">
+                <a16:creationId xmlns:a16="http://schemas.microsoft.com/office/drawing/2014/main" id="{CBBFBF1C-D8A4-AF42-B363-A776A8E92404}"/>
               </a:ext>
             </a:extLst>
           </p:cNvPr>
@@ -6585,7 +7331,7 @@
         </p:nvSpPr>
         <p:spPr>
           <a:xfrm>
-            <a:off x="2739715" y="8160608"/>
+            <a:off x="2799604" y="2673719"/>
             <a:ext cx="856325" cy="246221"/>
           </a:xfrm>
           <a:prstGeom prst="rect">
@@ -6610,23 +7356,23 @@
       </p:sp>
       <p:cxnSp>
         <p:nvCxnSpPr>
-          <p:cNvPr id="124" name="Straight Connector 123">
-            <a:extLst>
-              <a:ext uri="{FF2B5EF4-FFF2-40B4-BE49-F238E27FC236}">
-                <a16:creationId xmlns:a16="http://schemas.microsoft.com/office/drawing/2014/main" id="{33B7E51C-2B10-224A-A2F7-58EC40ACC43A}"/>
+          <p:cNvPr id="171" name="Straight Connector 170">
+            <a:extLst>
+              <a:ext uri="{FF2B5EF4-FFF2-40B4-BE49-F238E27FC236}">
+                <a16:creationId xmlns:a16="http://schemas.microsoft.com/office/drawing/2014/main" id="{DDF312E0-ECD6-A842-A19A-2268A48ACF86}"/>
               </a:ext>
             </a:extLst>
           </p:cNvPr>
           <p:cNvCxnSpPr>
             <a:cxnSpLocks/>
-            <a:stCxn id="93" idx="6"/>
-            <a:endCxn id="111" idx="2"/>
+            <a:stCxn id="164" idx="6"/>
+            <a:endCxn id="167" idx="2"/>
           </p:cNvCxnSpPr>
           <p:nvPr/>
         </p:nvCxnSpPr>
         <p:spPr>
           <a:xfrm flipV="1">
-            <a:off x="1198885" y="8275233"/>
+            <a:off x="1258774" y="2788344"/>
             <a:ext cx="1401217" cy="3644"/>
           </a:xfrm>
           <a:prstGeom prst="line">
@@ -6658,23 +7404,23 @@
       </p:cxnSp>
       <p:cxnSp>
         <p:nvCxnSpPr>
-          <p:cNvPr id="125" name="Straight Connector 124">
-            <a:extLst>
-              <a:ext uri="{FF2B5EF4-FFF2-40B4-BE49-F238E27FC236}">
-                <a16:creationId xmlns:a16="http://schemas.microsoft.com/office/drawing/2014/main" id="{0578F149-1BE8-F345-8903-C3C54AD567B0}"/>
+          <p:cNvPr id="172" name="Straight Connector 171">
+            <a:extLst>
+              <a:ext uri="{FF2B5EF4-FFF2-40B4-BE49-F238E27FC236}">
+                <a16:creationId xmlns:a16="http://schemas.microsoft.com/office/drawing/2014/main" id="{F8CCACE9-D8AE-4B48-B7BA-D036B7DAE5A4}"/>
               </a:ext>
             </a:extLst>
           </p:cNvPr>
           <p:cNvCxnSpPr>
             <a:cxnSpLocks/>
-            <a:stCxn id="110" idx="6"/>
-            <a:endCxn id="108" idx="6"/>
+            <a:stCxn id="166" idx="6"/>
+            <a:endCxn id="165" idx="6"/>
           </p:cNvCxnSpPr>
           <p:nvPr/>
         </p:nvCxnSpPr>
         <p:spPr>
           <a:xfrm flipV="1">
-            <a:off x="1200355" y="6952084"/>
+            <a:off x="1260244" y="1465195"/>
             <a:ext cx="1587764" cy="11680"/>
           </a:xfrm>
           <a:prstGeom prst="line">
@@ -6704,10 +7450,10 @@
       </p:cxnSp>
       <p:sp>
         <p:nvSpPr>
-          <p:cNvPr id="126" name="TextBox 125">
-            <a:extLst>
-              <a:ext uri="{FF2B5EF4-FFF2-40B4-BE49-F238E27FC236}">
-                <a16:creationId xmlns:a16="http://schemas.microsoft.com/office/drawing/2014/main" id="{DB50EE72-227E-F345-8303-603E831F6B71}"/>
+          <p:cNvPr id="173" name="TextBox 172">
+            <a:extLst>
+              <a:ext uri="{FF2B5EF4-FFF2-40B4-BE49-F238E27FC236}">
+                <a16:creationId xmlns:a16="http://schemas.microsoft.com/office/drawing/2014/main" id="{C728D3B1-0A98-744C-874B-CAE4E2E39AA3}"/>
               </a:ext>
             </a:extLst>
           </p:cNvPr>
@@ -6716,8 +7462,8 @@
         </p:nvSpPr>
         <p:spPr>
           <a:xfrm>
-            <a:off x="3830431" y="549247"/>
-            <a:ext cx="2531462" cy="584775"/>
+            <a:off x="753454" y="1159973"/>
+            <a:ext cx="312906" cy="369332"/>
           </a:xfrm>
           <a:prstGeom prst="rect">
             <a:avLst/>
@@ -6730,519 +7476,21 @@
           </a:bodyPr>
           <a:lstStyle/>
           <a:p>
-            <a:pPr algn="ctr"/>
-            <a:r>
-              <a:rPr lang="en-US" dirty="0" err="1">
-                <a:latin typeface="Helvetica" pitchFamily="2" charset="0"/>
-              </a:rPr>
-              <a:t>GxE</a:t>
-            </a:r>
-            <a:endParaRPr lang="en-US" dirty="0">
-              <a:latin typeface="Helvetica" pitchFamily="2" charset="0"/>
-            </a:endParaRPr>
-          </a:p>
-          <a:p>
-            <a:pPr algn="ctr"/>
-            <a:r>
-              <a:rPr lang="en-US" sz="1400" dirty="0">
-                <a:latin typeface="Helvetica" pitchFamily="2" charset="0"/>
-              </a:rPr>
-              <a:t>(Reaction norms not parallel) </a:t>
-            </a:r>
-          </a:p>
-        </p:txBody>
-      </p:sp>
-      <p:sp>
-        <p:nvSpPr>
-          <p:cNvPr id="127" name="TextBox 126">
-            <a:extLst>
-              <a:ext uri="{FF2B5EF4-FFF2-40B4-BE49-F238E27FC236}">
-                <a16:creationId xmlns:a16="http://schemas.microsoft.com/office/drawing/2014/main" id="{A88E3520-7078-9448-B104-5033702AB4BF}"/>
-              </a:ext>
-            </a:extLst>
-          </p:cNvPr>
-          <p:cNvSpPr txBox="1"/>
-          <p:nvPr/>
-        </p:nvSpPr>
-        <p:spPr>
-          <a:xfrm>
-            <a:off x="693565" y="6646862"/>
-            <a:ext cx="338554" cy="369332"/>
-          </a:xfrm>
-          <a:prstGeom prst="rect">
-            <a:avLst/>
-          </a:prstGeom>
-          <a:noFill/>
-        </p:spPr>
-        <p:txBody>
-          <a:bodyPr wrap="none" rtlCol="0">
-            <a:spAutoFit/>
-          </a:bodyPr>
-          <a:lstStyle/>
-          <a:p>
             <a:r>
               <a:rPr lang="en-US" dirty="0">
                 <a:latin typeface="Helvetica" pitchFamily="2" charset="0"/>
               </a:rPr>
-              <a:t>E</a:t>
-            </a:r>
-          </a:p>
-        </p:txBody>
-      </p:sp>
-      <p:sp>
-        <p:nvSpPr>
-          <p:cNvPr id="29" name="Diamond 28">
-            <a:extLst>
-              <a:ext uri="{FF2B5EF4-FFF2-40B4-BE49-F238E27FC236}">
-                <a16:creationId xmlns:a16="http://schemas.microsoft.com/office/drawing/2014/main" id="{64A3AE73-8C6A-4649-9692-F88F0D1E3053}"/>
-              </a:ext>
-            </a:extLst>
-          </p:cNvPr>
-          <p:cNvSpPr>
-            <a:spLocks noChangeAspect="1"/>
-          </p:cNvSpPr>
-          <p:nvPr/>
-        </p:nvSpPr>
-        <p:spPr>
-          <a:xfrm>
-            <a:off x="2607888" y="1456823"/>
-            <a:ext cx="182880" cy="182880"/>
-          </a:xfrm>
-          <a:prstGeom prst="diamond">
-            <a:avLst/>
-          </a:prstGeom>
-          <a:solidFill>
-            <a:srgbClr val="7030A0"/>
-          </a:solidFill>
-          <a:ln>
-            <a:solidFill>
-              <a:srgbClr val="7030A0"/>
-            </a:solidFill>
-          </a:ln>
-        </p:spPr>
-        <p:style>
-          <a:lnRef idx="2">
-            <a:schemeClr val="accent1">
-              <a:shade val="50000"/>
-            </a:schemeClr>
-          </a:lnRef>
-          <a:fillRef idx="1">
-            <a:schemeClr val="accent1"/>
-          </a:fillRef>
-          <a:effectRef idx="0">
-            <a:schemeClr val="accent1"/>
-          </a:effectRef>
-          <a:fontRef idx="minor">
-            <a:schemeClr val="lt1"/>
-          </a:fontRef>
-        </p:style>
-        <p:txBody>
-          <a:bodyPr rtlCol="0" anchor="ctr"/>
-          <a:lstStyle/>
-          <a:p>
-            <a:pPr algn="ctr"/>
-            <a:endParaRPr lang="en-US"/>
-          </a:p>
-        </p:txBody>
-      </p:sp>
-      <p:sp>
-        <p:nvSpPr>
-          <p:cNvPr id="135" name="Diamond 134">
-            <a:extLst>
-              <a:ext uri="{FF2B5EF4-FFF2-40B4-BE49-F238E27FC236}">
-                <a16:creationId xmlns:a16="http://schemas.microsoft.com/office/drawing/2014/main" id="{C058A130-21BB-FA4C-8D81-CF625F51F06D}"/>
-              </a:ext>
-            </a:extLst>
-          </p:cNvPr>
-          <p:cNvSpPr>
-            <a:spLocks noChangeAspect="1"/>
-          </p:cNvSpPr>
-          <p:nvPr/>
-        </p:nvSpPr>
-        <p:spPr>
-          <a:xfrm>
-            <a:off x="1016590" y="2121470"/>
-            <a:ext cx="182880" cy="182880"/>
-          </a:xfrm>
-          <a:prstGeom prst="diamond">
-            <a:avLst/>
-          </a:prstGeom>
-          <a:solidFill>
-            <a:srgbClr val="7030A0"/>
-          </a:solidFill>
-          <a:ln>
-            <a:solidFill>
-              <a:srgbClr val="7030A0"/>
-            </a:solidFill>
-          </a:ln>
-        </p:spPr>
-        <p:style>
-          <a:lnRef idx="2">
-            <a:schemeClr val="accent1">
-              <a:shade val="50000"/>
-            </a:schemeClr>
-          </a:lnRef>
-          <a:fillRef idx="1">
-            <a:schemeClr val="accent1"/>
-          </a:fillRef>
-          <a:effectRef idx="0">
-            <a:schemeClr val="accent1"/>
-          </a:effectRef>
-          <a:fontRef idx="minor">
-            <a:schemeClr val="lt1"/>
-          </a:fontRef>
-        </p:style>
-        <p:txBody>
-          <a:bodyPr rtlCol="0" anchor="ctr"/>
-          <a:lstStyle/>
-          <a:p>
-            <a:pPr algn="ctr"/>
-            <a:endParaRPr lang="en-US"/>
-          </a:p>
-        </p:txBody>
-      </p:sp>
-      <p:sp>
-        <p:nvSpPr>
-          <p:cNvPr id="136" name="Diamond 135">
-            <a:extLst>
-              <a:ext uri="{FF2B5EF4-FFF2-40B4-BE49-F238E27FC236}">
-                <a16:creationId xmlns:a16="http://schemas.microsoft.com/office/drawing/2014/main" id="{F87DACE1-2E87-1149-BDD6-58E7A72512D7}"/>
-              </a:ext>
-            </a:extLst>
-          </p:cNvPr>
-          <p:cNvSpPr>
-            <a:spLocks noChangeAspect="1"/>
-          </p:cNvSpPr>
-          <p:nvPr/>
-        </p:nvSpPr>
-        <p:spPr>
-          <a:xfrm>
-            <a:off x="5757175" y="1465255"/>
-            <a:ext cx="182880" cy="182880"/>
-          </a:xfrm>
-          <a:prstGeom prst="diamond">
-            <a:avLst/>
-          </a:prstGeom>
-          <a:solidFill>
-            <a:srgbClr val="7030A0"/>
-          </a:solidFill>
-          <a:ln>
-            <a:solidFill>
-              <a:srgbClr val="7030A0"/>
-            </a:solidFill>
-          </a:ln>
-        </p:spPr>
-        <p:style>
-          <a:lnRef idx="2">
-            <a:schemeClr val="accent1">
-              <a:shade val="50000"/>
-            </a:schemeClr>
-          </a:lnRef>
-          <a:fillRef idx="1">
-            <a:schemeClr val="accent1"/>
-          </a:fillRef>
-          <a:effectRef idx="0">
-            <a:schemeClr val="accent1"/>
-          </a:effectRef>
-          <a:fontRef idx="minor">
-            <a:schemeClr val="lt1"/>
-          </a:fontRef>
-        </p:style>
-        <p:txBody>
-          <a:bodyPr rtlCol="0" anchor="ctr"/>
-          <a:lstStyle/>
-          <a:p>
-            <a:pPr algn="ctr"/>
-            <a:endParaRPr lang="en-US"/>
-          </a:p>
-        </p:txBody>
-      </p:sp>
-      <p:sp>
-        <p:nvSpPr>
-          <p:cNvPr id="137" name="Diamond 136">
-            <a:extLst>
-              <a:ext uri="{FF2B5EF4-FFF2-40B4-BE49-F238E27FC236}">
-                <a16:creationId xmlns:a16="http://schemas.microsoft.com/office/drawing/2014/main" id="{D94C18E1-2C00-8C4F-85EB-3382F339ADC9}"/>
-              </a:ext>
-            </a:extLst>
-          </p:cNvPr>
-          <p:cNvSpPr>
-            <a:spLocks noChangeAspect="1"/>
-          </p:cNvSpPr>
-          <p:nvPr/>
-        </p:nvSpPr>
-        <p:spPr>
-          <a:xfrm>
-            <a:off x="4185261" y="2368381"/>
-            <a:ext cx="182880" cy="182880"/>
-          </a:xfrm>
-          <a:prstGeom prst="diamond">
-            <a:avLst/>
-          </a:prstGeom>
-          <a:solidFill>
-            <a:srgbClr val="7030A0"/>
-          </a:solidFill>
-          <a:ln>
-            <a:solidFill>
-              <a:srgbClr val="7030A0"/>
-            </a:solidFill>
-          </a:ln>
-        </p:spPr>
-        <p:style>
-          <a:lnRef idx="2">
-            <a:schemeClr val="accent1">
-              <a:shade val="50000"/>
-            </a:schemeClr>
-          </a:lnRef>
-          <a:fillRef idx="1">
-            <a:schemeClr val="accent1"/>
-          </a:fillRef>
-          <a:effectRef idx="0">
-            <a:schemeClr val="accent1"/>
-          </a:effectRef>
-          <a:fontRef idx="minor">
-            <a:schemeClr val="lt1"/>
-          </a:fontRef>
-        </p:style>
-        <p:txBody>
-          <a:bodyPr rtlCol="0" anchor="ctr"/>
-          <a:lstStyle/>
-          <a:p>
-            <a:pPr algn="ctr"/>
-            <a:endParaRPr lang="en-US"/>
-          </a:p>
-        </p:txBody>
-      </p:sp>
-      <p:sp>
-        <p:nvSpPr>
-          <p:cNvPr id="138" name="Diamond 137">
-            <a:extLst>
-              <a:ext uri="{FF2B5EF4-FFF2-40B4-BE49-F238E27FC236}">
-                <a16:creationId xmlns:a16="http://schemas.microsoft.com/office/drawing/2014/main" id="{5069E222-D5C5-B241-81B7-345A3B46433E}"/>
-              </a:ext>
-            </a:extLst>
-          </p:cNvPr>
-          <p:cNvSpPr>
-            <a:spLocks noChangeAspect="1"/>
-          </p:cNvSpPr>
-          <p:nvPr/>
-        </p:nvSpPr>
-        <p:spPr>
-          <a:xfrm>
-            <a:off x="5756671" y="5062344"/>
-            <a:ext cx="182880" cy="182880"/>
-          </a:xfrm>
-          <a:prstGeom prst="diamond">
-            <a:avLst/>
-          </a:prstGeom>
-          <a:solidFill>
-            <a:srgbClr val="7030A0"/>
-          </a:solidFill>
-          <a:ln>
-            <a:solidFill>
-              <a:srgbClr val="7030A0"/>
-            </a:solidFill>
-          </a:ln>
-        </p:spPr>
-        <p:style>
-          <a:lnRef idx="2">
-            <a:schemeClr val="accent1">
-              <a:shade val="50000"/>
-            </a:schemeClr>
-          </a:lnRef>
-          <a:fillRef idx="1">
-            <a:schemeClr val="accent1"/>
-          </a:fillRef>
-          <a:effectRef idx="0">
-            <a:schemeClr val="accent1"/>
-          </a:effectRef>
-          <a:fontRef idx="minor">
-            <a:schemeClr val="lt1"/>
-          </a:fontRef>
-        </p:style>
-        <p:txBody>
-          <a:bodyPr rtlCol="0" anchor="ctr"/>
-          <a:lstStyle/>
-          <a:p>
-            <a:pPr algn="ctr"/>
-            <a:endParaRPr lang="en-US"/>
-          </a:p>
-        </p:txBody>
-      </p:sp>
-      <p:sp>
-        <p:nvSpPr>
-          <p:cNvPr id="139" name="Diamond 138">
-            <a:extLst>
-              <a:ext uri="{FF2B5EF4-FFF2-40B4-BE49-F238E27FC236}">
-                <a16:creationId xmlns:a16="http://schemas.microsoft.com/office/drawing/2014/main" id="{631403F7-F253-574A-B8ED-A1A22DD48C43}"/>
-              </a:ext>
-            </a:extLst>
-          </p:cNvPr>
-          <p:cNvSpPr>
-            <a:spLocks noChangeAspect="1"/>
-          </p:cNvSpPr>
-          <p:nvPr/>
-        </p:nvSpPr>
-        <p:spPr>
-          <a:xfrm>
-            <a:off x="4182443" y="5346707"/>
-            <a:ext cx="182880" cy="182880"/>
-          </a:xfrm>
-          <a:prstGeom prst="diamond">
-            <a:avLst/>
-          </a:prstGeom>
-          <a:solidFill>
-            <a:srgbClr val="7030A0"/>
-          </a:solidFill>
-          <a:ln>
-            <a:solidFill>
-              <a:srgbClr val="7030A0"/>
-            </a:solidFill>
-          </a:ln>
-        </p:spPr>
-        <p:style>
-          <a:lnRef idx="2">
-            <a:schemeClr val="accent1">
-              <a:shade val="50000"/>
-            </a:schemeClr>
-          </a:lnRef>
-          <a:fillRef idx="1">
-            <a:schemeClr val="accent1"/>
-          </a:fillRef>
-          <a:effectRef idx="0">
-            <a:schemeClr val="accent1"/>
-          </a:effectRef>
-          <a:fontRef idx="minor">
-            <a:schemeClr val="lt1"/>
-          </a:fontRef>
-        </p:style>
-        <p:txBody>
-          <a:bodyPr rtlCol="0" anchor="ctr"/>
-          <a:lstStyle/>
-          <a:p>
-            <a:pPr algn="ctr"/>
-            <a:endParaRPr lang="en-US"/>
-          </a:p>
-        </p:txBody>
-      </p:sp>
-      <p:sp>
-        <p:nvSpPr>
-          <p:cNvPr id="140" name="Diamond 139">
-            <a:extLst>
-              <a:ext uri="{FF2B5EF4-FFF2-40B4-BE49-F238E27FC236}">
-                <a16:creationId xmlns:a16="http://schemas.microsoft.com/office/drawing/2014/main" id="{70662FD8-83E9-AA47-9DBE-C536BF05BDCA}"/>
-              </a:ext>
-            </a:extLst>
-          </p:cNvPr>
-          <p:cNvSpPr>
-            <a:spLocks noChangeAspect="1"/>
-          </p:cNvSpPr>
-          <p:nvPr/>
-        </p:nvSpPr>
-        <p:spPr>
-          <a:xfrm>
-            <a:off x="2604713" y="4791038"/>
-            <a:ext cx="182880" cy="182880"/>
-          </a:xfrm>
-          <a:prstGeom prst="diamond">
-            <a:avLst/>
-          </a:prstGeom>
-          <a:solidFill>
-            <a:srgbClr val="7030A0"/>
-          </a:solidFill>
-          <a:ln>
-            <a:solidFill>
-              <a:srgbClr val="7030A0"/>
-            </a:solidFill>
-          </a:ln>
-        </p:spPr>
-        <p:style>
-          <a:lnRef idx="2">
-            <a:schemeClr val="accent1">
-              <a:shade val="50000"/>
-            </a:schemeClr>
-          </a:lnRef>
-          <a:fillRef idx="1">
-            <a:schemeClr val="accent1"/>
-          </a:fillRef>
-          <a:effectRef idx="0">
-            <a:schemeClr val="accent1"/>
-          </a:effectRef>
-          <a:fontRef idx="minor">
-            <a:schemeClr val="lt1"/>
-          </a:fontRef>
-        </p:style>
-        <p:txBody>
-          <a:bodyPr rtlCol="0" anchor="ctr"/>
-          <a:lstStyle/>
-          <a:p>
-            <a:pPr algn="ctr"/>
-            <a:endParaRPr lang="en-US"/>
-          </a:p>
-        </p:txBody>
-      </p:sp>
-      <p:sp>
-        <p:nvSpPr>
-          <p:cNvPr id="141" name="Diamond 140">
-            <a:extLst>
-              <a:ext uri="{FF2B5EF4-FFF2-40B4-BE49-F238E27FC236}">
-                <a16:creationId xmlns:a16="http://schemas.microsoft.com/office/drawing/2014/main" id="{590C1B52-2A93-B840-8BB9-D3C9F42E4636}"/>
-              </a:ext>
-            </a:extLst>
-          </p:cNvPr>
-          <p:cNvSpPr>
-            <a:spLocks noChangeAspect="1"/>
-          </p:cNvSpPr>
-          <p:nvPr/>
-        </p:nvSpPr>
-        <p:spPr>
-          <a:xfrm>
-            <a:off x="1016590" y="5455685"/>
-            <a:ext cx="182880" cy="182880"/>
-          </a:xfrm>
-          <a:prstGeom prst="diamond">
-            <a:avLst/>
-          </a:prstGeom>
-          <a:solidFill>
-            <a:srgbClr val="7030A0"/>
-          </a:solidFill>
-          <a:ln>
-            <a:solidFill>
-              <a:srgbClr val="7030A0"/>
-            </a:solidFill>
-          </a:ln>
-        </p:spPr>
-        <p:style>
-          <a:lnRef idx="2">
-            <a:schemeClr val="accent1">
-              <a:shade val="50000"/>
-            </a:schemeClr>
-          </a:lnRef>
-          <a:fillRef idx="1">
-            <a:schemeClr val="accent1"/>
-          </a:fillRef>
-          <a:effectRef idx="0">
-            <a:schemeClr val="accent1"/>
-          </a:effectRef>
-          <a:fontRef idx="minor">
-            <a:schemeClr val="lt1"/>
-          </a:fontRef>
-        </p:style>
-        <p:txBody>
-          <a:bodyPr rtlCol="0" anchor="ctr"/>
-          <a:lstStyle/>
-          <a:p>
-            <a:pPr algn="ctr"/>
-            <a:endParaRPr lang="en-US"/>
-          </a:p>
-        </p:txBody>
-      </p:sp>
-      <p:sp>
-        <p:nvSpPr>
-          <p:cNvPr id="149" name="TextBox 148">
-            <a:extLst>
-              <a:ext uri="{FF2B5EF4-FFF2-40B4-BE49-F238E27FC236}">
-                <a16:creationId xmlns:a16="http://schemas.microsoft.com/office/drawing/2014/main" id="{9E540AFC-98F2-264E-8B6C-94EF081D78CB}"/>
+              <a:t>a</a:t>
+            </a:r>
+          </a:p>
+        </p:txBody>
+      </p:sp>
+      <p:sp>
+        <p:nvSpPr>
+          <p:cNvPr id="174" name="TextBox 173">
+            <a:extLst>
+              <a:ext uri="{FF2B5EF4-FFF2-40B4-BE49-F238E27FC236}">
+                <a16:creationId xmlns:a16="http://schemas.microsoft.com/office/drawing/2014/main" id="{10EAE137-DEFF-6D4F-A7A7-9AD171920E47}"/>
               </a:ext>
             </a:extLst>
           </p:cNvPr>
@@ -7251,7 +7499,7 @@
         </p:nvSpPr>
         <p:spPr>
           <a:xfrm>
-            <a:off x="3655863" y="3250903"/>
+            <a:off x="3777923" y="3177378"/>
             <a:ext cx="1182953" cy="276999"/>
           </a:xfrm>
           <a:prstGeom prst="rect">
@@ -7276,10 +7524,10 @@
       </p:sp>
       <p:sp>
         <p:nvSpPr>
-          <p:cNvPr id="150" name="TextBox 149">
-            <a:extLst>
-              <a:ext uri="{FF2B5EF4-FFF2-40B4-BE49-F238E27FC236}">
-                <a16:creationId xmlns:a16="http://schemas.microsoft.com/office/drawing/2014/main" id="{83DA6CB3-7C0C-FE42-858E-CAEE43BCF767}"/>
+          <p:cNvPr id="175" name="TextBox 174">
+            <a:extLst>
+              <a:ext uri="{FF2B5EF4-FFF2-40B4-BE49-F238E27FC236}">
+                <a16:creationId xmlns:a16="http://schemas.microsoft.com/office/drawing/2014/main" id="{755A2925-AA52-824D-8464-C37C8FCA23C6}"/>
               </a:ext>
             </a:extLst>
           </p:cNvPr>
@@ -7288,7 +7536,7 @@
         </p:nvSpPr>
         <p:spPr>
           <a:xfrm>
-            <a:off x="5250929" y="3250646"/>
+            <a:off x="5372989" y="3177121"/>
             <a:ext cx="1191352" cy="276999"/>
           </a:xfrm>
           <a:prstGeom prst="rect">
@@ -7313,10 +7561,10 @@
       </p:sp>
       <p:sp>
         <p:nvSpPr>
-          <p:cNvPr id="151" name="TextBox 150">
-            <a:extLst>
-              <a:ext uri="{FF2B5EF4-FFF2-40B4-BE49-F238E27FC236}">
-                <a16:creationId xmlns:a16="http://schemas.microsoft.com/office/drawing/2014/main" id="{567B5C67-1007-FB46-A434-9CD16236664A}"/>
+          <p:cNvPr id="176" name="TextBox 175">
+            <a:extLst>
+              <a:ext uri="{FF2B5EF4-FFF2-40B4-BE49-F238E27FC236}">
+                <a16:creationId xmlns:a16="http://schemas.microsoft.com/office/drawing/2014/main" id="{941CD5C4-6B39-4B43-A5BB-82AF8FF22CE6}"/>
               </a:ext>
             </a:extLst>
           </p:cNvPr>
@@ -7325,7 +7573,7 @@
         </p:nvSpPr>
         <p:spPr>
           <a:xfrm>
-            <a:off x="3712733" y="5986177"/>
+            <a:off x="587740" y="3177121"/>
             <a:ext cx="1182953" cy="276999"/>
           </a:xfrm>
           <a:prstGeom prst="rect">
@@ -7350,10 +7598,10 @@
       </p:sp>
       <p:sp>
         <p:nvSpPr>
-          <p:cNvPr id="152" name="TextBox 151">
-            <a:extLst>
-              <a:ext uri="{FF2B5EF4-FFF2-40B4-BE49-F238E27FC236}">
-                <a16:creationId xmlns:a16="http://schemas.microsoft.com/office/drawing/2014/main" id="{357AE774-6CB8-B144-AF71-23E3507A4ED2}"/>
+          <p:cNvPr id="177" name="TextBox 176">
+            <a:extLst>
+              <a:ext uri="{FF2B5EF4-FFF2-40B4-BE49-F238E27FC236}">
+                <a16:creationId xmlns:a16="http://schemas.microsoft.com/office/drawing/2014/main" id="{58719D00-6CFF-4544-859B-68FDB8D1E517}"/>
               </a:ext>
             </a:extLst>
           </p:cNvPr>
@@ -7362,229 +7610,7 @@
         </p:nvSpPr>
         <p:spPr>
           <a:xfrm>
-            <a:off x="5307799" y="5985920"/>
-            <a:ext cx="1191352" cy="276999"/>
-          </a:xfrm>
-          <a:prstGeom prst="rect">
-            <a:avLst/>
-          </a:prstGeom>
-          <a:noFill/>
-        </p:spPr>
-        <p:txBody>
-          <a:bodyPr wrap="none" rtlCol="0">
-            <a:spAutoFit/>
-          </a:bodyPr>
-          <a:lstStyle/>
-          <a:p>
-            <a:r>
-              <a:rPr lang="en-US" sz="1200" dirty="0">
-                <a:latin typeface="Helvetica" pitchFamily="2" charset="0"/>
-              </a:rPr>
-              <a:t>Environment B</a:t>
-            </a:r>
-          </a:p>
-        </p:txBody>
-      </p:sp>
-      <p:sp>
-        <p:nvSpPr>
-          <p:cNvPr id="153" name="TextBox 152">
-            <a:extLst>
-              <a:ext uri="{FF2B5EF4-FFF2-40B4-BE49-F238E27FC236}">
-                <a16:creationId xmlns:a16="http://schemas.microsoft.com/office/drawing/2014/main" id="{576A655E-F546-C74F-B374-A01E62428191}"/>
-              </a:ext>
-            </a:extLst>
-          </p:cNvPr>
-          <p:cNvSpPr txBox="1"/>
-          <p:nvPr/>
-        </p:nvSpPr>
-        <p:spPr>
-          <a:xfrm>
-            <a:off x="3718034" y="8664267"/>
-            <a:ext cx="1182953" cy="276999"/>
-          </a:xfrm>
-          <a:prstGeom prst="rect">
-            <a:avLst/>
-          </a:prstGeom>
-          <a:noFill/>
-        </p:spPr>
-        <p:txBody>
-          <a:bodyPr wrap="none" rtlCol="0">
-            <a:spAutoFit/>
-          </a:bodyPr>
-          <a:lstStyle/>
-          <a:p>
-            <a:r>
-              <a:rPr lang="en-US" sz="1200" dirty="0">
-                <a:latin typeface="Helvetica" pitchFamily="2" charset="0"/>
-              </a:rPr>
-              <a:t>Environment A</a:t>
-            </a:r>
-          </a:p>
-        </p:txBody>
-      </p:sp>
-      <p:sp>
-        <p:nvSpPr>
-          <p:cNvPr id="154" name="TextBox 153">
-            <a:extLst>
-              <a:ext uri="{FF2B5EF4-FFF2-40B4-BE49-F238E27FC236}">
-                <a16:creationId xmlns:a16="http://schemas.microsoft.com/office/drawing/2014/main" id="{C8B9603B-457F-D54D-8780-9624165AE5E7}"/>
-              </a:ext>
-            </a:extLst>
-          </p:cNvPr>
-          <p:cNvSpPr txBox="1"/>
-          <p:nvPr/>
-        </p:nvSpPr>
-        <p:spPr>
-          <a:xfrm>
-            <a:off x="5313100" y="8664010"/>
-            <a:ext cx="1191352" cy="276999"/>
-          </a:xfrm>
-          <a:prstGeom prst="rect">
-            <a:avLst/>
-          </a:prstGeom>
-          <a:noFill/>
-        </p:spPr>
-        <p:txBody>
-          <a:bodyPr wrap="none" rtlCol="0">
-            <a:spAutoFit/>
-          </a:bodyPr>
-          <a:lstStyle/>
-          <a:p>
-            <a:r>
-              <a:rPr lang="en-US" sz="1200" dirty="0">
-                <a:latin typeface="Helvetica" pitchFamily="2" charset="0"/>
-              </a:rPr>
-              <a:t>Environment B</a:t>
-            </a:r>
-          </a:p>
-        </p:txBody>
-      </p:sp>
-      <p:sp>
-        <p:nvSpPr>
-          <p:cNvPr id="155" name="TextBox 154">
-            <a:extLst>
-              <a:ext uri="{FF2B5EF4-FFF2-40B4-BE49-F238E27FC236}">
-                <a16:creationId xmlns:a16="http://schemas.microsoft.com/office/drawing/2014/main" id="{E0868BD7-05D3-C543-9C33-C4FE9B92B326}"/>
-              </a:ext>
-            </a:extLst>
-          </p:cNvPr>
-          <p:cNvSpPr txBox="1"/>
-          <p:nvPr/>
-        </p:nvSpPr>
-        <p:spPr>
-          <a:xfrm>
-            <a:off x="527851" y="8664010"/>
-            <a:ext cx="1182953" cy="276999"/>
-          </a:xfrm>
-          <a:prstGeom prst="rect">
-            <a:avLst/>
-          </a:prstGeom>
-          <a:noFill/>
-        </p:spPr>
-        <p:txBody>
-          <a:bodyPr wrap="none" rtlCol="0">
-            <a:spAutoFit/>
-          </a:bodyPr>
-          <a:lstStyle/>
-          <a:p>
-            <a:r>
-              <a:rPr lang="en-US" sz="1200" dirty="0">
-                <a:latin typeface="Helvetica" pitchFamily="2" charset="0"/>
-              </a:rPr>
-              <a:t>Environment A</a:t>
-            </a:r>
-          </a:p>
-        </p:txBody>
-      </p:sp>
-      <p:sp>
-        <p:nvSpPr>
-          <p:cNvPr id="156" name="TextBox 155">
-            <a:extLst>
-              <a:ext uri="{FF2B5EF4-FFF2-40B4-BE49-F238E27FC236}">
-                <a16:creationId xmlns:a16="http://schemas.microsoft.com/office/drawing/2014/main" id="{BEE24D83-F00A-AE4B-9C83-8746C36B8191}"/>
-              </a:ext>
-            </a:extLst>
-          </p:cNvPr>
-          <p:cNvSpPr txBox="1"/>
-          <p:nvPr/>
-        </p:nvSpPr>
-        <p:spPr>
-          <a:xfrm>
-            <a:off x="2122917" y="8663753"/>
-            <a:ext cx="1191352" cy="276999"/>
-          </a:xfrm>
-          <a:prstGeom prst="rect">
-            <a:avLst/>
-          </a:prstGeom>
-          <a:noFill/>
-        </p:spPr>
-        <p:txBody>
-          <a:bodyPr wrap="none" rtlCol="0">
-            <a:spAutoFit/>
-          </a:bodyPr>
-          <a:lstStyle/>
-          <a:p>
-            <a:r>
-              <a:rPr lang="en-US" sz="1200" dirty="0">
-                <a:latin typeface="Helvetica" pitchFamily="2" charset="0"/>
-              </a:rPr>
-              <a:t>Environment B</a:t>
-            </a:r>
-          </a:p>
-        </p:txBody>
-      </p:sp>
-      <p:sp>
-        <p:nvSpPr>
-          <p:cNvPr id="157" name="TextBox 156">
-            <a:extLst>
-              <a:ext uri="{FF2B5EF4-FFF2-40B4-BE49-F238E27FC236}">
-                <a16:creationId xmlns:a16="http://schemas.microsoft.com/office/drawing/2014/main" id="{B80050E0-E3E3-404A-AC9E-E78F7E531C38}"/>
-              </a:ext>
-            </a:extLst>
-          </p:cNvPr>
-          <p:cNvSpPr txBox="1"/>
-          <p:nvPr/>
-        </p:nvSpPr>
-        <p:spPr>
-          <a:xfrm>
-            <a:off x="515006" y="5961905"/>
-            <a:ext cx="1182953" cy="276999"/>
-          </a:xfrm>
-          <a:prstGeom prst="rect">
-            <a:avLst/>
-          </a:prstGeom>
-          <a:noFill/>
-        </p:spPr>
-        <p:txBody>
-          <a:bodyPr wrap="none" rtlCol="0">
-            <a:spAutoFit/>
-          </a:bodyPr>
-          <a:lstStyle/>
-          <a:p>
-            <a:r>
-              <a:rPr lang="en-US" sz="1200" dirty="0">
-                <a:latin typeface="Helvetica" pitchFamily="2" charset="0"/>
-              </a:rPr>
-              <a:t>Environment A</a:t>
-            </a:r>
-          </a:p>
-        </p:txBody>
-      </p:sp>
-      <p:sp>
-        <p:nvSpPr>
-          <p:cNvPr id="158" name="TextBox 157">
-            <a:extLst>
-              <a:ext uri="{FF2B5EF4-FFF2-40B4-BE49-F238E27FC236}">
-                <a16:creationId xmlns:a16="http://schemas.microsoft.com/office/drawing/2014/main" id="{5924228C-2C52-0C44-BDF2-067F62306800}"/>
-              </a:ext>
-            </a:extLst>
-          </p:cNvPr>
-          <p:cNvSpPr txBox="1"/>
-          <p:nvPr/>
-        </p:nvSpPr>
-        <p:spPr>
-          <a:xfrm>
-            <a:off x="2110072" y="5961648"/>
+            <a:off x="2182806" y="3176864"/>
             <a:ext cx="1191352" cy="276999"/>
           </a:xfrm>
           <a:prstGeom prst="rect">
